--- a/slides/ML_00.pptx
+++ b/slides/ML_00.pptx
@@ -4,20 +4,27 @@
   <p:sldMasterIdLst>
     <p:sldMasterId id="2147483648" r:id="rId1"/>
   </p:sldMasterIdLst>
+  <p:notesMasterIdLst>
+    <p:notesMasterId r:id="rId19"/>
+  </p:notesMasterIdLst>
   <p:sldIdLst>
     <p:sldId id="256" r:id="rId2"/>
-    <p:sldId id="270" r:id="rId3"/>
-    <p:sldId id="271" r:id="rId4"/>
-    <p:sldId id="262" r:id="rId5"/>
-    <p:sldId id="263" r:id="rId6"/>
-    <p:sldId id="272" r:id="rId7"/>
-    <p:sldId id="264" r:id="rId8"/>
-    <p:sldId id="266" r:id="rId9"/>
-    <p:sldId id="265" r:id="rId10"/>
-    <p:sldId id="257" r:id="rId11"/>
-    <p:sldId id="273" r:id="rId12"/>
-    <p:sldId id="268" r:id="rId13"/>
-    <p:sldId id="276" r:id="rId14"/>
+    <p:sldId id="265" r:id="rId3"/>
+    <p:sldId id="266" r:id="rId4"/>
+    <p:sldId id="277" r:id="rId5"/>
+    <p:sldId id="278" r:id="rId6"/>
+    <p:sldId id="279" r:id="rId7"/>
+    <p:sldId id="272" r:id="rId8"/>
+    <p:sldId id="270" r:id="rId9"/>
+    <p:sldId id="271" r:id="rId10"/>
+    <p:sldId id="262" r:id="rId11"/>
+    <p:sldId id="263" r:id="rId12"/>
+    <p:sldId id="264" r:id="rId13"/>
+    <p:sldId id="257" r:id="rId14"/>
+    <p:sldId id="273" r:id="rId15"/>
+    <p:sldId id="268" r:id="rId16"/>
+    <p:sldId id="280" r:id="rId17"/>
+    <p:sldId id="276" r:id="rId18"/>
   </p:sldIdLst>
   <p:sldSz cx="12192000" cy="6858000"/>
   <p:notesSz cx="6858000" cy="9144000"/>
@@ -124,6 +131,529 @@
 </p:presentation>
 </file>
 
+<file path=ppt/notesMasters/notesMaster1.xml><?xml version="1.0" encoding="utf-8"?>
+<p:notesMaster xmlns:a="http://schemas.openxmlformats.org/drawingml/2006/main" xmlns:r="http://schemas.openxmlformats.org/officeDocument/2006/relationships" xmlns:p="http://schemas.openxmlformats.org/presentationml/2006/main">
+  <p:cSld>
+    <p:bg>
+      <p:bgRef idx="1001">
+        <a:schemeClr val="bg1"/>
+      </p:bgRef>
+    </p:bg>
+    <p:spTree>
+      <p:nvGrpSpPr>
+        <p:cNvPr id="1" name=""/>
+        <p:cNvGrpSpPr/>
+        <p:nvPr/>
+      </p:nvGrpSpPr>
+      <p:grpSpPr>
+        <a:xfrm>
+          <a:off x="0" y="0"/>
+          <a:ext cx="0" cy="0"/>
+          <a:chOff x="0" y="0"/>
+          <a:chExt cx="0" cy="0"/>
+        </a:xfrm>
+      </p:grpSpPr>
+      <p:sp>
+        <p:nvSpPr>
+          <p:cNvPr id="2" name="Header Placeholder 1"/>
+          <p:cNvSpPr>
+            <a:spLocks noGrp="1"/>
+          </p:cNvSpPr>
+          <p:nvPr>
+            <p:ph type="hdr" sz="quarter"/>
+          </p:nvPr>
+        </p:nvSpPr>
+        <p:spPr>
+          <a:xfrm>
+            <a:off x="0" y="0"/>
+            <a:ext cx="2971800" cy="458788"/>
+          </a:xfrm>
+          <a:prstGeom prst="rect">
+            <a:avLst/>
+          </a:prstGeom>
+        </p:spPr>
+        <p:txBody>
+          <a:bodyPr vert="horz" lIns="91440" tIns="45720" rIns="91440" bIns="45720" rtlCol="0"/>
+          <a:lstStyle>
+            <a:lvl1pPr algn="l">
+              <a:defRPr sz="1200"/>
+            </a:lvl1pPr>
+          </a:lstStyle>
+          <a:p>
+            <a:endParaRPr lang="en-US"/>
+          </a:p>
+        </p:txBody>
+      </p:sp>
+      <p:sp>
+        <p:nvSpPr>
+          <p:cNvPr id="3" name="Date Placeholder 2"/>
+          <p:cNvSpPr>
+            <a:spLocks noGrp="1"/>
+          </p:cNvSpPr>
+          <p:nvPr>
+            <p:ph type="dt" idx="1"/>
+          </p:nvPr>
+        </p:nvSpPr>
+        <p:spPr>
+          <a:xfrm>
+            <a:off x="3884613" y="0"/>
+            <a:ext cx="2971800" cy="458788"/>
+          </a:xfrm>
+          <a:prstGeom prst="rect">
+            <a:avLst/>
+          </a:prstGeom>
+        </p:spPr>
+        <p:txBody>
+          <a:bodyPr vert="horz" lIns="91440" tIns="45720" rIns="91440" bIns="45720" rtlCol="0"/>
+          <a:lstStyle>
+            <a:lvl1pPr algn="r">
+              <a:defRPr sz="1200"/>
+            </a:lvl1pPr>
+          </a:lstStyle>
+          <a:p>
+            <a:fld id="{C5F2B991-7762-4FD0-8B75-FBCEED4C176B}" type="datetimeFigureOut">
+              <a:rPr lang="en-US" smtClean="0"/>
+              <a:t>1/29/2020</a:t>
+            </a:fld>
+            <a:endParaRPr lang="en-US"/>
+          </a:p>
+        </p:txBody>
+      </p:sp>
+      <p:sp>
+        <p:nvSpPr>
+          <p:cNvPr id="4" name="Slide Image Placeholder 3"/>
+          <p:cNvSpPr>
+            <a:spLocks noGrp="1" noRot="1" noChangeAspect="1"/>
+          </p:cNvSpPr>
+          <p:nvPr>
+            <p:ph type="sldImg" idx="2"/>
+          </p:nvPr>
+        </p:nvSpPr>
+        <p:spPr>
+          <a:xfrm>
+            <a:off x="685800" y="1143000"/>
+            <a:ext cx="5486400" cy="3086100"/>
+          </a:xfrm>
+          <a:prstGeom prst="rect">
+            <a:avLst/>
+          </a:prstGeom>
+          <a:noFill/>
+          <a:ln w="12700">
+            <a:solidFill>
+              <a:prstClr val="black"/>
+            </a:solidFill>
+          </a:ln>
+        </p:spPr>
+        <p:txBody>
+          <a:bodyPr vert="horz" lIns="91440" tIns="45720" rIns="91440" bIns="45720" rtlCol="0" anchor="ctr"/>
+          <a:lstStyle/>
+          <a:p>
+            <a:endParaRPr lang="en-US"/>
+          </a:p>
+        </p:txBody>
+      </p:sp>
+      <p:sp>
+        <p:nvSpPr>
+          <p:cNvPr id="5" name="Notes Placeholder 4"/>
+          <p:cNvSpPr>
+            <a:spLocks noGrp="1"/>
+          </p:cNvSpPr>
+          <p:nvPr>
+            <p:ph type="body" sz="quarter" idx="3"/>
+          </p:nvPr>
+        </p:nvSpPr>
+        <p:spPr>
+          <a:xfrm>
+            <a:off x="685800" y="4400550"/>
+            <a:ext cx="5486400" cy="3600450"/>
+          </a:xfrm>
+          <a:prstGeom prst="rect">
+            <a:avLst/>
+          </a:prstGeom>
+        </p:spPr>
+        <p:txBody>
+          <a:bodyPr vert="horz" lIns="91440" tIns="45720" rIns="91440" bIns="45720" rtlCol="0"/>
+          <a:lstStyle/>
+          <a:p>
+            <a:pPr lvl="0"/>
+            <a:r>
+              <a:rPr lang="en-US"/>
+              <a:t>Click to edit Master text styles</a:t>
+            </a:r>
+          </a:p>
+          <a:p>
+            <a:pPr lvl="1"/>
+            <a:r>
+              <a:rPr lang="en-US"/>
+              <a:t>Second level</a:t>
+            </a:r>
+          </a:p>
+          <a:p>
+            <a:pPr lvl="2"/>
+            <a:r>
+              <a:rPr lang="en-US"/>
+              <a:t>Third level</a:t>
+            </a:r>
+          </a:p>
+          <a:p>
+            <a:pPr lvl="3"/>
+            <a:r>
+              <a:rPr lang="en-US"/>
+              <a:t>Fourth level</a:t>
+            </a:r>
+          </a:p>
+          <a:p>
+            <a:pPr lvl="4"/>
+            <a:r>
+              <a:rPr lang="en-US"/>
+              <a:t>Fifth level</a:t>
+            </a:r>
+          </a:p>
+        </p:txBody>
+      </p:sp>
+      <p:sp>
+        <p:nvSpPr>
+          <p:cNvPr id="6" name="Footer Placeholder 5"/>
+          <p:cNvSpPr>
+            <a:spLocks noGrp="1"/>
+          </p:cNvSpPr>
+          <p:nvPr>
+            <p:ph type="ftr" sz="quarter" idx="4"/>
+          </p:nvPr>
+        </p:nvSpPr>
+        <p:spPr>
+          <a:xfrm>
+            <a:off x="0" y="8685213"/>
+            <a:ext cx="2971800" cy="458787"/>
+          </a:xfrm>
+          <a:prstGeom prst="rect">
+            <a:avLst/>
+          </a:prstGeom>
+        </p:spPr>
+        <p:txBody>
+          <a:bodyPr vert="horz" lIns="91440" tIns="45720" rIns="91440" bIns="45720" rtlCol="0" anchor="b"/>
+          <a:lstStyle>
+            <a:lvl1pPr algn="l">
+              <a:defRPr sz="1200"/>
+            </a:lvl1pPr>
+          </a:lstStyle>
+          <a:p>
+            <a:endParaRPr lang="en-US"/>
+          </a:p>
+        </p:txBody>
+      </p:sp>
+      <p:sp>
+        <p:nvSpPr>
+          <p:cNvPr id="7" name="Slide Number Placeholder 6"/>
+          <p:cNvSpPr>
+            <a:spLocks noGrp="1"/>
+          </p:cNvSpPr>
+          <p:nvPr>
+            <p:ph type="sldNum" sz="quarter" idx="5"/>
+          </p:nvPr>
+        </p:nvSpPr>
+        <p:spPr>
+          <a:xfrm>
+            <a:off x="3884613" y="8685213"/>
+            <a:ext cx="2971800" cy="458787"/>
+          </a:xfrm>
+          <a:prstGeom prst="rect">
+            <a:avLst/>
+          </a:prstGeom>
+        </p:spPr>
+        <p:txBody>
+          <a:bodyPr vert="horz" lIns="91440" tIns="45720" rIns="91440" bIns="45720" rtlCol="0" anchor="b"/>
+          <a:lstStyle>
+            <a:lvl1pPr algn="r">
+              <a:defRPr sz="1200"/>
+            </a:lvl1pPr>
+          </a:lstStyle>
+          <a:p>
+            <a:fld id="{C4F5526F-F2BE-4FED-81ED-976F88FFEC7F}" type="slidenum">
+              <a:rPr lang="en-US" smtClean="0"/>
+              <a:t>‹#›</a:t>
+            </a:fld>
+            <a:endParaRPr lang="en-US"/>
+          </a:p>
+        </p:txBody>
+      </p:sp>
+    </p:spTree>
+    <p:extLst>
+      <p:ext uri="{BB962C8B-B14F-4D97-AF65-F5344CB8AC3E}">
+        <p14:creationId xmlns:p14="http://schemas.microsoft.com/office/powerpoint/2010/main" val="115329382"/>
+      </p:ext>
+    </p:extLst>
+  </p:cSld>
+  <p:clrMap bg1="lt1" tx1="dk1" bg2="lt2" tx2="dk2" accent1="accent1" accent2="accent2" accent3="accent3" accent4="accent4" accent5="accent5" accent6="accent6" hlink="hlink" folHlink="folHlink"/>
+  <p:notesStyle>
+    <a:lvl1pPr marL="0" algn="l" defTabSz="914400" rtl="0" eaLnBrk="1" latinLnBrk="0" hangingPunct="1">
+      <a:defRPr sz="1200" kern="1200">
+        <a:solidFill>
+          <a:schemeClr val="tx1"/>
+        </a:solidFill>
+        <a:latin typeface="+mn-lt"/>
+        <a:ea typeface="+mn-ea"/>
+        <a:cs typeface="+mn-cs"/>
+      </a:defRPr>
+    </a:lvl1pPr>
+    <a:lvl2pPr marL="457200" algn="l" defTabSz="914400" rtl="0" eaLnBrk="1" latinLnBrk="0" hangingPunct="1">
+      <a:defRPr sz="1200" kern="1200">
+        <a:solidFill>
+          <a:schemeClr val="tx1"/>
+        </a:solidFill>
+        <a:latin typeface="+mn-lt"/>
+        <a:ea typeface="+mn-ea"/>
+        <a:cs typeface="+mn-cs"/>
+      </a:defRPr>
+    </a:lvl2pPr>
+    <a:lvl3pPr marL="914400" algn="l" defTabSz="914400" rtl="0" eaLnBrk="1" latinLnBrk="0" hangingPunct="1">
+      <a:defRPr sz="1200" kern="1200">
+        <a:solidFill>
+          <a:schemeClr val="tx1"/>
+        </a:solidFill>
+        <a:latin typeface="+mn-lt"/>
+        <a:ea typeface="+mn-ea"/>
+        <a:cs typeface="+mn-cs"/>
+      </a:defRPr>
+    </a:lvl3pPr>
+    <a:lvl4pPr marL="1371600" algn="l" defTabSz="914400" rtl="0" eaLnBrk="1" latinLnBrk="0" hangingPunct="1">
+      <a:defRPr sz="1200" kern="1200">
+        <a:solidFill>
+          <a:schemeClr val="tx1"/>
+        </a:solidFill>
+        <a:latin typeface="+mn-lt"/>
+        <a:ea typeface="+mn-ea"/>
+        <a:cs typeface="+mn-cs"/>
+      </a:defRPr>
+    </a:lvl4pPr>
+    <a:lvl5pPr marL="1828800" algn="l" defTabSz="914400" rtl="0" eaLnBrk="1" latinLnBrk="0" hangingPunct="1">
+      <a:defRPr sz="1200" kern="1200">
+        <a:solidFill>
+          <a:schemeClr val="tx1"/>
+        </a:solidFill>
+        <a:latin typeface="+mn-lt"/>
+        <a:ea typeface="+mn-ea"/>
+        <a:cs typeface="+mn-cs"/>
+      </a:defRPr>
+    </a:lvl5pPr>
+    <a:lvl6pPr marL="2286000" algn="l" defTabSz="914400" rtl="0" eaLnBrk="1" latinLnBrk="0" hangingPunct="1">
+      <a:defRPr sz="1200" kern="1200">
+        <a:solidFill>
+          <a:schemeClr val="tx1"/>
+        </a:solidFill>
+        <a:latin typeface="+mn-lt"/>
+        <a:ea typeface="+mn-ea"/>
+        <a:cs typeface="+mn-cs"/>
+      </a:defRPr>
+    </a:lvl6pPr>
+    <a:lvl7pPr marL="2743200" algn="l" defTabSz="914400" rtl="0" eaLnBrk="1" latinLnBrk="0" hangingPunct="1">
+      <a:defRPr sz="1200" kern="1200">
+        <a:solidFill>
+          <a:schemeClr val="tx1"/>
+        </a:solidFill>
+        <a:latin typeface="+mn-lt"/>
+        <a:ea typeface="+mn-ea"/>
+        <a:cs typeface="+mn-cs"/>
+      </a:defRPr>
+    </a:lvl7pPr>
+    <a:lvl8pPr marL="3200400" algn="l" defTabSz="914400" rtl="0" eaLnBrk="1" latinLnBrk="0" hangingPunct="1">
+      <a:defRPr sz="1200" kern="1200">
+        <a:solidFill>
+          <a:schemeClr val="tx1"/>
+        </a:solidFill>
+        <a:latin typeface="+mn-lt"/>
+        <a:ea typeface="+mn-ea"/>
+        <a:cs typeface="+mn-cs"/>
+      </a:defRPr>
+    </a:lvl8pPr>
+    <a:lvl9pPr marL="3657600" algn="l" defTabSz="914400" rtl="0" eaLnBrk="1" latinLnBrk="0" hangingPunct="1">
+      <a:defRPr sz="1200" kern="1200">
+        <a:solidFill>
+          <a:schemeClr val="tx1"/>
+        </a:solidFill>
+        <a:latin typeface="+mn-lt"/>
+        <a:ea typeface="+mn-ea"/>
+        <a:cs typeface="+mn-cs"/>
+      </a:defRPr>
+    </a:lvl9pPr>
+  </p:notesStyle>
+</p:notesMaster>
+</file>
+
+<file path=ppt/notesSlides/notesSlide1.xml><?xml version="1.0" encoding="utf-8"?>
+<p:notes xmlns:a="http://schemas.openxmlformats.org/drawingml/2006/main" xmlns:r="http://schemas.openxmlformats.org/officeDocument/2006/relationships" xmlns:p="http://schemas.openxmlformats.org/presentationml/2006/main">
+  <p:cSld>
+    <p:spTree>
+      <p:nvGrpSpPr>
+        <p:cNvPr id="1" name=""/>
+        <p:cNvGrpSpPr/>
+        <p:nvPr/>
+      </p:nvGrpSpPr>
+      <p:grpSpPr>
+        <a:xfrm>
+          <a:off x="0" y="0"/>
+          <a:ext cx="0" cy="0"/>
+          <a:chOff x="0" y="0"/>
+          <a:chExt cx="0" cy="0"/>
+        </a:xfrm>
+      </p:grpSpPr>
+      <p:sp>
+        <p:nvSpPr>
+          <p:cNvPr id="2" name="Slide Image Placeholder 1"/>
+          <p:cNvSpPr>
+            <a:spLocks noGrp="1" noRot="1" noChangeAspect="1"/>
+          </p:cNvSpPr>
+          <p:nvPr>
+            <p:ph type="sldImg"/>
+          </p:nvPr>
+        </p:nvSpPr>
+        <p:spPr/>
+      </p:sp>
+      <p:sp>
+        <p:nvSpPr>
+          <p:cNvPr id="3" name="Notes Placeholder 2"/>
+          <p:cNvSpPr>
+            <a:spLocks noGrp="1"/>
+          </p:cNvSpPr>
+          <p:nvPr>
+            <p:ph type="body" idx="1"/>
+          </p:nvPr>
+        </p:nvSpPr>
+        <p:spPr/>
+        <p:txBody>
+          <a:bodyPr/>
+          <a:lstStyle/>
+          <a:p>
+            <a:r>
+              <a:rPr lang="en-US" dirty="0"/>
+              <a:t>What are the concepts leaned? Feature, labels, error, training set. (By asking this question, students are move to speak in English, at least some words)</a:t>
+            </a:r>
+          </a:p>
+        </p:txBody>
+      </p:sp>
+      <p:sp>
+        <p:nvSpPr>
+          <p:cNvPr id="4" name="Slide Number Placeholder 3"/>
+          <p:cNvSpPr>
+            <a:spLocks noGrp="1"/>
+          </p:cNvSpPr>
+          <p:nvPr>
+            <p:ph type="sldNum" sz="quarter" idx="5"/>
+          </p:nvPr>
+        </p:nvSpPr>
+        <p:spPr/>
+        <p:txBody>
+          <a:bodyPr/>
+          <a:lstStyle/>
+          <a:p>
+            <a:fld id="{C4F5526F-F2BE-4FED-81ED-976F88FFEC7F}" type="slidenum">
+              <a:rPr lang="en-US" smtClean="0"/>
+              <a:t>6</a:t>
+            </a:fld>
+            <a:endParaRPr lang="en-US"/>
+          </a:p>
+        </p:txBody>
+      </p:sp>
+    </p:spTree>
+    <p:extLst>
+      <p:ext uri="{BB962C8B-B14F-4D97-AF65-F5344CB8AC3E}">
+        <p14:creationId xmlns:p14="http://schemas.microsoft.com/office/powerpoint/2010/main" val="437548392"/>
+      </p:ext>
+    </p:extLst>
+  </p:cSld>
+  <p:clrMapOvr>
+    <a:masterClrMapping/>
+  </p:clrMapOvr>
+</p:notes>
+</file>
+
+<file path=ppt/notesSlides/notesSlide2.xml><?xml version="1.0" encoding="utf-8"?>
+<p:notes xmlns:a="http://schemas.openxmlformats.org/drawingml/2006/main" xmlns:r="http://schemas.openxmlformats.org/officeDocument/2006/relationships" xmlns:p="http://schemas.openxmlformats.org/presentationml/2006/main">
+  <p:cSld>
+    <p:spTree>
+      <p:nvGrpSpPr>
+        <p:cNvPr id="1" name=""/>
+        <p:cNvGrpSpPr/>
+        <p:nvPr/>
+      </p:nvGrpSpPr>
+      <p:grpSpPr>
+        <a:xfrm>
+          <a:off x="0" y="0"/>
+          <a:ext cx="0" cy="0"/>
+          <a:chOff x="0" y="0"/>
+          <a:chExt cx="0" cy="0"/>
+        </a:xfrm>
+      </p:grpSpPr>
+      <p:sp>
+        <p:nvSpPr>
+          <p:cNvPr id="2" name="Slide Image Placeholder 1"/>
+          <p:cNvSpPr>
+            <a:spLocks noGrp="1" noRot="1" noChangeAspect="1"/>
+          </p:cNvSpPr>
+          <p:nvPr>
+            <p:ph type="sldImg"/>
+          </p:nvPr>
+        </p:nvSpPr>
+        <p:spPr/>
+      </p:sp>
+      <p:sp>
+        <p:nvSpPr>
+          <p:cNvPr id="3" name="Notes Placeholder 2"/>
+          <p:cNvSpPr>
+            <a:spLocks noGrp="1"/>
+          </p:cNvSpPr>
+          <p:nvPr>
+            <p:ph type="body" idx="1"/>
+          </p:nvPr>
+        </p:nvSpPr>
+        <p:spPr/>
+        <p:txBody>
+          <a:bodyPr/>
+          <a:lstStyle/>
+          <a:p>
+            <a:r>
+              <a:rPr lang="en-US" dirty="0"/>
+              <a:t>What are the concepts leaned? Feature, labels, error, training set. (By asking this question, students are move to speak in English, at least some words)</a:t>
+            </a:r>
+          </a:p>
+        </p:txBody>
+      </p:sp>
+      <p:sp>
+        <p:nvSpPr>
+          <p:cNvPr id="4" name="Slide Number Placeholder 3"/>
+          <p:cNvSpPr>
+            <a:spLocks noGrp="1"/>
+          </p:cNvSpPr>
+          <p:nvPr>
+            <p:ph type="sldNum" sz="quarter" idx="5"/>
+          </p:nvPr>
+        </p:nvSpPr>
+        <p:spPr/>
+        <p:txBody>
+          <a:bodyPr/>
+          <a:lstStyle/>
+          <a:p>
+            <a:fld id="{C4F5526F-F2BE-4FED-81ED-976F88FFEC7F}" type="slidenum">
+              <a:rPr lang="en-US" smtClean="0"/>
+              <a:t>16</a:t>
+            </a:fld>
+            <a:endParaRPr lang="en-US"/>
+          </a:p>
+        </p:txBody>
+      </p:sp>
+    </p:spTree>
+    <p:extLst>
+      <p:ext uri="{BB962C8B-B14F-4D97-AF65-F5344CB8AC3E}">
+        <p14:creationId xmlns:p14="http://schemas.microsoft.com/office/powerpoint/2010/main" val="1466112913"/>
+      </p:ext>
+    </p:extLst>
+  </p:cSld>
+  <p:clrMapOvr>
+    <a:masterClrMapping/>
+  </p:clrMapOvr>
+</p:notes>
+</file>
+
 <file path=ppt/slideLayouts/slideLayout1.xml><?xml version="1.0" encoding="utf-8"?>
 <p:sldLayout xmlns:a="http://schemas.openxmlformats.org/drawingml/2006/main" xmlns:r="http://schemas.openxmlformats.org/officeDocument/2006/relationships" xmlns:p="http://schemas.openxmlformats.org/presentationml/2006/main" type="title" preserve="1">
   <p:cSld name="Title Slide">
@@ -271,7 +801,7 @@
           <a:p>
             <a:fld id="{AD5F67BE-FA4E-4E0B-ADD2-E9EACB8A83D4}" type="datetimeFigureOut">
               <a:rPr lang="en-US" smtClean="0"/>
-              <a:t>1/28/2020</a:t>
+              <a:t>1/29/2020</a:t>
             </a:fld>
             <a:endParaRPr lang="en-US"/>
           </a:p>
@@ -469,7 +999,7 @@
           <a:p>
             <a:fld id="{AD5F67BE-FA4E-4E0B-ADD2-E9EACB8A83D4}" type="datetimeFigureOut">
               <a:rPr lang="en-US" smtClean="0"/>
-              <a:t>1/28/2020</a:t>
+              <a:t>1/29/2020</a:t>
             </a:fld>
             <a:endParaRPr lang="en-US"/>
           </a:p>
@@ -677,7 +1207,7 @@
           <a:p>
             <a:fld id="{AD5F67BE-FA4E-4E0B-ADD2-E9EACB8A83D4}" type="datetimeFigureOut">
               <a:rPr lang="en-US" smtClean="0"/>
-              <a:t>1/28/2020</a:t>
+              <a:t>1/29/2020</a:t>
             </a:fld>
             <a:endParaRPr lang="en-US"/>
           </a:p>
@@ -875,7 +1405,7 @@
           <a:p>
             <a:fld id="{AD5F67BE-FA4E-4E0B-ADD2-E9EACB8A83D4}" type="datetimeFigureOut">
               <a:rPr lang="en-US" smtClean="0"/>
-              <a:t>1/28/2020</a:t>
+              <a:t>1/29/2020</a:t>
             </a:fld>
             <a:endParaRPr lang="en-US"/>
           </a:p>
@@ -1150,7 +1680,7 @@
           <a:p>
             <a:fld id="{AD5F67BE-FA4E-4E0B-ADD2-E9EACB8A83D4}" type="datetimeFigureOut">
               <a:rPr lang="en-US" smtClean="0"/>
-              <a:t>1/28/2020</a:t>
+              <a:t>1/29/2020</a:t>
             </a:fld>
             <a:endParaRPr lang="en-US"/>
           </a:p>
@@ -1415,7 +1945,7 @@
           <a:p>
             <a:fld id="{AD5F67BE-FA4E-4E0B-ADD2-E9EACB8A83D4}" type="datetimeFigureOut">
               <a:rPr lang="en-US" smtClean="0"/>
-              <a:t>1/28/2020</a:t>
+              <a:t>1/29/2020</a:t>
             </a:fld>
             <a:endParaRPr lang="en-US"/>
           </a:p>
@@ -1827,7 +2357,7 @@
           <a:p>
             <a:fld id="{AD5F67BE-FA4E-4E0B-ADD2-E9EACB8A83D4}" type="datetimeFigureOut">
               <a:rPr lang="en-US" smtClean="0"/>
-              <a:t>1/28/2020</a:t>
+              <a:t>1/29/2020</a:t>
             </a:fld>
             <a:endParaRPr lang="en-US"/>
           </a:p>
@@ -1968,7 +2498,7 @@
           <a:p>
             <a:fld id="{AD5F67BE-FA4E-4E0B-ADD2-E9EACB8A83D4}" type="datetimeFigureOut">
               <a:rPr lang="en-US" smtClean="0"/>
-              <a:t>1/28/2020</a:t>
+              <a:t>1/29/2020</a:t>
             </a:fld>
             <a:endParaRPr lang="en-US"/>
           </a:p>
@@ -2081,7 +2611,7 @@
           <a:p>
             <a:fld id="{AD5F67BE-FA4E-4E0B-ADD2-E9EACB8A83D4}" type="datetimeFigureOut">
               <a:rPr lang="en-US" smtClean="0"/>
-              <a:t>1/28/2020</a:t>
+              <a:t>1/29/2020</a:t>
             </a:fld>
             <a:endParaRPr lang="en-US"/>
           </a:p>
@@ -2392,7 +2922,7 @@
           <a:p>
             <a:fld id="{AD5F67BE-FA4E-4E0B-ADD2-E9EACB8A83D4}" type="datetimeFigureOut">
               <a:rPr lang="en-US" smtClean="0"/>
-              <a:t>1/28/2020</a:t>
+              <a:t>1/29/2020</a:t>
             </a:fld>
             <a:endParaRPr lang="en-US"/>
           </a:p>
@@ -2680,7 +3210,7 @@
           <a:p>
             <a:fld id="{AD5F67BE-FA4E-4E0B-ADD2-E9EACB8A83D4}" type="datetimeFigureOut">
               <a:rPr lang="en-US" smtClean="0"/>
-              <a:t>1/28/2020</a:t>
+              <a:t>1/29/2020</a:t>
             </a:fld>
             <a:endParaRPr lang="en-US"/>
           </a:p>
@@ -2921,7 +3451,7 @@
           <a:p>
             <a:fld id="{AD5F67BE-FA4E-4E0B-ADD2-E9EACB8A83D4}" type="datetimeFigureOut">
               <a:rPr lang="en-US" smtClean="0"/>
-              <a:t>1/28/2020</a:t>
+              <a:t>1/29/2020</a:t>
             </a:fld>
             <a:endParaRPr lang="en-US"/>
           </a:p>
@@ -3560,6 +4090,514 @@
           <p:cNvPr id="2" name="Title 1">
             <a:extLst>
               <a:ext uri="{FF2B5EF4-FFF2-40B4-BE49-F238E27FC236}">
+                <a16:creationId xmlns:a16="http://schemas.microsoft.com/office/drawing/2014/main" id="{B933CCD5-5065-4690-BA0E-DD3059444A9A}"/>
+              </a:ext>
+            </a:extLst>
+          </p:cNvPr>
+          <p:cNvSpPr>
+            <a:spLocks noGrp="1"/>
+          </p:cNvSpPr>
+          <p:nvPr>
+            <p:ph type="title"/>
+          </p:nvPr>
+        </p:nvSpPr>
+        <p:spPr/>
+        <p:txBody>
+          <a:bodyPr/>
+          <a:lstStyle/>
+          <a:p>
+            <a:r>
+              <a:rPr lang="en-US" dirty="0"/>
+              <a:t>Applications in this course</a:t>
+            </a:r>
+          </a:p>
+        </p:txBody>
+      </p:sp>
+      <p:sp>
+        <p:nvSpPr>
+          <p:cNvPr id="3" name="Content Placeholder 2">
+            <a:extLst>
+              <a:ext uri="{FF2B5EF4-FFF2-40B4-BE49-F238E27FC236}">
+                <a16:creationId xmlns:a16="http://schemas.microsoft.com/office/drawing/2014/main" id="{14661053-500D-4C4F-B590-42B61D42A4B2}"/>
+              </a:ext>
+            </a:extLst>
+          </p:cNvPr>
+          <p:cNvSpPr>
+            <a:spLocks noGrp="1"/>
+          </p:cNvSpPr>
+          <p:nvPr>
+            <p:ph idx="1"/>
+          </p:nvPr>
+        </p:nvSpPr>
+        <p:spPr/>
+        <p:txBody>
+          <a:bodyPr>
+            <a:normAutofit/>
+          </a:bodyPr>
+          <a:lstStyle/>
+          <a:p>
+            <a:pPr marL="0" indent="0">
+              <a:buNone/>
+            </a:pPr>
+            <a:r>
+              <a:rPr lang="en-US" dirty="0"/>
+              <a:t>Hydrology, geothermal, radioactive waste disposal, oil and gas, CO2 sequestration, mining</a:t>
+            </a:r>
+          </a:p>
+          <a:p>
+            <a:pPr lvl="1"/>
+            <a:r>
+              <a:rPr lang="en-US" dirty="0"/>
+              <a:t>Fluid volume production from a well</a:t>
+            </a:r>
+          </a:p>
+          <a:p>
+            <a:pPr lvl="1"/>
+            <a:r>
+              <a:rPr lang="en-US" dirty="0"/>
+              <a:t>Porosity from depth (</a:t>
+            </a:r>
+            <a:r>
+              <a:rPr lang="en-US" dirty="0" err="1"/>
+              <a:t>Pyrcz</a:t>
+            </a:r>
+            <a:r>
+              <a:rPr lang="en-US" dirty="0"/>
+              <a:t>)</a:t>
+            </a:r>
+          </a:p>
+          <a:p>
+            <a:pPr lvl="1"/>
+            <a:r>
+              <a:rPr lang="en-US" dirty="0"/>
+              <a:t>…</a:t>
+            </a:r>
+          </a:p>
+          <a:p>
+            <a:pPr marL="0" indent="0">
+              <a:buNone/>
+            </a:pPr>
+            <a:endParaRPr lang="en-US" dirty="0"/>
+          </a:p>
+          <a:p>
+            <a:pPr marL="0" indent="0">
+              <a:buNone/>
+            </a:pPr>
+            <a:r>
+              <a:rPr lang="en-US" dirty="0"/>
+              <a:t>Mostly based on the book of </a:t>
+            </a:r>
+            <a:r>
+              <a:rPr lang="en-US" dirty="0" err="1"/>
+              <a:t>Guangren</a:t>
+            </a:r>
+            <a:r>
+              <a:rPr lang="en-US" dirty="0"/>
+              <a:t> Shi</a:t>
+            </a:r>
+          </a:p>
+          <a:p>
+            <a:pPr marL="0" indent="0">
+              <a:buNone/>
+            </a:pPr>
+            <a:endParaRPr lang="en-US" dirty="0"/>
+          </a:p>
+          <a:p>
+            <a:pPr marL="0" indent="0">
+              <a:buNone/>
+            </a:pPr>
+            <a:endParaRPr lang="en-US" dirty="0"/>
+          </a:p>
+          <a:p>
+            <a:pPr marL="0" indent="0">
+              <a:buNone/>
+            </a:pPr>
+            <a:endParaRPr lang="en-US" dirty="0"/>
+          </a:p>
+        </p:txBody>
+      </p:sp>
+    </p:spTree>
+    <p:extLst>
+      <p:ext uri="{BB962C8B-B14F-4D97-AF65-F5344CB8AC3E}">
+        <p14:creationId xmlns:p14="http://schemas.microsoft.com/office/powerpoint/2010/main" val="3325087034"/>
+      </p:ext>
+    </p:extLst>
+  </p:cSld>
+  <p:clrMapOvr>
+    <a:masterClrMapping/>
+  </p:clrMapOvr>
+</p:sld>
+</file>
+
+<file path=ppt/slides/slide11.xml><?xml version="1.0" encoding="utf-8"?>
+<p:sld xmlns:a="http://schemas.openxmlformats.org/drawingml/2006/main" xmlns:r="http://schemas.openxmlformats.org/officeDocument/2006/relationships" xmlns:p="http://schemas.openxmlformats.org/presentationml/2006/main">
+  <p:cSld>
+    <p:spTree>
+      <p:nvGrpSpPr>
+        <p:cNvPr id="1" name=""/>
+        <p:cNvGrpSpPr/>
+        <p:nvPr/>
+      </p:nvGrpSpPr>
+      <p:grpSpPr>
+        <a:xfrm>
+          <a:off x="0" y="0"/>
+          <a:ext cx="0" cy="0"/>
+          <a:chOff x="0" y="0"/>
+          <a:chExt cx="0" cy="0"/>
+        </a:xfrm>
+      </p:grpSpPr>
+      <p:sp>
+        <p:nvSpPr>
+          <p:cNvPr id="2" name="Title 1">
+            <a:extLst>
+              <a:ext uri="{FF2B5EF4-FFF2-40B4-BE49-F238E27FC236}">
+                <a16:creationId xmlns:a16="http://schemas.microsoft.com/office/drawing/2014/main" id="{F6C9038C-05DA-424D-86B4-E8342E4EACCA}"/>
+              </a:ext>
+            </a:extLst>
+          </p:cNvPr>
+          <p:cNvSpPr>
+            <a:spLocks noGrp="1"/>
+          </p:cNvSpPr>
+          <p:nvPr>
+            <p:ph type="title"/>
+          </p:nvPr>
+        </p:nvSpPr>
+        <p:spPr/>
+        <p:txBody>
+          <a:bodyPr/>
+          <a:lstStyle/>
+          <a:p>
+            <a:r>
+              <a:rPr lang="en-US" dirty="0"/>
+              <a:t>Types of Machine learning algorithms</a:t>
+            </a:r>
+          </a:p>
+        </p:txBody>
+      </p:sp>
+      <p:sp>
+        <p:nvSpPr>
+          <p:cNvPr id="3" name="Content Placeholder 2">
+            <a:extLst>
+              <a:ext uri="{FF2B5EF4-FFF2-40B4-BE49-F238E27FC236}">
+                <a16:creationId xmlns:a16="http://schemas.microsoft.com/office/drawing/2014/main" id="{7148C530-4C95-4FEC-8134-7F0DA907478A}"/>
+              </a:ext>
+            </a:extLst>
+          </p:cNvPr>
+          <p:cNvSpPr>
+            <a:spLocks noGrp="1"/>
+          </p:cNvSpPr>
+          <p:nvPr>
+            <p:ph idx="1"/>
+          </p:nvPr>
+        </p:nvSpPr>
+        <p:spPr/>
+        <p:txBody>
+          <a:bodyPr>
+            <a:normAutofit fontScale="85000" lnSpcReduction="20000"/>
+          </a:bodyPr>
+          <a:lstStyle/>
+          <a:p>
+            <a:r>
+              <a:rPr lang="en-US" dirty="0"/>
+              <a:t>Supervised</a:t>
+            </a:r>
+          </a:p>
+          <a:p>
+            <a:pPr marL="457200" lvl="1" indent="0">
+              <a:buNone/>
+            </a:pPr>
+            <a:r>
+              <a:rPr lang="en-US" dirty="0"/>
+              <a:t>• k-Nearest Neighbors</a:t>
+            </a:r>
+          </a:p>
+          <a:p>
+            <a:pPr marL="457200" lvl="1" indent="0">
+              <a:buNone/>
+            </a:pPr>
+            <a:r>
+              <a:rPr lang="en-US" dirty="0"/>
+              <a:t>• Linear Regression</a:t>
+            </a:r>
+          </a:p>
+          <a:p>
+            <a:pPr marL="457200" lvl="1" indent="0">
+              <a:buNone/>
+            </a:pPr>
+            <a:r>
+              <a:rPr lang="en-US" dirty="0"/>
+              <a:t>• Logistic Regression</a:t>
+            </a:r>
+          </a:p>
+          <a:p>
+            <a:pPr marL="457200" lvl="1" indent="0">
+              <a:buNone/>
+            </a:pPr>
+            <a:r>
+              <a:rPr lang="en-US" dirty="0"/>
+              <a:t>• Support Vector Machines (SVMs)</a:t>
+            </a:r>
+          </a:p>
+          <a:p>
+            <a:pPr marL="457200" lvl="1" indent="0">
+              <a:buNone/>
+            </a:pPr>
+            <a:r>
+              <a:rPr lang="en-US" dirty="0"/>
+              <a:t>• Decision Trees, Ensemble methods</a:t>
+            </a:r>
+          </a:p>
+          <a:p>
+            <a:pPr marL="457200" lvl="1" indent="0">
+              <a:buNone/>
+            </a:pPr>
+            <a:r>
+              <a:rPr lang="en-US" dirty="0"/>
+              <a:t>• Neural networks</a:t>
+            </a:r>
+          </a:p>
+          <a:p>
+            <a:r>
+              <a:rPr lang="en-US" dirty="0"/>
+              <a:t>Unsupervised</a:t>
+            </a:r>
+          </a:p>
+          <a:p>
+            <a:pPr lvl="1"/>
+            <a:r>
+              <a:rPr lang="en-US" dirty="0"/>
+              <a:t>Clustering: K-means, Hierarchical Cluster Analysis (HCA)</a:t>
+            </a:r>
+          </a:p>
+          <a:p>
+            <a:pPr lvl="1"/>
+            <a:r>
+              <a:rPr lang="en-US" dirty="0"/>
+              <a:t>Visualization and dimensionality reduction (Kernel)? PCA, t-distributed Stochastic Neighbor Embedding (t-SNE)</a:t>
+            </a:r>
+          </a:p>
+          <a:p>
+            <a:r>
+              <a:rPr lang="en-US" dirty="0"/>
+              <a:t>Reinforcement learning</a:t>
+            </a:r>
+          </a:p>
+          <a:p>
+            <a:endParaRPr lang="en-US" dirty="0"/>
+          </a:p>
+          <a:p>
+            <a:r>
+              <a:rPr lang="en-US" dirty="0"/>
+              <a:t>Batch and Online learning</a:t>
+            </a:r>
+          </a:p>
+        </p:txBody>
+      </p:sp>
+      <p:pic>
+        <p:nvPicPr>
+          <p:cNvPr id="4" name="Picture 3">
+            <a:extLst>
+              <a:ext uri="{FF2B5EF4-FFF2-40B4-BE49-F238E27FC236}">
+                <a16:creationId xmlns:a16="http://schemas.microsoft.com/office/drawing/2014/main" id="{3C4FBE9D-BFFE-4D2A-851C-3C465FE83576}"/>
+              </a:ext>
+            </a:extLst>
+          </p:cNvPr>
+          <p:cNvPicPr>
+            <a:picLocks noChangeAspect="1"/>
+          </p:cNvPicPr>
+          <p:nvPr/>
+        </p:nvPicPr>
+        <p:blipFill>
+          <a:blip r:embed="rId2"/>
+          <a:stretch>
+            <a:fillRect/>
+          </a:stretch>
+        </p:blipFill>
+        <p:spPr>
+          <a:xfrm>
+            <a:off x="5050301" y="1474742"/>
+            <a:ext cx="3684746" cy="1410260"/>
+          </a:xfrm>
+          <a:prstGeom prst="rect">
+            <a:avLst/>
+          </a:prstGeom>
+        </p:spPr>
+      </p:pic>
+      <p:pic>
+        <p:nvPicPr>
+          <p:cNvPr id="5" name="Picture 4">
+            <a:extLst>
+              <a:ext uri="{FF2B5EF4-FFF2-40B4-BE49-F238E27FC236}">
+                <a16:creationId xmlns:a16="http://schemas.microsoft.com/office/drawing/2014/main" id="{3A4360B0-DC3B-4E7D-BCF7-D3B3C91738BC}"/>
+              </a:ext>
+            </a:extLst>
+          </p:cNvPr>
+          <p:cNvPicPr>
+            <a:picLocks noChangeAspect="1"/>
+          </p:cNvPicPr>
+          <p:nvPr/>
+        </p:nvPicPr>
+        <p:blipFill>
+          <a:blip r:embed="rId3"/>
+          <a:stretch>
+            <a:fillRect/>
+          </a:stretch>
+        </p:blipFill>
+        <p:spPr>
+          <a:xfrm>
+            <a:off x="9129931" y="2696219"/>
+            <a:ext cx="2634655" cy="1465562"/>
+          </a:xfrm>
+          <a:prstGeom prst="rect">
+            <a:avLst/>
+          </a:prstGeom>
+        </p:spPr>
+      </p:pic>
+    </p:spTree>
+    <p:extLst>
+      <p:ext uri="{BB962C8B-B14F-4D97-AF65-F5344CB8AC3E}">
+        <p14:creationId xmlns:p14="http://schemas.microsoft.com/office/powerpoint/2010/main" val="2842235650"/>
+      </p:ext>
+    </p:extLst>
+  </p:cSld>
+  <p:clrMapOvr>
+    <a:masterClrMapping/>
+  </p:clrMapOvr>
+</p:sld>
+</file>
+
+<file path=ppt/slides/slide12.xml><?xml version="1.0" encoding="utf-8"?>
+<p:sld xmlns:a="http://schemas.openxmlformats.org/drawingml/2006/main" xmlns:r="http://schemas.openxmlformats.org/officeDocument/2006/relationships" xmlns:p="http://schemas.openxmlformats.org/presentationml/2006/main">
+  <p:cSld>
+    <p:spTree>
+      <p:nvGrpSpPr>
+        <p:cNvPr id="1" name=""/>
+        <p:cNvGrpSpPr/>
+        <p:nvPr/>
+      </p:nvGrpSpPr>
+      <p:grpSpPr>
+        <a:xfrm>
+          <a:off x="0" y="0"/>
+          <a:ext cx="0" cy="0"/>
+          <a:chOff x="0" y="0"/>
+          <a:chExt cx="0" cy="0"/>
+        </a:xfrm>
+      </p:grpSpPr>
+      <p:sp>
+        <p:nvSpPr>
+          <p:cNvPr id="2" name="Title 1">
+            <a:extLst>
+              <a:ext uri="{FF2B5EF4-FFF2-40B4-BE49-F238E27FC236}">
+                <a16:creationId xmlns:a16="http://schemas.microsoft.com/office/drawing/2014/main" id="{6AF1237B-3CF2-4A0B-8CB6-13A57D8B8952}"/>
+              </a:ext>
+            </a:extLst>
+          </p:cNvPr>
+          <p:cNvSpPr>
+            <a:spLocks noGrp="1"/>
+          </p:cNvSpPr>
+          <p:nvPr>
+            <p:ph type="title"/>
+          </p:nvPr>
+        </p:nvSpPr>
+        <p:spPr/>
+        <p:txBody>
+          <a:bodyPr/>
+          <a:lstStyle/>
+          <a:p>
+            <a:r>
+              <a:rPr lang="en-US" dirty="0"/>
+              <a:t>Grading</a:t>
+            </a:r>
+          </a:p>
+        </p:txBody>
+      </p:sp>
+      <p:sp>
+        <p:nvSpPr>
+          <p:cNvPr id="3" name="Content Placeholder 2">
+            <a:extLst>
+              <a:ext uri="{FF2B5EF4-FFF2-40B4-BE49-F238E27FC236}">
+                <a16:creationId xmlns:a16="http://schemas.microsoft.com/office/drawing/2014/main" id="{29E844A6-B3FA-40A1-80F8-CFBF0F71890E}"/>
+              </a:ext>
+            </a:extLst>
+          </p:cNvPr>
+          <p:cNvSpPr>
+            <a:spLocks noGrp="1"/>
+          </p:cNvSpPr>
+          <p:nvPr>
+            <p:ph idx="1"/>
+          </p:nvPr>
+        </p:nvSpPr>
+        <p:spPr/>
+        <p:txBody>
+          <a:bodyPr/>
+          <a:lstStyle/>
+          <a:p>
+            <a:r>
+              <a:rPr lang="en-US" dirty="0"/>
+              <a:t>20%  Theoretical </a:t>
+            </a:r>
+          </a:p>
+          <a:p>
+            <a:r>
+              <a:rPr lang="en-US" dirty="0"/>
+              <a:t>20%  Computational exercises</a:t>
+            </a:r>
+          </a:p>
+          <a:p>
+            <a:r>
+              <a:rPr lang="en-US" dirty="0"/>
+              <a:t>20%  Exams</a:t>
+            </a:r>
+          </a:p>
+          <a:p>
+            <a:r>
+              <a:rPr lang="en-US" dirty="0"/>
+              <a:t>20%  Oral presentation of application of ML in Geosciences</a:t>
+            </a:r>
+          </a:p>
+          <a:p>
+            <a:r>
+              <a:rPr lang="en-US" dirty="0"/>
+              <a:t>20%  MOOC (Coursera, Udemy, …)</a:t>
+            </a:r>
+          </a:p>
+        </p:txBody>
+      </p:sp>
+    </p:spTree>
+    <p:extLst>
+      <p:ext uri="{BB962C8B-B14F-4D97-AF65-F5344CB8AC3E}">
+        <p14:creationId xmlns:p14="http://schemas.microsoft.com/office/powerpoint/2010/main" val="3606441411"/>
+      </p:ext>
+    </p:extLst>
+  </p:cSld>
+  <p:clrMapOvr>
+    <a:masterClrMapping/>
+  </p:clrMapOvr>
+</p:sld>
+</file>
+
+<file path=ppt/slides/slide13.xml><?xml version="1.0" encoding="utf-8"?>
+<p:sld xmlns:a="http://schemas.openxmlformats.org/drawingml/2006/main" xmlns:r="http://schemas.openxmlformats.org/officeDocument/2006/relationships" xmlns:p="http://schemas.openxmlformats.org/presentationml/2006/main">
+  <p:cSld>
+    <p:spTree>
+      <p:nvGrpSpPr>
+        <p:cNvPr id="1" name=""/>
+        <p:cNvGrpSpPr/>
+        <p:nvPr/>
+      </p:nvGrpSpPr>
+      <p:grpSpPr>
+        <a:xfrm>
+          <a:off x="0" y="0"/>
+          <a:ext cx="0" cy="0"/>
+          <a:chOff x="0" y="0"/>
+          <a:chExt cx="0" cy="0"/>
+        </a:xfrm>
+      </p:grpSpPr>
+      <p:sp>
+        <p:nvSpPr>
+          <p:cNvPr id="2" name="Title 1">
+            <a:extLst>
+              <a:ext uri="{FF2B5EF4-FFF2-40B4-BE49-F238E27FC236}">
                 <a16:creationId xmlns:a16="http://schemas.microsoft.com/office/drawing/2014/main" id="{E3927617-336A-4C54-B895-1E28F9183CD6}"/>
               </a:ext>
             </a:extLst>
@@ -3651,7 +4689,7 @@
 </p:sld>
 </file>
 
-<file path=ppt/slides/slide11.xml><?xml version="1.0" encoding="utf-8"?>
+<file path=ppt/slides/slide14.xml><?xml version="1.0" encoding="utf-8"?>
 <p:sld xmlns:a="http://schemas.openxmlformats.org/drawingml/2006/main" xmlns:r="http://schemas.openxmlformats.org/officeDocument/2006/relationships" xmlns:p="http://schemas.openxmlformats.org/presentationml/2006/main">
   <p:cSld>
     <p:spTree>
@@ -3734,7 +4772,7 @@
 </p:sld>
 </file>
 
-<file path=ppt/slides/slide12.xml><?xml version="1.0" encoding="utf-8"?>
+<file path=ppt/slides/slide15.xml><?xml version="1.0" encoding="utf-8"?>
 <p:sld xmlns:a="http://schemas.openxmlformats.org/drawingml/2006/main" xmlns:r="http://schemas.openxmlformats.org/officeDocument/2006/relationships" xmlns:p="http://schemas.openxmlformats.org/presentationml/2006/main">
   <p:cSld>
     <p:spTree>
@@ -4110,7 +5148,90 @@
 </p:sld>
 </file>
 
-<file path=ppt/slides/slide13.xml><?xml version="1.0" encoding="utf-8"?>
+<file path=ppt/slides/slide16.xml><?xml version="1.0" encoding="utf-8"?>
+<p:sld xmlns:a="http://schemas.openxmlformats.org/drawingml/2006/main" xmlns:r="http://schemas.openxmlformats.org/officeDocument/2006/relationships" xmlns:p="http://schemas.openxmlformats.org/presentationml/2006/main">
+  <p:cSld>
+    <p:spTree>
+      <p:nvGrpSpPr>
+        <p:cNvPr id="1" name=""/>
+        <p:cNvGrpSpPr/>
+        <p:nvPr/>
+      </p:nvGrpSpPr>
+      <p:grpSpPr>
+        <a:xfrm>
+          <a:off x="0" y="0"/>
+          <a:ext cx="0" cy="0"/>
+          <a:chOff x="0" y="0"/>
+          <a:chExt cx="0" cy="0"/>
+        </a:xfrm>
+      </p:grpSpPr>
+      <p:sp>
+        <p:nvSpPr>
+          <p:cNvPr id="2" name="Title 1">
+            <a:extLst>
+              <a:ext uri="{FF2B5EF4-FFF2-40B4-BE49-F238E27FC236}">
+                <a16:creationId xmlns:a16="http://schemas.microsoft.com/office/drawing/2014/main" id="{95971411-716D-49AD-BF57-13DBA4151EA5}"/>
+              </a:ext>
+            </a:extLst>
+          </p:cNvPr>
+          <p:cNvSpPr>
+            <a:spLocks noGrp="1"/>
+          </p:cNvSpPr>
+          <p:nvPr>
+            <p:ph type="title"/>
+          </p:nvPr>
+        </p:nvSpPr>
+        <p:spPr/>
+        <p:txBody>
+          <a:bodyPr/>
+          <a:lstStyle/>
+          <a:p>
+            <a:r>
+              <a:rPr lang="en-US" dirty="0"/>
+              <a:t>Concepts review</a:t>
+            </a:r>
+          </a:p>
+        </p:txBody>
+      </p:sp>
+      <p:sp>
+        <p:nvSpPr>
+          <p:cNvPr id="3" name="Content Placeholder 2">
+            <a:extLst>
+              <a:ext uri="{FF2B5EF4-FFF2-40B4-BE49-F238E27FC236}">
+                <a16:creationId xmlns:a16="http://schemas.microsoft.com/office/drawing/2014/main" id="{9412ABE9-F208-48FB-BB9B-D962FA23364D}"/>
+              </a:ext>
+            </a:extLst>
+          </p:cNvPr>
+          <p:cNvSpPr>
+            <a:spLocks noGrp="1"/>
+          </p:cNvSpPr>
+          <p:nvPr>
+            <p:ph idx="1"/>
+          </p:nvPr>
+        </p:nvSpPr>
+        <p:spPr/>
+        <p:txBody>
+          <a:bodyPr/>
+          <a:lstStyle/>
+          <a:p>
+            <a:endParaRPr lang="en-US"/>
+          </a:p>
+        </p:txBody>
+      </p:sp>
+    </p:spTree>
+    <p:extLst>
+      <p:ext uri="{BB962C8B-B14F-4D97-AF65-F5344CB8AC3E}">
+        <p14:creationId xmlns:p14="http://schemas.microsoft.com/office/powerpoint/2010/main" val="3370864377"/>
+      </p:ext>
+    </p:extLst>
+  </p:cSld>
+  <p:clrMapOvr>
+    <a:masterClrMapping/>
+  </p:clrMapOvr>
+</p:sld>
+</file>
+
+<file path=ppt/slides/slide17.xml><?xml version="1.0" encoding="utf-8"?>
 <p:sld xmlns:a="http://schemas.openxmlformats.org/drawingml/2006/main" xmlns:r="http://schemas.openxmlformats.org/officeDocument/2006/relationships" xmlns:p="http://schemas.openxmlformats.org/presentationml/2006/main">
   <p:cSld>
     <p:spTree>
@@ -4344,12 +5465,41 @@
           <a:chExt cx="0" cy="0"/>
         </a:xfrm>
       </p:grpSpPr>
+      <p:pic>
+        <p:nvPicPr>
+          <p:cNvPr id="10" name="Picture 9">
+            <a:extLst>
+              <a:ext uri="{FF2B5EF4-FFF2-40B4-BE49-F238E27FC236}">
+                <a16:creationId xmlns:a16="http://schemas.microsoft.com/office/drawing/2014/main" id="{9BCEB786-E74F-45D4-9D77-23C285E32155}"/>
+              </a:ext>
+            </a:extLst>
+          </p:cNvPr>
+          <p:cNvPicPr>
+            <a:picLocks noChangeAspect="1"/>
+          </p:cNvPicPr>
+          <p:nvPr/>
+        </p:nvPicPr>
+        <p:blipFill rotWithShape="1">
+          <a:blip r:embed="rId2"/>
+          <a:srcRect l="38212" t="21381" r="11571" b="15349"/>
+          <a:stretch/>
+        </p:blipFill>
+        <p:spPr>
+          <a:xfrm>
+            <a:off x="7363062" y="3158644"/>
+            <a:ext cx="4190075" cy="3638614"/>
+          </a:xfrm>
+          <a:prstGeom prst="rect">
+            <a:avLst/>
+          </a:prstGeom>
+        </p:spPr>
+      </p:pic>
       <p:sp>
         <p:nvSpPr>
           <p:cNvPr id="2" name="Title 1">
             <a:extLst>
               <a:ext uri="{FF2B5EF4-FFF2-40B4-BE49-F238E27FC236}">
-                <a16:creationId xmlns:a16="http://schemas.microsoft.com/office/drawing/2014/main" id="{CB9D5FB6-F51B-4023-9BA5-B049BB893CB2}"/>
+                <a16:creationId xmlns:a16="http://schemas.microsoft.com/office/drawing/2014/main" id="{724F5D7E-54BE-4B3A-A650-9E19F3189054}"/>
               </a:ext>
             </a:extLst>
           </p:cNvPr>
@@ -4360,59 +5510,1051 @@
             <p:ph type="title"/>
           </p:nvPr>
         </p:nvSpPr>
-        <p:spPr>
-          <a:xfrm>
-            <a:off x="838200" y="336989"/>
-            <a:ext cx="10515600" cy="1325563"/>
-          </a:xfrm>
-        </p:spPr>
+        <p:spPr/>
         <p:txBody>
           <a:bodyPr/>
           <a:lstStyle/>
           <a:p>
             <a:r>
               <a:rPr lang="en-US" dirty="0"/>
-              <a:t>What is ML</a:t>
-            </a:r>
-          </a:p>
-        </p:txBody>
-      </p:sp>
+              <a:t>Basic concepts</a:t>
+            </a:r>
+          </a:p>
+        </p:txBody>
+      </p:sp>
+      <mc:AlternateContent xmlns:mc="http://schemas.openxmlformats.org/markup-compatibility/2006">
+        <mc:Choice xmlns:a14="http://schemas.microsoft.com/office/drawing/2010/main" Requires="a14">
+          <p:graphicFrame>
+            <p:nvGraphicFramePr>
+              <p:cNvPr id="7" name="Table 7">
+                <a:extLst>
+                  <a:ext uri="{FF2B5EF4-FFF2-40B4-BE49-F238E27FC236}">
+                    <a16:creationId xmlns:a16="http://schemas.microsoft.com/office/drawing/2014/main" id="{40FBDFD4-908C-480F-BF1B-0DA2BC88AEC4}"/>
+                  </a:ext>
+                </a:extLst>
+              </p:cNvPr>
+              <p:cNvGraphicFramePr>
+                <a:graphicFrameLocks noGrp="1"/>
+              </p:cNvGraphicFramePr>
+              <p:nvPr>
+                <p:ph idx="1"/>
+                <p:extLst>
+                  <p:ext uri="{D42A27DB-BD31-4B8C-83A1-F6EECF244321}">
+                    <p14:modId xmlns:p14="http://schemas.microsoft.com/office/powerpoint/2010/main" val="3397984643"/>
+                  </p:ext>
+                </p:extLst>
+              </p:nvPr>
+            </p:nvGraphicFramePr>
+            <p:xfrm>
+              <a:off x="1011506" y="4415583"/>
+              <a:ext cx="3269565" cy="1828800"/>
+            </p:xfrm>
+            <a:graphic>
+              <a:graphicData uri="http://schemas.openxmlformats.org/drawingml/2006/table">
+                <a:tbl>
+                  <a:tblPr firstRow="1" bandRow="1">
+                    <a:tableStyleId>{5C22544A-7EE6-4342-B048-85BDC9FD1C3A}</a:tableStyleId>
+                  </a:tblPr>
+                  <a:tblGrid>
+                    <a:gridCol w="1089855">
+                      <a:extLst>
+                        <a:ext uri="{9D8B030D-6E8A-4147-A177-3AD203B41FA5}">
+                          <a16:colId xmlns:a16="http://schemas.microsoft.com/office/drawing/2014/main" val="2209199328"/>
+                        </a:ext>
+                      </a:extLst>
+                    </a:gridCol>
+                    <a:gridCol w="1089855">
+                      <a:extLst>
+                        <a:ext uri="{9D8B030D-6E8A-4147-A177-3AD203B41FA5}">
+                          <a16:colId xmlns:a16="http://schemas.microsoft.com/office/drawing/2014/main" val="1179586067"/>
+                        </a:ext>
+                      </a:extLst>
+                    </a:gridCol>
+                    <a:gridCol w="1089855">
+                      <a:extLst>
+                        <a:ext uri="{9D8B030D-6E8A-4147-A177-3AD203B41FA5}">
+                          <a16:colId xmlns:a16="http://schemas.microsoft.com/office/drawing/2014/main" val="1457959441"/>
+                        </a:ext>
+                      </a:extLst>
+                    </a:gridCol>
+                  </a:tblGrid>
+                  <a:tr h="370840">
+                    <a:tc>
+                      <a:txBody>
+                        <a:bodyPr/>
+                        <a:lstStyle/>
+                        <a:p>
+                          <a14:m>
+                            <m:oMathPara xmlns:m="http://schemas.openxmlformats.org/officeDocument/2006/math">
+                              <m:oMathParaPr>
+                                <m:jc m:val="centerGroup"/>
+                              </m:oMathParaPr>
+                              <m:oMath xmlns:m="http://schemas.openxmlformats.org/officeDocument/2006/math">
+                                <m:r>
+                                  <a:rPr lang="en-US" sz="2400" b="1" i="1" smtClean="0">
+                                    <a:latin typeface="Cambria Math" panose="02040503050406030204" pitchFamily="18" charset="0"/>
+                                  </a:rPr>
+                                  <m:t>𝒙</m:t>
+                                </m:r>
+                              </m:oMath>
+                            </m:oMathPara>
+                          </a14:m>
+                          <a:endParaRPr lang="en-US" sz="2400" dirty="0"/>
+                        </a:p>
+                      </a:txBody>
+                      <a:tcPr/>
+                    </a:tc>
+                    <a:tc>
+                      <a:txBody>
+                        <a:bodyPr/>
+                        <a:lstStyle/>
+                        <a:p>
+                          <a14:m>
+                            <m:oMathPara xmlns:m="http://schemas.openxmlformats.org/officeDocument/2006/math">
+                              <m:oMathParaPr>
+                                <m:jc m:val="centerGroup"/>
+                              </m:oMathParaPr>
+                              <m:oMath xmlns:m="http://schemas.openxmlformats.org/officeDocument/2006/math">
+                                <m:r>
+                                  <a:rPr lang="en-US" sz="2400" b="1" i="1" smtClean="0">
+                                    <a:latin typeface="Cambria Math" panose="02040503050406030204" pitchFamily="18" charset="0"/>
+                                  </a:rPr>
+                                  <m:t>𝒚</m:t>
+                                </m:r>
+                              </m:oMath>
+                            </m:oMathPara>
+                          </a14:m>
+                          <a:endParaRPr lang="en-US" sz="2400" dirty="0"/>
+                        </a:p>
+                      </a:txBody>
+                      <a:tcPr/>
+                    </a:tc>
+                    <a:tc>
+                      <a:txBody>
+                        <a:bodyPr/>
+                        <a:lstStyle/>
+                        <a:p>
+                          <a14:m>
+                            <m:oMathPara xmlns:m="http://schemas.openxmlformats.org/officeDocument/2006/math">
+                              <m:oMathParaPr>
+                                <m:jc m:val="centerGroup"/>
+                              </m:oMathParaPr>
+                              <m:oMath xmlns:m="http://schemas.openxmlformats.org/officeDocument/2006/math">
+                                <m:r>
+                                  <a:rPr lang="en-US" sz="2400" b="1" i="1" smtClean="0">
+                                    <a:latin typeface="Cambria Math" panose="02040503050406030204" pitchFamily="18" charset="0"/>
+                                  </a:rPr>
+                                  <m:t>𝜺</m:t>
+                                </m:r>
+                              </m:oMath>
+                            </m:oMathPara>
+                          </a14:m>
+                          <a:endParaRPr lang="en-US" sz="2400" dirty="0"/>
+                        </a:p>
+                      </a:txBody>
+                      <a:tcPr/>
+                    </a:tc>
+                    <a:extLst>
+                      <a:ext uri="{0D108BD9-81ED-4DB2-BD59-A6C34878D82A}">
+                        <a16:rowId xmlns:a16="http://schemas.microsoft.com/office/drawing/2014/main" val="1101132078"/>
+                      </a:ext>
+                    </a:extLst>
+                  </a:tr>
+                  <a:tr h="370840">
+                    <a:tc>
+                      <a:txBody>
+                        <a:bodyPr/>
+                        <a:lstStyle/>
+                        <a:p>
+                          <a:endParaRPr lang="en-US" sz="2400" dirty="0"/>
+                        </a:p>
+                      </a:txBody>
+                      <a:tcPr/>
+                    </a:tc>
+                    <a:tc>
+                      <a:txBody>
+                        <a:bodyPr/>
+                        <a:lstStyle/>
+                        <a:p>
+                          <a:endParaRPr lang="en-US" sz="2400"/>
+                        </a:p>
+                      </a:txBody>
+                      <a:tcPr/>
+                    </a:tc>
+                    <a:tc>
+                      <a:txBody>
+                        <a:bodyPr/>
+                        <a:lstStyle/>
+                        <a:p>
+                          <a:endParaRPr lang="en-US" sz="2400"/>
+                        </a:p>
+                      </a:txBody>
+                      <a:tcPr/>
+                    </a:tc>
+                    <a:extLst>
+                      <a:ext uri="{0D108BD9-81ED-4DB2-BD59-A6C34878D82A}">
+                        <a16:rowId xmlns:a16="http://schemas.microsoft.com/office/drawing/2014/main" val="2530785268"/>
+                      </a:ext>
+                    </a:extLst>
+                  </a:tr>
+                  <a:tr h="370840">
+                    <a:tc>
+                      <a:txBody>
+                        <a:bodyPr/>
+                        <a:lstStyle/>
+                        <a:p>
+                          <a:endParaRPr lang="en-US" sz="2400"/>
+                        </a:p>
+                      </a:txBody>
+                      <a:tcPr/>
+                    </a:tc>
+                    <a:tc>
+                      <a:txBody>
+                        <a:bodyPr/>
+                        <a:lstStyle/>
+                        <a:p>
+                          <a:endParaRPr lang="en-US" sz="2400"/>
+                        </a:p>
+                      </a:txBody>
+                      <a:tcPr/>
+                    </a:tc>
+                    <a:tc>
+                      <a:txBody>
+                        <a:bodyPr/>
+                        <a:lstStyle/>
+                        <a:p>
+                          <a:endParaRPr lang="en-US" sz="2400"/>
+                        </a:p>
+                      </a:txBody>
+                      <a:tcPr/>
+                    </a:tc>
+                    <a:extLst>
+                      <a:ext uri="{0D108BD9-81ED-4DB2-BD59-A6C34878D82A}">
+                        <a16:rowId xmlns:a16="http://schemas.microsoft.com/office/drawing/2014/main" val="3857851934"/>
+                      </a:ext>
+                    </a:extLst>
+                  </a:tr>
+                  <a:tr h="370840">
+                    <a:tc>
+                      <a:txBody>
+                        <a:bodyPr/>
+                        <a:lstStyle/>
+                        <a:p>
+                          <a:endParaRPr lang="en-US" sz="2400"/>
+                        </a:p>
+                      </a:txBody>
+                      <a:tcPr/>
+                    </a:tc>
+                    <a:tc>
+                      <a:txBody>
+                        <a:bodyPr/>
+                        <a:lstStyle/>
+                        <a:p>
+                          <a:endParaRPr lang="en-US" sz="2400" dirty="0"/>
+                        </a:p>
+                      </a:txBody>
+                      <a:tcPr/>
+                    </a:tc>
+                    <a:tc>
+                      <a:txBody>
+                        <a:bodyPr/>
+                        <a:lstStyle/>
+                        <a:p>
+                          <a:endParaRPr lang="en-US" sz="2400" dirty="0"/>
+                        </a:p>
+                      </a:txBody>
+                      <a:tcPr/>
+                    </a:tc>
+                    <a:extLst>
+                      <a:ext uri="{0D108BD9-81ED-4DB2-BD59-A6C34878D82A}">
+                        <a16:rowId xmlns:a16="http://schemas.microsoft.com/office/drawing/2014/main" val="1699810329"/>
+                      </a:ext>
+                    </a:extLst>
+                  </a:tr>
+                </a:tbl>
+              </a:graphicData>
+            </a:graphic>
+          </p:graphicFrame>
+        </mc:Choice>
+        <mc:Fallback>
+          <p:graphicFrame>
+            <p:nvGraphicFramePr>
+              <p:cNvPr id="7" name="Table 7">
+                <a:extLst>
+                  <a:ext uri="{FF2B5EF4-FFF2-40B4-BE49-F238E27FC236}">
+                    <a16:creationId xmlns:a16="http://schemas.microsoft.com/office/drawing/2014/main" id="{40FBDFD4-908C-480F-BF1B-0DA2BC88AEC4}"/>
+                  </a:ext>
+                </a:extLst>
+              </p:cNvPr>
+              <p:cNvGraphicFramePr>
+                <a:graphicFrameLocks noGrp="1"/>
+              </p:cNvGraphicFramePr>
+              <p:nvPr>
+                <p:ph idx="1"/>
+                <p:extLst>
+                  <p:ext uri="{D42A27DB-BD31-4B8C-83A1-F6EECF244321}">
+                    <p14:modId xmlns:p14="http://schemas.microsoft.com/office/powerpoint/2010/main" val="3397984643"/>
+                  </p:ext>
+                </p:extLst>
+              </p:nvPr>
+            </p:nvGraphicFramePr>
+            <p:xfrm>
+              <a:off x="1011506" y="4415583"/>
+              <a:ext cx="3269565" cy="1828800"/>
+            </p:xfrm>
+            <a:graphic>
+              <a:graphicData uri="http://schemas.openxmlformats.org/drawingml/2006/table">
+                <a:tbl>
+                  <a:tblPr firstRow="1" bandRow="1">
+                    <a:tableStyleId>{5C22544A-7EE6-4342-B048-85BDC9FD1C3A}</a:tableStyleId>
+                  </a:tblPr>
+                  <a:tblGrid>
+                    <a:gridCol w="1089855">
+                      <a:extLst>
+                        <a:ext uri="{9D8B030D-6E8A-4147-A177-3AD203B41FA5}">
+                          <a16:colId xmlns:a16="http://schemas.microsoft.com/office/drawing/2014/main" val="2209199328"/>
+                        </a:ext>
+                      </a:extLst>
+                    </a:gridCol>
+                    <a:gridCol w="1089855">
+                      <a:extLst>
+                        <a:ext uri="{9D8B030D-6E8A-4147-A177-3AD203B41FA5}">
+                          <a16:colId xmlns:a16="http://schemas.microsoft.com/office/drawing/2014/main" val="1179586067"/>
+                        </a:ext>
+                      </a:extLst>
+                    </a:gridCol>
+                    <a:gridCol w="1089855">
+                      <a:extLst>
+                        <a:ext uri="{9D8B030D-6E8A-4147-A177-3AD203B41FA5}">
+                          <a16:colId xmlns:a16="http://schemas.microsoft.com/office/drawing/2014/main" val="1457959441"/>
+                        </a:ext>
+                      </a:extLst>
+                    </a:gridCol>
+                  </a:tblGrid>
+                  <a:tr h="457200">
+                    <a:tc>
+                      <a:txBody>
+                        <a:bodyPr/>
+                        <a:lstStyle/>
+                        <a:p>
+                          <a:endParaRPr lang="en-US"/>
+                        </a:p>
+                      </a:txBody>
+                      <a:tcPr>
+                        <a:blipFill>
+                          <a:blip r:embed="rId3"/>
+                          <a:stretch>
+                            <a:fillRect l="-559" t="-1333" r="-202793" b="-304000"/>
+                          </a:stretch>
+                        </a:blipFill>
+                      </a:tcPr>
+                    </a:tc>
+                    <a:tc>
+                      <a:txBody>
+                        <a:bodyPr/>
+                        <a:lstStyle/>
+                        <a:p>
+                          <a:endParaRPr lang="en-US"/>
+                        </a:p>
+                      </a:txBody>
+                      <a:tcPr>
+                        <a:blipFill>
+                          <a:blip r:embed="rId3"/>
+                          <a:stretch>
+                            <a:fillRect l="-100000" t="-1333" r="-101667" b="-304000"/>
+                          </a:stretch>
+                        </a:blipFill>
+                      </a:tcPr>
+                    </a:tc>
+                    <a:tc>
+                      <a:txBody>
+                        <a:bodyPr/>
+                        <a:lstStyle/>
+                        <a:p>
+                          <a:endParaRPr lang="en-US"/>
+                        </a:p>
+                      </a:txBody>
+                      <a:tcPr>
+                        <a:blipFill>
+                          <a:blip r:embed="rId3"/>
+                          <a:stretch>
+                            <a:fillRect l="-201117" t="-1333" r="-2235" b="-304000"/>
+                          </a:stretch>
+                        </a:blipFill>
+                      </a:tcPr>
+                    </a:tc>
+                    <a:extLst>
+                      <a:ext uri="{0D108BD9-81ED-4DB2-BD59-A6C34878D82A}">
+                        <a16:rowId xmlns:a16="http://schemas.microsoft.com/office/drawing/2014/main" val="1101132078"/>
+                      </a:ext>
+                    </a:extLst>
+                  </a:tr>
+                  <a:tr h="457200">
+                    <a:tc>
+                      <a:txBody>
+                        <a:bodyPr/>
+                        <a:lstStyle/>
+                        <a:p>
+                          <a:endParaRPr lang="en-US" sz="2400" dirty="0"/>
+                        </a:p>
+                      </a:txBody>
+                      <a:tcPr/>
+                    </a:tc>
+                    <a:tc>
+                      <a:txBody>
+                        <a:bodyPr/>
+                        <a:lstStyle/>
+                        <a:p>
+                          <a:endParaRPr lang="en-US" sz="2400"/>
+                        </a:p>
+                      </a:txBody>
+                      <a:tcPr/>
+                    </a:tc>
+                    <a:tc>
+                      <a:txBody>
+                        <a:bodyPr/>
+                        <a:lstStyle/>
+                        <a:p>
+                          <a:endParaRPr lang="en-US" sz="2400"/>
+                        </a:p>
+                      </a:txBody>
+                      <a:tcPr/>
+                    </a:tc>
+                    <a:extLst>
+                      <a:ext uri="{0D108BD9-81ED-4DB2-BD59-A6C34878D82A}">
+                        <a16:rowId xmlns:a16="http://schemas.microsoft.com/office/drawing/2014/main" val="2530785268"/>
+                      </a:ext>
+                    </a:extLst>
+                  </a:tr>
+                  <a:tr h="457200">
+                    <a:tc>
+                      <a:txBody>
+                        <a:bodyPr/>
+                        <a:lstStyle/>
+                        <a:p>
+                          <a:endParaRPr lang="en-US" sz="2400"/>
+                        </a:p>
+                      </a:txBody>
+                      <a:tcPr/>
+                    </a:tc>
+                    <a:tc>
+                      <a:txBody>
+                        <a:bodyPr/>
+                        <a:lstStyle/>
+                        <a:p>
+                          <a:endParaRPr lang="en-US" sz="2400"/>
+                        </a:p>
+                      </a:txBody>
+                      <a:tcPr/>
+                    </a:tc>
+                    <a:tc>
+                      <a:txBody>
+                        <a:bodyPr/>
+                        <a:lstStyle/>
+                        <a:p>
+                          <a:endParaRPr lang="en-US" sz="2400"/>
+                        </a:p>
+                      </a:txBody>
+                      <a:tcPr/>
+                    </a:tc>
+                    <a:extLst>
+                      <a:ext uri="{0D108BD9-81ED-4DB2-BD59-A6C34878D82A}">
+                        <a16:rowId xmlns:a16="http://schemas.microsoft.com/office/drawing/2014/main" val="3857851934"/>
+                      </a:ext>
+                    </a:extLst>
+                  </a:tr>
+                  <a:tr h="457200">
+                    <a:tc>
+                      <a:txBody>
+                        <a:bodyPr/>
+                        <a:lstStyle/>
+                        <a:p>
+                          <a:endParaRPr lang="en-US" sz="2400"/>
+                        </a:p>
+                      </a:txBody>
+                      <a:tcPr/>
+                    </a:tc>
+                    <a:tc>
+                      <a:txBody>
+                        <a:bodyPr/>
+                        <a:lstStyle/>
+                        <a:p>
+                          <a:endParaRPr lang="en-US" sz="2400" dirty="0"/>
+                        </a:p>
+                      </a:txBody>
+                      <a:tcPr/>
+                    </a:tc>
+                    <a:tc>
+                      <a:txBody>
+                        <a:bodyPr/>
+                        <a:lstStyle/>
+                        <a:p>
+                          <a:endParaRPr lang="en-US" sz="2400" dirty="0"/>
+                        </a:p>
+                      </a:txBody>
+                      <a:tcPr/>
+                    </a:tc>
+                    <a:extLst>
+                      <a:ext uri="{0D108BD9-81ED-4DB2-BD59-A6C34878D82A}">
+                        <a16:rowId xmlns:a16="http://schemas.microsoft.com/office/drawing/2014/main" val="1699810329"/>
+                      </a:ext>
+                    </a:extLst>
+                  </a:tr>
+                </a:tbl>
+              </a:graphicData>
+            </a:graphic>
+          </p:graphicFrame>
+        </mc:Fallback>
+      </mc:AlternateContent>
       <p:pic>
         <p:nvPicPr>
-          <p:cNvPr id="4" name="Content Placeholder 3">
-            <a:extLst>
-              <a:ext uri="{FF2B5EF4-FFF2-40B4-BE49-F238E27FC236}">
-                <a16:creationId xmlns:a16="http://schemas.microsoft.com/office/drawing/2014/main" id="{42192DA7-EBFE-4A33-BD33-75F41AE61DAB}"/>
+          <p:cNvPr id="4" name="Picture 3">
+            <a:extLst>
+              <a:ext uri="{FF2B5EF4-FFF2-40B4-BE49-F238E27FC236}">
+                <a16:creationId xmlns:a16="http://schemas.microsoft.com/office/drawing/2014/main" id="{C74921FA-1A78-4032-81C0-2ACFEFD63250}"/>
               </a:ext>
             </a:extLst>
           </p:cNvPr>
           <p:cNvPicPr>
-            <a:picLocks noGrp="1" noChangeAspect="1"/>
+            <a:picLocks noChangeAspect="1"/>
           </p:cNvPicPr>
-          <p:nvPr>
-            <p:ph idx="1"/>
-          </p:nvPr>
+          <p:nvPr/>
         </p:nvPicPr>
         <p:blipFill>
-          <a:blip r:embed="rId2"/>
+          <a:blip r:embed="rId4"/>
           <a:stretch>
             <a:fillRect/>
           </a:stretch>
         </p:blipFill>
         <p:spPr>
           <a:xfrm>
-            <a:off x="1424838" y="1662552"/>
-            <a:ext cx="9821790" cy="4378388"/>
+            <a:off x="7011131" y="80372"/>
+            <a:ext cx="4542006" cy="3427532"/>
           </a:xfrm>
           <a:prstGeom prst="rect">
             <a:avLst/>
           </a:prstGeom>
         </p:spPr>
       </p:pic>
+      <p:sp>
+        <p:nvSpPr>
+          <p:cNvPr id="5" name="Rectangle 4">
+            <a:extLst>
+              <a:ext uri="{FF2B5EF4-FFF2-40B4-BE49-F238E27FC236}">
+                <a16:creationId xmlns:a16="http://schemas.microsoft.com/office/drawing/2014/main" id="{2AF8E070-A927-4AF9-9EB3-3F1D4B98426C}"/>
+              </a:ext>
+            </a:extLst>
+          </p:cNvPr>
+          <p:cNvSpPr/>
+          <p:nvPr/>
+        </p:nvSpPr>
+        <p:spPr>
+          <a:xfrm>
+            <a:off x="1822641" y="2811528"/>
+            <a:ext cx="1664924" cy="461665"/>
+          </a:xfrm>
+          <a:prstGeom prst="rect">
+            <a:avLst/>
+          </a:prstGeom>
+        </p:spPr>
+        <p:txBody>
+          <a:bodyPr wrap="square">
+            <a:spAutoFit/>
+          </a:bodyPr>
+          <a:lstStyle/>
+          <a:p>
+            <a:r>
+              <a:rPr lang="en-US" sz="2400" dirty="0"/>
+              <a:t>Training set</a:t>
+            </a:r>
+          </a:p>
+        </p:txBody>
+      </p:sp>
+      <p:sp>
+        <p:nvSpPr>
+          <p:cNvPr id="12" name="Rectangle 11">
+            <a:extLst>
+              <a:ext uri="{FF2B5EF4-FFF2-40B4-BE49-F238E27FC236}">
+                <a16:creationId xmlns:a16="http://schemas.microsoft.com/office/drawing/2014/main" id="{FE7CB21C-800C-444E-9340-DC78043839B7}"/>
+              </a:ext>
+            </a:extLst>
+          </p:cNvPr>
+          <p:cNvSpPr/>
+          <p:nvPr/>
+        </p:nvSpPr>
+        <p:spPr>
+          <a:xfrm>
+            <a:off x="2162020" y="3574033"/>
+            <a:ext cx="986167" cy="461665"/>
+          </a:xfrm>
+          <a:prstGeom prst="rect">
+            <a:avLst/>
+          </a:prstGeom>
+        </p:spPr>
+        <p:txBody>
+          <a:bodyPr wrap="none">
+            <a:spAutoFit/>
+          </a:bodyPr>
+          <a:lstStyle/>
+          <a:p>
+            <a:r>
+              <a:rPr lang="en-US" sz="2400" b="1" dirty="0">
+                <a:solidFill>
+                  <a:srgbClr val="0070C0"/>
+                </a:solidFill>
+              </a:rPr>
+              <a:t>Labels</a:t>
+            </a:r>
+          </a:p>
+        </p:txBody>
+      </p:sp>
+      <mc:AlternateContent xmlns:mc="http://schemas.openxmlformats.org/markup-compatibility/2006">
+        <mc:Choice xmlns:a14="http://schemas.microsoft.com/office/drawing/2010/main" Requires="a14">
+          <p:sp>
+            <p:nvSpPr>
+              <p:cNvPr id="16" name="Rectangle 15">
+                <a:extLst>
+                  <a:ext uri="{FF2B5EF4-FFF2-40B4-BE49-F238E27FC236}">
+                    <a16:creationId xmlns:a16="http://schemas.microsoft.com/office/drawing/2014/main" id="{829F88C2-09BC-47E9-82F8-89725CFC1028}"/>
+                  </a:ext>
+                </a:extLst>
+              </p:cNvPr>
+              <p:cNvSpPr/>
+              <p:nvPr/>
+            </p:nvSpPr>
+            <p:spPr>
+              <a:xfrm>
+                <a:off x="9810722" y="2642867"/>
+                <a:ext cx="1555619" cy="461665"/>
+              </a:xfrm>
+              <a:prstGeom prst="rect">
+                <a:avLst/>
+              </a:prstGeom>
+            </p:spPr>
+            <p:txBody>
+              <a:bodyPr wrap="none">
+                <a:spAutoFit/>
+              </a:bodyPr>
+              <a:lstStyle/>
+              <a:p>
+                <a:r>
+                  <a:rPr lang="en-US" sz="2400" b="1" dirty="0">
+                    <a:solidFill>
+                      <a:srgbClr val="00B050"/>
+                    </a:solidFill>
+                  </a:rPr>
+                  <a:t>Feature,  </a:t>
+                </a:r>
+                <a14:m>
+                  <m:oMath xmlns:m="http://schemas.openxmlformats.org/officeDocument/2006/math">
+                    <m:r>
+                      <a:rPr lang="en-US" sz="2400" b="1" i="1" smtClean="0">
+                        <a:solidFill>
+                          <a:srgbClr val="00B050"/>
+                        </a:solidFill>
+                        <a:latin typeface="Cambria Math" panose="02040503050406030204" pitchFamily="18" charset="0"/>
+                      </a:rPr>
+                      <m:t>𝒙</m:t>
+                    </m:r>
+                  </m:oMath>
+                </a14:m>
+                <a:endParaRPr lang="en-US" sz="2400" b="1" dirty="0">
+                  <a:solidFill>
+                    <a:srgbClr val="00B050"/>
+                  </a:solidFill>
+                </a:endParaRPr>
+              </a:p>
+            </p:txBody>
+          </p:sp>
+        </mc:Choice>
+        <mc:Fallback>
+          <p:sp>
+            <p:nvSpPr>
+              <p:cNvPr id="16" name="Rectangle 15">
+                <a:extLst>
+                  <a:ext uri="{FF2B5EF4-FFF2-40B4-BE49-F238E27FC236}">
+                    <a16:creationId xmlns:a16="http://schemas.microsoft.com/office/drawing/2014/main" id="{829F88C2-09BC-47E9-82F8-89725CFC1028}"/>
+                  </a:ext>
+                </a:extLst>
+              </p:cNvPr>
+              <p:cNvSpPr>
+                <a:spLocks noRot="1" noChangeAspect="1" noMove="1" noResize="1" noEditPoints="1" noAdjustHandles="1" noChangeArrowheads="1" noChangeShapeType="1" noTextEdit="1"/>
+              </p:cNvSpPr>
+              <p:nvPr/>
+            </p:nvSpPr>
+            <p:spPr>
+              <a:xfrm>
+                <a:off x="9810722" y="2642867"/>
+                <a:ext cx="1555619" cy="461665"/>
+              </a:xfrm>
+              <a:prstGeom prst="rect">
+                <a:avLst/>
+              </a:prstGeom>
+              <a:blipFill>
+                <a:blip r:embed="rId5"/>
+                <a:stretch>
+                  <a:fillRect l="-5859" t="-10667" b="-30667"/>
+                </a:stretch>
+              </a:blipFill>
+            </p:spPr>
+            <p:txBody>
+              <a:bodyPr/>
+              <a:lstStyle/>
+              <a:p>
+                <a:r>
+                  <a:rPr lang="en-US">
+                    <a:noFill/>
+                  </a:rPr>
+                  <a:t> </a:t>
+                </a:r>
+              </a:p>
+            </p:txBody>
+          </p:sp>
+        </mc:Fallback>
+      </mc:AlternateContent>
+      <p:sp>
+        <p:nvSpPr>
+          <p:cNvPr id="42" name="Rectangle 41">
+            <a:extLst>
+              <a:ext uri="{FF2B5EF4-FFF2-40B4-BE49-F238E27FC236}">
+                <a16:creationId xmlns:a16="http://schemas.microsoft.com/office/drawing/2014/main" id="{77CDB0A1-1B59-4DA0-A9BB-CD45A2DFC778}"/>
+              </a:ext>
+            </a:extLst>
+          </p:cNvPr>
+          <p:cNvSpPr/>
+          <p:nvPr/>
+        </p:nvSpPr>
+        <p:spPr>
+          <a:xfrm>
+            <a:off x="3367600" y="3581934"/>
+            <a:ext cx="823687" cy="461665"/>
+          </a:xfrm>
+          <a:prstGeom prst="rect">
+            <a:avLst/>
+          </a:prstGeom>
+        </p:spPr>
+        <p:txBody>
+          <a:bodyPr wrap="none">
+            <a:spAutoFit/>
+          </a:bodyPr>
+          <a:lstStyle/>
+          <a:p>
+            <a:r>
+              <a:rPr lang="en-US" sz="2400" b="1" dirty="0">
+                <a:solidFill>
+                  <a:srgbClr val="FF0000"/>
+                </a:solidFill>
+              </a:rPr>
+              <a:t>Error</a:t>
+            </a:r>
+          </a:p>
+        </p:txBody>
+      </p:sp>
+      <p:sp>
+        <p:nvSpPr>
+          <p:cNvPr id="48" name="Rectangle 47">
+            <a:extLst>
+              <a:ext uri="{FF2B5EF4-FFF2-40B4-BE49-F238E27FC236}">
+                <a16:creationId xmlns:a16="http://schemas.microsoft.com/office/drawing/2014/main" id="{E0DC40BD-BB14-407B-A240-82E80109224F}"/>
+              </a:ext>
+            </a:extLst>
+          </p:cNvPr>
+          <p:cNvSpPr/>
+          <p:nvPr/>
+        </p:nvSpPr>
+        <p:spPr>
+          <a:xfrm>
+            <a:off x="867788" y="3574033"/>
+            <a:ext cx="1283108" cy="461665"/>
+          </a:xfrm>
+          <a:prstGeom prst="rect">
+            <a:avLst/>
+          </a:prstGeom>
+        </p:spPr>
+        <p:txBody>
+          <a:bodyPr wrap="none">
+            <a:spAutoFit/>
+          </a:bodyPr>
+          <a:lstStyle/>
+          <a:p>
+            <a:r>
+              <a:rPr lang="en-US" sz="2400" b="1" dirty="0">
+                <a:solidFill>
+                  <a:srgbClr val="00B050"/>
+                </a:solidFill>
+              </a:rPr>
+              <a:t>Features</a:t>
+            </a:r>
+          </a:p>
+        </p:txBody>
+      </p:sp>
+      <mc:AlternateContent xmlns:mc="http://schemas.openxmlformats.org/markup-compatibility/2006">
+        <mc:Choice xmlns:a14="http://schemas.microsoft.com/office/drawing/2010/main" Requires="a14">
+          <p:sp>
+            <p:nvSpPr>
+              <p:cNvPr id="50" name="Rectangle 49">
+                <a:extLst>
+                  <a:ext uri="{FF2B5EF4-FFF2-40B4-BE49-F238E27FC236}">
+                    <a16:creationId xmlns:a16="http://schemas.microsoft.com/office/drawing/2014/main" id="{500FE783-B98B-428A-BD04-0E178CA15FFA}"/>
+                  </a:ext>
+                </a:extLst>
+              </p:cNvPr>
+              <p:cNvSpPr/>
+              <p:nvPr/>
+            </p:nvSpPr>
+            <p:spPr>
+              <a:xfrm>
+                <a:off x="8303016" y="1027906"/>
+                <a:ext cx="1177823" cy="461665"/>
+              </a:xfrm>
+              <a:prstGeom prst="rect">
+                <a:avLst/>
+              </a:prstGeom>
+            </p:spPr>
+            <p:txBody>
+              <a:bodyPr wrap="none">
+                <a:spAutoFit/>
+              </a:bodyPr>
+              <a:lstStyle/>
+              <a:p>
+                <a:r>
+                  <a:rPr lang="en-US" sz="2400" b="1" dirty="0">
+                    <a:solidFill>
+                      <a:srgbClr val="FF0000"/>
+                    </a:solidFill>
+                  </a:rPr>
+                  <a:t>Error, </a:t>
+                </a:r>
+                <a14:m>
+                  <m:oMath xmlns:m="http://schemas.openxmlformats.org/officeDocument/2006/math">
+                    <m:r>
+                      <a:rPr lang="en-US" sz="2400" b="1" i="1" smtClean="0">
+                        <a:solidFill>
+                          <a:srgbClr val="FF0000"/>
+                        </a:solidFill>
+                        <a:latin typeface="Cambria Math" panose="02040503050406030204" pitchFamily="18" charset="0"/>
+                      </a:rPr>
+                      <m:t>𝜺</m:t>
+                    </m:r>
+                  </m:oMath>
+                </a14:m>
+                <a:r>
+                  <a:rPr lang="en-US" sz="2400" b="1" dirty="0">
+                    <a:solidFill>
+                      <a:srgbClr val="FF0000"/>
+                    </a:solidFill>
+                  </a:rPr>
+                  <a:t> </a:t>
+                </a:r>
+              </a:p>
+            </p:txBody>
+          </p:sp>
+        </mc:Choice>
+        <mc:Fallback>
+          <p:sp>
+            <p:nvSpPr>
+              <p:cNvPr id="50" name="Rectangle 49">
+                <a:extLst>
+                  <a:ext uri="{FF2B5EF4-FFF2-40B4-BE49-F238E27FC236}">
+                    <a16:creationId xmlns:a16="http://schemas.microsoft.com/office/drawing/2014/main" id="{500FE783-B98B-428A-BD04-0E178CA15FFA}"/>
+                  </a:ext>
+                </a:extLst>
+              </p:cNvPr>
+              <p:cNvSpPr>
+                <a:spLocks noRot="1" noChangeAspect="1" noMove="1" noResize="1" noEditPoints="1" noAdjustHandles="1" noChangeArrowheads="1" noChangeShapeType="1" noTextEdit="1"/>
+              </p:cNvSpPr>
+              <p:nvPr/>
+            </p:nvSpPr>
+            <p:spPr>
+              <a:xfrm>
+                <a:off x="8303016" y="1027906"/>
+                <a:ext cx="1177823" cy="461665"/>
+              </a:xfrm>
+              <a:prstGeom prst="rect">
+                <a:avLst/>
+              </a:prstGeom>
+              <a:blipFill>
+                <a:blip r:embed="rId6"/>
+                <a:stretch>
+                  <a:fillRect l="-7772" t="-10667" b="-30667"/>
+                </a:stretch>
+              </a:blipFill>
+            </p:spPr>
+            <p:txBody>
+              <a:bodyPr/>
+              <a:lstStyle/>
+              <a:p>
+                <a:r>
+                  <a:rPr lang="en-US">
+                    <a:noFill/>
+                  </a:rPr>
+                  <a:t> </a:t>
+                </a:r>
+              </a:p>
+            </p:txBody>
+          </p:sp>
+        </mc:Fallback>
+      </mc:AlternateContent>
+      <p:sp>
+        <p:nvSpPr>
+          <p:cNvPr id="51" name="Rectangle 50">
+            <a:extLst>
+              <a:ext uri="{FF2B5EF4-FFF2-40B4-BE49-F238E27FC236}">
+                <a16:creationId xmlns:a16="http://schemas.microsoft.com/office/drawing/2014/main" id="{FEA87170-74A9-419B-AC51-3A6021C57E3A}"/>
+              </a:ext>
+            </a:extLst>
+          </p:cNvPr>
+          <p:cNvSpPr/>
+          <p:nvPr/>
+        </p:nvSpPr>
+        <p:spPr>
+          <a:xfrm>
+            <a:off x="6811794" y="365125"/>
+            <a:ext cx="362729" cy="461665"/>
+          </a:xfrm>
+          <a:prstGeom prst="rect">
+            <a:avLst/>
+          </a:prstGeom>
+          <a:solidFill>
+            <a:schemeClr val="bg1"/>
+          </a:solidFill>
+          <a:ln>
+            <a:noFill/>
+          </a:ln>
+        </p:spPr>
+        <p:style>
+          <a:lnRef idx="2">
+            <a:schemeClr val="accent1">
+              <a:shade val="50000"/>
+            </a:schemeClr>
+          </a:lnRef>
+          <a:fillRef idx="1">
+            <a:schemeClr val="accent1"/>
+          </a:fillRef>
+          <a:effectRef idx="0">
+            <a:schemeClr val="accent1"/>
+          </a:effectRef>
+          <a:fontRef idx="minor">
+            <a:schemeClr val="lt1"/>
+          </a:fontRef>
+        </p:style>
+        <p:txBody>
+          <a:bodyPr rtlCol="0" anchor="ctr"/>
+          <a:lstStyle/>
+          <a:p>
+            <a:pPr algn="ctr"/>
+            <a:endParaRPr lang="en-US"/>
+          </a:p>
+        </p:txBody>
+      </p:sp>
+      <mc:AlternateContent xmlns:mc="http://schemas.openxmlformats.org/markup-compatibility/2006">
+        <mc:Choice xmlns:a14="http://schemas.microsoft.com/office/drawing/2010/main" Requires="a14">
+          <p:sp>
+            <p:nvSpPr>
+              <p:cNvPr id="49" name="Rectangle 48">
+                <a:extLst>
+                  <a:ext uri="{FF2B5EF4-FFF2-40B4-BE49-F238E27FC236}">
+                    <a16:creationId xmlns:a16="http://schemas.microsoft.com/office/drawing/2014/main" id="{7AAD0ED8-6474-422A-AF67-760E89C295EF}"/>
+                  </a:ext>
+                </a:extLst>
+              </p:cNvPr>
+              <p:cNvSpPr/>
+              <p:nvPr/>
+            </p:nvSpPr>
+            <p:spPr>
+              <a:xfrm>
+                <a:off x="5854931" y="375989"/>
+                <a:ext cx="1319592" cy="461665"/>
+              </a:xfrm>
+              <a:prstGeom prst="rect">
+                <a:avLst/>
+              </a:prstGeom>
+            </p:spPr>
+            <p:txBody>
+              <a:bodyPr wrap="none">
+                <a:spAutoFit/>
+              </a:bodyPr>
+              <a:lstStyle/>
+              <a:p>
+                <a:r>
+                  <a:rPr lang="en-US" sz="2400" b="1" dirty="0">
+                    <a:solidFill>
+                      <a:srgbClr val="0070C0"/>
+                    </a:solidFill>
+                  </a:rPr>
+                  <a:t>Labels, </a:t>
+                </a:r>
+                <a14:m>
+                  <m:oMath xmlns:m="http://schemas.openxmlformats.org/officeDocument/2006/math">
+                    <m:r>
+                      <a:rPr lang="en-US" sz="2400" b="1" i="1" smtClean="0">
+                        <a:solidFill>
+                          <a:srgbClr val="0070C0"/>
+                        </a:solidFill>
+                        <a:latin typeface="Cambria Math" panose="02040503050406030204" pitchFamily="18" charset="0"/>
+                      </a:rPr>
+                      <m:t>𝒚</m:t>
+                    </m:r>
+                  </m:oMath>
+                </a14:m>
+                <a:endParaRPr lang="en-US" sz="2400" b="1" dirty="0">
+                  <a:solidFill>
+                    <a:srgbClr val="0070C0"/>
+                  </a:solidFill>
+                </a:endParaRPr>
+              </a:p>
+            </p:txBody>
+          </p:sp>
+        </mc:Choice>
+        <mc:Fallback>
+          <p:sp>
+            <p:nvSpPr>
+              <p:cNvPr id="49" name="Rectangle 48">
+                <a:extLst>
+                  <a:ext uri="{FF2B5EF4-FFF2-40B4-BE49-F238E27FC236}">
+                    <a16:creationId xmlns:a16="http://schemas.microsoft.com/office/drawing/2014/main" id="{7AAD0ED8-6474-422A-AF67-760E89C295EF}"/>
+                  </a:ext>
+                </a:extLst>
+              </p:cNvPr>
+              <p:cNvSpPr>
+                <a:spLocks noRot="1" noChangeAspect="1" noMove="1" noResize="1" noEditPoints="1" noAdjustHandles="1" noChangeArrowheads="1" noChangeShapeType="1" noTextEdit="1"/>
+              </p:cNvSpPr>
+              <p:nvPr/>
+            </p:nvSpPr>
+            <p:spPr>
+              <a:xfrm>
+                <a:off x="5854931" y="375989"/>
+                <a:ext cx="1319592" cy="461665"/>
+              </a:xfrm>
+              <a:prstGeom prst="rect">
+                <a:avLst/>
+              </a:prstGeom>
+              <a:blipFill>
+                <a:blip r:embed="rId7"/>
+                <a:stretch>
+                  <a:fillRect l="-6912" t="-10667" r="-461" b="-30667"/>
+                </a:stretch>
+              </a:blipFill>
+            </p:spPr>
+            <p:txBody>
+              <a:bodyPr/>
+              <a:lstStyle/>
+              <a:p>
+                <a:r>
+                  <a:rPr lang="en-US">
+                    <a:noFill/>
+                  </a:rPr>
+                  <a:t> </a:t>
+                </a:r>
+              </a:p>
+            </p:txBody>
+          </p:sp>
+        </mc:Fallback>
+      </mc:AlternateContent>
     </p:spTree>
     <p:extLst>
       <p:ext uri="{BB962C8B-B14F-4D97-AF65-F5344CB8AC3E}">
-        <p14:creationId xmlns:p14="http://schemas.microsoft.com/office/powerpoint/2010/main" val="3500326752"/>
+        <p14:creationId xmlns:p14="http://schemas.microsoft.com/office/powerpoint/2010/main" val="472296154"/>
       </p:ext>
     </p:extLst>
   </p:cSld>
@@ -4439,12 +6581,42 @@
           <a:chExt cx="0" cy="0"/>
         </a:xfrm>
       </p:grpSpPr>
+      <p:pic>
+        <p:nvPicPr>
+          <p:cNvPr id="5" name="Picture 4">
+            <a:extLst>
+              <a:ext uri="{FF2B5EF4-FFF2-40B4-BE49-F238E27FC236}">
+                <a16:creationId xmlns:a16="http://schemas.microsoft.com/office/drawing/2014/main" id="{62522EE2-FA04-425F-B5E2-7C98C41FEC62}"/>
+              </a:ext>
+            </a:extLst>
+          </p:cNvPr>
+          <p:cNvPicPr>
+            <a:picLocks noChangeAspect="1"/>
+          </p:cNvPicPr>
+          <p:nvPr/>
+        </p:nvPicPr>
+        <p:blipFill>
+          <a:blip r:embed="rId2"/>
+          <a:stretch>
+            <a:fillRect/>
+          </a:stretch>
+        </p:blipFill>
+        <p:spPr>
+          <a:xfrm>
+            <a:off x="3313632" y="1913206"/>
+            <a:ext cx="6308669" cy="4817258"/>
+          </a:xfrm>
+          <a:prstGeom prst="rect">
+            <a:avLst/>
+          </a:prstGeom>
+        </p:spPr>
+      </p:pic>
       <p:sp>
         <p:nvSpPr>
           <p:cNvPr id="2" name="Title 1">
             <a:extLst>
               <a:ext uri="{FF2B5EF4-FFF2-40B4-BE49-F238E27FC236}">
-                <a16:creationId xmlns:a16="http://schemas.microsoft.com/office/drawing/2014/main" id="{36402DAA-F9F1-4892-958D-109D4A7BD056}"/>
+                <a16:creationId xmlns:a16="http://schemas.microsoft.com/office/drawing/2014/main" id="{0D71036A-83A7-41B8-83C0-FBD8588B42C5}"/>
               </a:ext>
             </a:extLst>
           </p:cNvPr>
@@ -4462,104 +6634,15 @@
           <a:p>
             <a:r>
               <a:rPr lang="en-US" dirty="0"/>
-              <a:t>Related areas. Data Science</a:t>
-            </a:r>
-          </a:p>
-        </p:txBody>
-      </p:sp>
-      <p:sp>
-        <p:nvSpPr>
-          <p:cNvPr id="3" name="Content Placeholder 2">
-            <a:extLst>
-              <a:ext uri="{FF2B5EF4-FFF2-40B4-BE49-F238E27FC236}">
-                <a16:creationId xmlns:a16="http://schemas.microsoft.com/office/drawing/2014/main" id="{1E81CD0D-A931-4D24-AFE0-8C80FC6FE49B}"/>
-              </a:ext>
-            </a:extLst>
-          </p:cNvPr>
-          <p:cNvSpPr>
-            <a:spLocks noGrp="1"/>
-          </p:cNvSpPr>
-          <p:nvPr>
-            <p:ph idx="1"/>
-          </p:nvPr>
-        </p:nvSpPr>
-        <p:spPr/>
-        <p:txBody>
-          <a:bodyPr/>
-          <a:lstStyle/>
-          <a:p>
-            <a:r>
-              <a:rPr lang="en-US" dirty="0"/>
-              <a:t>Data manipulation (50 – 80 %)</a:t>
-            </a:r>
-          </a:p>
-          <a:p>
-            <a:r>
-              <a:rPr lang="en-US" dirty="0"/>
-              <a:t>Machine Learning</a:t>
-            </a:r>
-          </a:p>
-          <a:p>
-            <a:r>
-              <a:rPr lang="en-US" dirty="0"/>
-              <a:t>Deep learning</a:t>
-            </a:r>
-          </a:p>
-          <a:p>
-            <a:endParaRPr lang="en-US" dirty="0"/>
-          </a:p>
-        </p:txBody>
-      </p:sp>
-      <p:pic>
-        <p:nvPicPr>
-          <p:cNvPr id="4" name="Picture 4" descr="Image result for data science">
-            <a:extLst>
-              <a:ext uri="{FF2B5EF4-FFF2-40B4-BE49-F238E27FC236}">
-                <a16:creationId xmlns:a16="http://schemas.microsoft.com/office/drawing/2014/main" id="{DD996324-7BDF-4FF1-BB2D-2438CA760BAF}"/>
-              </a:ext>
-            </a:extLst>
-          </p:cNvPr>
-          <p:cNvPicPr>
-            <a:picLocks noChangeAspect="1" noChangeArrowheads="1"/>
-          </p:cNvPicPr>
-          <p:nvPr/>
-        </p:nvPicPr>
-        <p:blipFill>
-          <a:blip r:embed="rId2">
-            <a:extLst>
-              <a:ext uri="{28A0092B-C50C-407E-A947-70E740481C1C}">
-                <a14:useLocalDpi xmlns:a14="http://schemas.microsoft.com/office/drawing/2010/main" val="0"/>
-              </a:ext>
-            </a:extLst>
-          </a:blip>
-          <a:stretch>
-            <a:fillRect/>
-          </a:stretch>
-        </p:blipFill>
-        <p:spPr bwMode="auto">
-          <a:xfrm>
-            <a:off x="5871233" y="1270846"/>
-            <a:ext cx="6156643" cy="5587154"/>
-          </a:xfrm>
-          <a:prstGeom prst="rect">
-            <a:avLst/>
-          </a:prstGeom>
-          <a:noFill/>
-          <a:extLst>
-            <a:ext uri="{909E8E84-426E-40DD-AFC4-6F175D3DCCD1}">
-              <a14:hiddenFill xmlns:a14="http://schemas.microsoft.com/office/drawing/2010/main">
-                <a:solidFill>
-                  <a:srgbClr val="FFFFFF"/>
-                </a:solidFill>
-              </a14:hiddenFill>
-            </a:ext>
-          </a:extLst>
-        </p:spPr>
-      </p:pic>
+              <a:t>Machine learning. Introduction</a:t>
+            </a:r>
+          </a:p>
+        </p:txBody>
+      </p:sp>
     </p:spTree>
     <p:extLst>
       <p:ext uri="{BB962C8B-B14F-4D97-AF65-F5344CB8AC3E}">
-        <p14:creationId xmlns:p14="http://schemas.microsoft.com/office/powerpoint/2010/main" val="3632336806"/>
+        <p14:creationId xmlns:p14="http://schemas.microsoft.com/office/powerpoint/2010/main" val="1752036264"/>
       </p:ext>
     </p:extLst>
   </p:cSld>
@@ -4586,12 +6669,102 @@
           <a:chExt cx="0" cy="0"/>
         </a:xfrm>
       </p:grpSpPr>
+      <p:pic>
+        <p:nvPicPr>
+          <p:cNvPr id="7" name="Picture 6">
+            <a:extLst>
+              <a:ext uri="{FF2B5EF4-FFF2-40B4-BE49-F238E27FC236}">
+                <a16:creationId xmlns:a16="http://schemas.microsoft.com/office/drawing/2014/main" id="{45CE5A32-36E6-4751-AD8A-CD35823A756A}"/>
+              </a:ext>
+            </a:extLst>
+          </p:cNvPr>
+          <p:cNvPicPr>
+            <a:picLocks noChangeAspect="1"/>
+          </p:cNvPicPr>
+          <p:nvPr/>
+        </p:nvPicPr>
+        <p:blipFill>
+          <a:blip r:embed="rId2"/>
+          <a:stretch>
+            <a:fillRect/>
+          </a:stretch>
+        </p:blipFill>
+        <p:spPr>
+          <a:xfrm>
+            <a:off x="914400" y="1312173"/>
+            <a:ext cx="7427280" cy="5405591"/>
+          </a:xfrm>
+          <a:prstGeom prst="rect">
+            <a:avLst/>
+          </a:prstGeom>
+        </p:spPr>
+      </p:pic>
+      <p:pic>
+        <p:nvPicPr>
+          <p:cNvPr id="12" name="Picture 11">
+            <a:extLst>
+              <a:ext uri="{FF2B5EF4-FFF2-40B4-BE49-F238E27FC236}">
+                <a16:creationId xmlns:a16="http://schemas.microsoft.com/office/drawing/2014/main" id="{2DA3DB13-6A18-4DF6-AFF3-0634008CB4EA}"/>
+              </a:ext>
+            </a:extLst>
+          </p:cNvPr>
+          <p:cNvPicPr>
+            <a:picLocks noChangeAspect="1"/>
+          </p:cNvPicPr>
+          <p:nvPr/>
+        </p:nvPicPr>
+        <p:blipFill>
+          <a:blip r:embed="rId3"/>
+          <a:stretch>
+            <a:fillRect/>
+          </a:stretch>
+        </p:blipFill>
+        <p:spPr>
+          <a:xfrm>
+            <a:off x="8047647" y="3392120"/>
+            <a:ext cx="4144353" cy="3153313"/>
+          </a:xfrm>
+          <a:prstGeom prst="rect">
+            <a:avLst/>
+          </a:prstGeom>
+        </p:spPr>
+      </p:pic>
+      <p:pic>
+        <p:nvPicPr>
+          <p:cNvPr id="13" name="Picture 12">
+            <a:extLst>
+              <a:ext uri="{FF2B5EF4-FFF2-40B4-BE49-F238E27FC236}">
+                <a16:creationId xmlns:a16="http://schemas.microsoft.com/office/drawing/2014/main" id="{251C1FDA-0D98-4D10-9539-0D5CDDEA6CD1}"/>
+              </a:ext>
+            </a:extLst>
+          </p:cNvPr>
+          <p:cNvPicPr>
+            <a:picLocks noChangeAspect="1"/>
+          </p:cNvPicPr>
+          <p:nvPr/>
+        </p:nvPicPr>
+        <p:blipFill>
+          <a:blip r:embed="rId4"/>
+          <a:stretch>
+            <a:fillRect/>
+          </a:stretch>
+        </p:blipFill>
+        <p:spPr>
+          <a:xfrm>
+            <a:off x="8424549" y="801859"/>
+            <a:ext cx="3390547" cy="2558607"/>
+          </a:xfrm>
+          <a:prstGeom prst="rect">
+            <a:avLst/>
+          </a:prstGeom>
+        </p:spPr>
+      </p:pic>
       <p:sp>
         <p:nvSpPr>
           <p:cNvPr id="2" name="Title 1">
             <a:extLst>
               <a:ext uri="{FF2B5EF4-FFF2-40B4-BE49-F238E27FC236}">
-                <a16:creationId xmlns:a16="http://schemas.microsoft.com/office/drawing/2014/main" id="{B933CCD5-5065-4690-BA0E-DD3059444A9A}"/>
+                <a16:creationId xmlns:a16="http://schemas.microsoft.com/office/drawing/2014/main" id="{48A7329F-5C48-42F5-B0F3-56E1C5E9805E}"/>
               </a:ext>
             </a:extLst>
           </p:cNvPr>
@@ -4608,100 +6781,9 @@
           <a:lstStyle/>
           <a:p>
             <a:r>
-              <a:rPr lang="en-US" dirty="0"/>
-              <a:t>Applications in this course</a:t>
-            </a:r>
-          </a:p>
-        </p:txBody>
-      </p:sp>
-      <p:sp>
-        <p:nvSpPr>
-          <p:cNvPr id="3" name="Content Placeholder 2">
-            <a:extLst>
-              <a:ext uri="{FF2B5EF4-FFF2-40B4-BE49-F238E27FC236}">
-                <a16:creationId xmlns:a16="http://schemas.microsoft.com/office/drawing/2014/main" id="{14661053-500D-4C4F-B590-42B61D42A4B2}"/>
-              </a:ext>
-            </a:extLst>
-          </p:cNvPr>
-          <p:cNvSpPr>
-            <a:spLocks noGrp="1"/>
-          </p:cNvSpPr>
-          <p:nvPr>
-            <p:ph idx="1"/>
-          </p:nvPr>
-        </p:nvSpPr>
-        <p:spPr/>
-        <p:txBody>
-          <a:bodyPr/>
-          <a:lstStyle/>
-          <a:p>
-            <a:pPr marL="0" indent="0">
-              <a:buNone/>
-            </a:pPr>
-            <a:r>
-              <a:rPr lang="en-US" dirty="0"/>
-              <a:t>Based on the book of </a:t>
-            </a:r>
-            <a:r>
-              <a:rPr lang="en-US" dirty="0" err="1"/>
-              <a:t>Guangren</a:t>
-            </a:r>
-            <a:r>
-              <a:rPr lang="en-US" dirty="0"/>
-              <a:t> Shi</a:t>
-            </a:r>
-          </a:p>
-          <a:p>
-            <a:pPr marL="0" indent="0">
-              <a:buNone/>
-            </a:pPr>
-            <a:r>
-              <a:rPr lang="en-US" dirty="0"/>
-              <a:t>Hydrology, geothermal, radioactive waste disposal, oil and gas, </a:t>
-            </a:r>
-          </a:p>
-          <a:p>
-            <a:pPr marL="0" indent="0">
-              <a:buNone/>
-            </a:pPr>
-            <a:endParaRPr lang="en-US" dirty="0"/>
-          </a:p>
-          <a:p>
-            <a:pPr marL="0" indent="0">
-              <a:buNone/>
-            </a:pPr>
-            <a:r>
-              <a:rPr lang="en-US" dirty="0"/>
-              <a:t>Fluid volume production from a well ()</a:t>
-            </a:r>
-          </a:p>
-          <a:p>
-            <a:pPr marL="0" indent="0">
-              <a:buNone/>
-            </a:pPr>
-            <a:r>
-              <a:rPr lang="en-US" dirty="0"/>
-              <a:t>Porosity from depth (</a:t>
-            </a:r>
-            <a:r>
-              <a:rPr lang="en-US" dirty="0" err="1"/>
-              <a:t>Pyrcz</a:t>
-            </a:r>
-            <a:r>
-              <a:rPr lang="en-US" dirty="0"/>
-              <a:t>)</a:t>
-            </a:r>
-          </a:p>
-          <a:p>
-            <a:pPr marL="0" indent="0">
-              <a:buNone/>
-            </a:pPr>
-            <a:endParaRPr lang="en-US" dirty="0"/>
-          </a:p>
-          <a:p>
-            <a:pPr marL="0" indent="0">
-              <a:buNone/>
-            </a:pPr>
+              <a:rPr lang="en-US"/>
+              <a:t>Model selection</a:t>
+            </a:r>
             <a:endParaRPr lang="en-US" dirty="0"/>
           </a:p>
         </p:txBody>
@@ -4709,7 +6791,7 @@
     </p:spTree>
     <p:extLst>
       <p:ext uri="{BB962C8B-B14F-4D97-AF65-F5344CB8AC3E}">
-        <p14:creationId xmlns:p14="http://schemas.microsoft.com/office/powerpoint/2010/main" val="3325087034"/>
+        <p14:creationId xmlns:p14="http://schemas.microsoft.com/office/powerpoint/2010/main" val="1399921588"/>
       </p:ext>
     </p:extLst>
   </p:cSld>
@@ -4736,166 +6818,21 @@
           <a:chExt cx="0" cy="0"/>
         </a:xfrm>
       </p:grpSpPr>
-      <p:sp>
-        <p:nvSpPr>
-          <p:cNvPr id="2" name="Title 1">
-            <a:extLst>
-              <a:ext uri="{FF2B5EF4-FFF2-40B4-BE49-F238E27FC236}">
-                <a16:creationId xmlns:a16="http://schemas.microsoft.com/office/drawing/2014/main" id="{F6C9038C-05DA-424D-86B4-E8342E4EACCA}"/>
-              </a:ext>
-            </a:extLst>
-          </p:cNvPr>
-          <p:cNvSpPr>
-            <a:spLocks noGrp="1"/>
-          </p:cNvSpPr>
-          <p:nvPr>
-            <p:ph type="title"/>
-          </p:nvPr>
-        </p:nvSpPr>
-        <p:spPr/>
-        <p:txBody>
-          <a:bodyPr/>
-          <a:lstStyle/>
-          <a:p>
-            <a:r>
-              <a:rPr lang="en-US" dirty="0"/>
-              <a:t>Types of Machine learning algorithms</a:t>
-            </a:r>
-          </a:p>
-        </p:txBody>
-      </p:sp>
-      <p:sp>
-        <p:nvSpPr>
-          <p:cNvPr id="3" name="Content Placeholder 2">
-            <a:extLst>
-              <a:ext uri="{FF2B5EF4-FFF2-40B4-BE49-F238E27FC236}">
-                <a16:creationId xmlns:a16="http://schemas.microsoft.com/office/drawing/2014/main" id="{7148C530-4C95-4FEC-8134-7F0DA907478A}"/>
-              </a:ext>
-            </a:extLst>
-          </p:cNvPr>
-          <p:cNvSpPr>
-            <a:spLocks noGrp="1"/>
-          </p:cNvSpPr>
+      <p:pic>
+        <p:nvPicPr>
+          <p:cNvPr id="9" name="Content Placeholder 8">
+            <a:extLst>
+              <a:ext uri="{FF2B5EF4-FFF2-40B4-BE49-F238E27FC236}">
+                <a16:creationId xmlns:a16="http://schemas.microsoft.com/office/drawing/2014/main" id="{DE94F233-C94F-4B63-9E50-E7310A479C6E}"/>
+              </a:ext>
+            </a:extLst>
+          </p:cNvPr>
+          <p:cNvPicPr>
+            <a:picLocks noGrp="1" noChangeAspect="1"/>
+          </p:cNvPicPr>
           <p:nvPr>
             <p:ph idx="1"/>
           </p:nvPr>
-        </p:nvSpPr>
-        <p:spPr/>
-        <p:txBody>
-          <a:bodyPr>
-            <a:normAutofit fontScale="85000" lnSpcReduction="20000"/>
-          </a:bodyPr>
-          <a:lstStyle/>
-          <a:p>
-            <a:r>
-              <a:rPr lang="en-US" dirty="0"/>
-              <a:t>Supervised</a:t>
-            </a:r>
-          </a:p>
-          <a:p>
-            <a:pPr marL="457200" lvl="1" indent="0">
-              <a:buNone/>
-            </a:pPr>
-            <a:r>
-              <a:rPr lang="en-US" dirty="0"/>
-              <a:t>• k-Nearest Neighbors</a:t>
-            </a:r>
-          </a:p>
-          <a:p>
-            <a:pPr marL="457200" lvl="1" indent="0">
-              <a:buNone/>
-            </a:pPr>
-            <a:r>
-              <a:rPr lang="en-US" dirty="0"/>
-              <a:t>• Linear Regression</a:t>
-            </a:r>
-          </a:p>
-          <a:p>
-            <a:pPr marL="457200" lvl="1" indent="0">
-              <a:buNone/>
-            </a:pPr>
-            <a:r>
-              <a:rPr lang="en-US" dirty="0"/>
-              <a:t>• Logistic Regression</a:t>
-            </a:r>
-          </a:p>
-          <a:p>
-            <a:pPr marL="457200" lvl="1" indent="0">
-              <a:buNone/>
-            </a:pPr>
-            <a:r>
-              <a:rPr lang="en-US" dirty="0"/>
-              <a:t>• Support Vector Machines (SVMs)</a:t>
-            </a:r>
-          </a:p>
-          <a:p>
-            <a:pPr marL="457200" lvl="1" indent="0">
-              <a:buNone/>
-            </a:pPr>
-            <a:r>
-              <a:rPr lang="en-US" dirty="0"/>
-              <a:t>• Decision Trees, Ensemble methods</a:t>
-            </a:r>
-          </a:p>
-          <a:p>
-            <a:pPr marL="457200" lvl="1" indent="0">
-              <a:buNone/>
-            </a:pPr>
-            <a:r>
-              <a:rPr lang="en-US" dirty="0"/>
-              <a:t>• Neural networks</a:t>
-            </a:r>
-          </a:p>
-          <a:p>
-            <a:r>
-              <a:rPr lang="en-US" dirty="0"/>
-              <a:t>Unsupervised</a:t>
-            </a:r>
-          </a:p>
-          <a:p>
-            <a:pPr lvl="1"/>
-            <a:r>
-              <a:rPr lang="en-US" dirty="0"/>
-              <a:t>Clustering: K-means, Hierarchical Cluster Analysis (HCA)</a:t>
-            </a:r>
-          </a:p>
-          <a:p>
-            <a:pPr lvl="1"/>
-            <a:r>
-              <a:rPr lang="en-US" dirty="0"/>
-              <a:t>Visualization and dimensionality reduction (Kernel)? PCA, t-distributed Stochastic Neighbor Embedding (t-SNE)</a:t>
-            </a:r>
-          </a:p>
-          <a:p>
-            <a:r>
-              <a:rPr lang="en-US" dirty="0"/>
-              <a:t>Reinforcement learning</a:t>
-            </a:r>
-          </a:p>
-          <a:p>
-            <a:endParaRPr lang="en-US" dirty="0"/>
-          </a:p>
-          <a:p>
-            <a:r>
-              <a:rPr lang="en-US" dirty="0"/>
-              <a:t>Batch and Online learning</a:t>
-            </a:r>
-          </a:p>
-        </p:txBody>
-      </p:sp>
-      <p:pic>
-        <p:nvPicPr>
-          <p:cNvPr id="4" name="Picture 3">
-            <a:extLst>
-              <a:ext uri="{FF2B5EF4-FFF2-40B4-BE49-F238E27FC236}">
-                <a16:creationId xmlns:a16="http://schemas.microsoft.com/office/drawing/2014/main" id="{3C4FBE9D-BFFE-4D2A-851C-3C465FE83576}"/>
-              </a:ext>
-            </a:extLst>
-          </p:cNvPr>
-          <p:cNvPicPr>
-            <a:picLocks noChangeAspect="1"/>
-          </p:cNvPicPr>
-          <p:nvPr/>
         </p:nvPicPr>
         <p:blipFill>
           <a:blip r:embed="rId2"/>
@@ -4905,20 +6842,48 @@
         </p:blipFill>
         <p:spPr>
           <a:xfrm>
-            <a:off x="5050301" y="1474742"/>
-            <a:ext cx="3684746" cy="1410260"/>
+            <a:off x="3901439" y="786889"/>
+            <a:ext cx="7726810" cy="3081727"/>
           </a:xfrm>
           <a:prstGeom prst="rect">
             <a:avLst/>
           </a:prstGeom>
         </p:spPr>
       </p:pic>
+      <p:sp>
+        <p:nvSpPr>
+          <p:cNvPr id="2" name="Title 1">
+            <a:extLst>
+              <a:ext uri="{FF2B5EF4-FFF2-40B4-BE49-F238E27FC236}">
+                <a16:creationId xmlns:a16="http://schemas.microsoft.com/office/drawing/2014/main" id="{EFF5D9E9-FB91-4FF8-B379-E9285601E834}"/>
+              </a:ext>
+            </a:extLst>
+          </p:cNvPr>
+          <p:cNvSpPr>
+            <a:spLocks noGrp="1"/>
+          </p:cNvSpPr>
+          <p:nvPr>
+            <p:ph type="title"/>
+          </p:nvPr>
+        </p:nvSpPr>
+        <p:spPr/>
+        <p:txBody>
+          <a:bodyPr/>
+          <a:lstStyle/>
+          <a:p>
+            <a:r>
+              <a:rPr lang="en-US" dirty="0"/>
+              <a:t>Over-fitting?</a:t>
+            </a:r>
+          </a:p>
+        </p:txBody>
+      </p:sp>
       <p:pic>
         <p:nvPicPr>
-          <p:cNvPr id="5" name="Picture 4">
-            <a:extLst>
-              <a:ext uri="{FF2B5EF4-FFF2-40B4-BE49-F238E27FC236}">
-                <a16:creationId xmlns:a16="http://schemas.microsoft.com/office/drawing/2014/main" id="{3A4360B0-DC3B-4E7D-BCF7-D3B3C91738BC}"/>
+          <p:cNvPr id="10" name="Picture 9">
+            <a:extLst>
+              <a:ext uri="{FF2B5EF4-FFF2-40B4-BE49-F238E27FC236}">
+                <a16:creationId xmlns:a16="http://schemas.microsoft.com/office/drawing/2014/main" id="{0BA029FC-8E74-49F0-B04D-81C1EEE598C3}"/>
               </a:ext>
             </a:extLst>
           </p:cNvPr>
@@ -4935,8 +6900,8 @@
         </p:blipFill>
         <p:spPr>
           <a:xfrm>
-            <a:off x="9129931" y="2696219"/>
-            <a:ext cx="2634655" cy="1465562"/>
+            <a:off x="3901439" y="4121567"/>
+            <a:ext cx="7811175" cy="2904888"/>
           </a:xfrm>
           <a:prstGeom prst="rect">
             <a:avLst/>
@@ -4946,7 +6911,7 @@
     </p:spTree>
     <p:extLst>
       <p:ext uri="{BB962C8B-B14F-4D97-AF65-F5344CB8AC3E}">
-        <p14:creationId xmlns:p14="http://schemas.microsoft.com/office/powerpoint/2010/main" val="2842235650"/>
+        <p14:creationId xmlns:p14="http://schemas.microsoft.com/office/powerpoint/2010/main" val="2036813842"/>
       </p:ext>
     </p:extLst>
   </p:cSld>
@@ -4957,6 +6922,89 @@
 </file>
 
 <file path=ppt/slides/slide6.xml><?xml version="1.0" encoding="utf-8"?>
+<p:sld xmlns:a="http://schemas.openxmlformats.org/drawingml/2006/main" xmlns:r="http://schemas.openxmlformats.org/officeDocument/2006/relationships" xmlns:p="http://schemas.openxmlformats.org/presentationml/2006/main">
+  <p:cSld>
+    <p:spTree>
+      <p:nvGrpSpPr>
+        <p:cNvPr id="1" name=""/>
+        <p:cNvGrpSpPr/>
+        <p:nvPr/>
+      </p:nvGrpSpPr>
+      <p:grpSpPr>
+        <a:xfrm>
+          <a:off x="0" y="0"/>
+          <a:ext cx="0" cy="0"/>
+          <a:chOff x="0" y="0"/>
+          <a:chExt cx="0" cy="0"/>
+        </a:xfrm>
+      </p:grpSpPr>
+      <p:sp>
+        <p:nvSpPr>
+          <p:cNvPr id="2" name="Title 1">
+            <a:extLst>
+              <a:ext uri="{FF2B5EF4-FFF2-40B4-BE49-F238E27FC236}">
+                <a16:creationId xmlns:a16="http://schemas.microsoft.com/office/drawing/2014/main" id="{95971411-716D-49AD-BF57-13DBA4151EA5}"/>
+              </a:ext>
+            </a:extLst>
+          </p:cNvPr>
+          <p:cNvSpPr>
+            <a:spLocks noGrp="1"/>
+          </p:cNvSpPr>
+          <p:nvPr>
+            <p:ph type="title"/>
+          </p:nvPr>
+        </p:nvSpPr>
+        <p:spPr/>
+        <p:txBody>
+          <a:bodyPr/>
+          <a:lstStyle/>
+          <a:p>
+            <a:r>
+              <a:rPr lang="en-US" dirty="0"/>
+              <a:t>Concepts review</a:t>
+            </a:r>
+          </a:p>
+        </p:txBody>
+      </p:sp>
+      <p:sp>
+        <p:nvSpPr>
+          <p:cNvPr id="3" name="Content Placeholder 2">
+            <a:extLst>
+              <a:ext uri="{FF2B5EF4-FFF2-40B4-BE49-F238E27FC236}">
+                <a16:creationId xmlns:a16="http://schemas.microsoft.com/office/drawing/2014/main" id="{9412ABE9-F208-48FB-BB9B-D962FA23364D}"/>
+              </a:ext>
+            </a:extLst>
+          </p:cNvPr>
+          <p:cNvSpPr>
+            <a:spLocks noGrp="1"/>
+          </p:cNvSpPr>
+          <p:nvPr>
+            <p:ph idx="1"/>
+          </p:nvPr>
+        </p:nvSpPr>
+        <p:spPr/>
+        <p:txBody>
+          <a:bodyPr/>
+          <a:lstStyle/>
+          <a:p>
+            <a:endParaRPr lang="en-US"/>
+          </a:p>
+        </p:txBody>
+      </p:sp>
+    </p:spTree>
+    <p:extLst>
+      <p:ext uri="{BB962C8B-B14F-4D97-AF65-F5344CB8AC3E}">
+        <p14:creationId xmlns:p14="http://schemas.microsoft.com/office/powerpoint/2010/main" val="643346047"/>
+      </p:ext>
+    </p:extLst>
+  </p:cSld>
+  <p:clrMapOvr>
+    <a:masterClrMapping/>
+  </p:clrMapOvr>
+</p:sld>
+</file>
+
+<file path=ppt/slides/slide7.xml><?xml version="1.0" encoding="utf-8"?>
 <p:sld xmlns:a="http://schemas.openxmlformats.org/drawingml/2006/main" xmlns:r="http://schemas.openxmlformats.org/officeDocument/2006/relationships" xmlns:p="http://schemas.openxmlformats.org/presentationml/2006/main">
   <p:cSld>
     <p:spTree>
@@ -6221,13 +8269,7 @@
               <p:cNvGraphicFramePr>
                 <a:graphicFrameLocks noGrp="1"/>
               </p:cNvGraphicFramePr>
-              <p:nvPr>
-                <p:extLst>
-                  <p:ext uri="{D42A27DB-BD31-4B8C-83A1-F6EECF244321}">
-                    <p14:modId xmlns:p14="http://schemas.microsoft.com/office/powerpoint/2010/main" val="1955267502"/>
-                  </p:ext>
-                </p:extLst>
-              </p:nvPr>
+              <p:nvPr/>
             </p:nvGraphicFramePr>
             <p:xfrm>
               <a:off x="920498" y="4770658"/>
@@ -7125,13 +9167,7 @@
               <p:cNvGraphicFramePr>
                 <a:graphicFrameLocks noGrp="1"/>
               </p:cNvGraphicFramePr>
-              <p:nvPr>
-                <p:extLst>
-                  <p:ext uri="{D42A27DB-BD31-4B8C-83A1-F6EECF244321}">
-                    <p14:modId xmlns:p14="http://schemas.microsoft.com/office/powerpoint/2010/main" val="2500392571"/>
-                  </p:ext>
-                </p:extLst>
-              </p:nvPr>
+              <p:nvPr/>
             </p:nvGraphicFramePr>
             <p:xfrm>
               <a:off x="8255820" y="4770658"/>
@@ -7664,117 +9700,7 @@
     </p:spTree>
     <p:extLst>
       <p:ext uri="{BB962C8B-B14F-4D97-AF65-F5344CB8AC3E}">
-        <p14:creationId xmlns:p14="http://schemas.microsoft.com/office/powerpoint/2010/main" val="3888644081"/>
-      </p:ext>
-    </p:extLst>
-  </p:cSld>
-  <p:clrMapOvr>
-    <a:masterClrMapping/>
-  </p:clrMapOvr>
-</p:sld>
-</file>
-
-<file path=ppt/slides/slide7.xml><?xml version="1.0" encoding="utf-8"?>
-<p:sld xmlns:a="http://schemas.openxmlformats.org/drawingml/2006/main" xmlns:r="http://schemas.openxmlformats.org/officeDocument/2006/relationships" xmlns:p="http://schemas.openxmlformats.org/presentationml/2006/main">
-  <p:cSld>
-    <p:spTree>
-      <p:nvGrpSpPr>
-        <p:cNvPr id="1" name=""/>
-        <p:cNvGrpSpPr/>
-        <p:nvPr/>
-      </p:nvGrpSpPr>
-      <p:grpSpPr>
-        <a:xfrm>
-          <a:off x="0" y="0"/>
-          <a:ext cx="0" cy="0"/>
-          <a:chOff x="0" y="0"/>
-          <a:chExt cx="0" cy="0"/>
-        </a:xfrm>
-      </p:grpSpPr>
-      <p:sp>
-        <p:nvSpPr>
-          <p:cNvPr id="2" name="Title 1">
-            <a:extLst>
-              <a:ext uri="{FF2B5EF4-FFF2-40B4-BE49-F238E27FC236}">
-                <a16:creationId xmlns:a16="http://schemas.microsoft.com/office/drawing/2014/main" id="{6AF1237B-3CF2-4A0B-8CB6-13A57D8B8952}"/>
-              </a:ext>
-            </a:extLst>
-          </p:cNvPr>
-          <p:cNvSpPr>
-            <a:spLocks noGrp="1"/>
-          </p:cNvSpPr>
-          <p:nvPr>
-            <p:ph type="title"/>
-          </p:nvPr>
-        </p:nvSpPr>
-        <p:spPr/>
-        <p:txBody>
-          <a:bodyPr/>
-          <a:lstStyle/>
-          <a:p>
-            <a:r>
-              <a:rPr lang="en-US" dirty="0"/>
-              <a:t>Grading</a:t>
-            </a:r>
-          </a:p>
-        </p:txBody>
-      </p:sp>
-      <p:sp>
-        <p:nvSpPr>
-          <p:cNvPr id="3" name="Content Placeholder 2">
-            <a:extLst>
-              <a:ext uri="{FF2B5EF4-FFF2-40B4-BE49-F238E27FC236}">
-                <a16:creationId xmlns:a16="http://schemas.microsoft.com/office/drawing/2014/main" id="{29E844A6-B3FA-40A1-80F8-CFBF0F71890E}"/>
-              </a:ext>
-            </a:extLst>
-          </p:cNvPr>
-          <p:cNvSpPr>
-            <a:spLocks noGrp="1"/>
-          </p:cNvSpPr>
-          <p:nvPr>
-            <p:ph idx="1"/>
-          </p:nvPr>
-        </p:nvSpPr>
-        <p:spPr/>
-        <p:txBody>
-          <a:bodyPr/>
-          <a:lstStyle/>
-          <a:p>
-            <a:r>
-              <a:rPr lang="en-US" dirty="0"/>
-              <a:t>20%  Theoretical </a:t>
-            </a:r>
-          </a:p>
-          <a:p>
-            <a:r>
-              <a:rPr lang="en-US" dirty="0"/>
-              <a:t>20%  Computational exercises</a:t>
-            </a:r>
-          </a:p>
-          <a:p>
-            <a:r>
-              <a:rPr lang="en-US" dirty="0"/>
-              <a:t>20%  Exams</a:t>
-            </a:r>
-          </a:p>
-          <a:p>
-            <a:r>
-              <a:rPr lang="en-US" dirty="0"/>
-              <a:t>20%  Oral presentation of application of ML in Geosciences</a:t>
-            </a:r>
-          </a:p>
-          <a:p>
-            <a:r>
-              <a:rPr lang="en-US" dirty="0"/>
-              <a:t>20%  MOOC (Coursera, Udemy, …)</a:t>
-            </a:r>
-          </a:p>
-        </p:txBody>
-      </p:sp>
-    </p:spTree>
-    <p:extLst>
-      <p:ext uri="{BB962C8B-B14F-4D97-AF65-F5344CB8AC3E}">
-        <p14:creationId xmlns:p14="http://schemas.microsoft.com/office/powerpoint/2010/main" val="3606441411"/>
+        <p14:creationId xmlns:p14="http://schemas.microsoft.com/office/powerpoint/2010/main" val="1557145652"/>
       </p:ext>
     </p:extLst>
   </p:cSld>
@@ -7806,7 +9732,7 @@
           <p:cNvPr id="2" name="Title 1">
             <a:extLst>
               <a:ext uri="{FF2B5EF4-FFF2-40B4-BE49-F238E27FC236}">
-                <a16:creationId xmlns:a16="http://schemas.microsoft.com/office/drawing/2014/main" id="{EFF5D9E9-FB91-4FF8-B379-E9285601E834}"/>
+                <a16:creationId xmlns:a16="http://schemas.microsoft.com/office/drawing/2014/main" id="{CB9D5FB6-F51B-4023-9BA5-B049BB893CB2}"/>
               </a:ext>
             </a:extLst>
           </p:cNvPr>
@@ -7817,21 +9743,29 @@
             <p:ph type="title"/>
           </p:nvPr>
         </p:nvSpPr>
-        <p:spPr/>
+        <p:spPr>
+          <a:xfrm>
+            <a:off x="838200" y="336989"/>
+            <a:ext cx="10515600" cy="1325563"/>
+          </a:xfrm>
+        </p:spPr>
         <p:txBody>
           <a:bodyPr/>
           <a:lstStyle/>
           <a:p>
-            <a:endParaRPr lang="en-US" dirty="0"/>
+            <a:r>
+              <a:rPr lang="en-US" dirty="0"/>
+              <a:t>What is ML</a:t>
+            </a:r>
           </a:p>
         </p:txBody>
       </p:sp>
       <p:pic>
         <p:nvPicPr>
-          <p:cNvPr id="9" name="Content Placeholder 8">
-            <a:extLst>
-              <a:ext uri="{FF2B5EF4-FFF2-40B4-BE49-F238E27FC236}">
-                <a16:creationId xmlns:a16="http://schemas.microsoft.com/office/drawing/2014/main" id="{DE94F233-C94F-4B63-9E50-E7310A479C6E}"/>
+          <p:cNvPr id="4" name="Content Placeholder 3">
+            <a:extLst>
+              <a:ext uri="{FF2B5EF4-FFF2-40B4-BE49-F238E27FC236}">
+                <a16:creationId xmlns:a16="http://schemas.microsoft.com/office/drawing/2014/main" id="{42192DA7-EBFE-4A33-BD33-75F41AE61DAB}"/>
               </a:ext>
             </a:extLst>
           </p:cNvPr>
@@ -7850,188 +9784,8 @@
         </p:blipFill>
         <p:spPr>
           <a:xfrm>
-            <a:off x="5711676" y="2713181"/>
-            <a:ext cx="3958546" cy="1578809"/>
-          </a:xfrm>
-          <a:prstGeom prst="rect">
-            <a:avLst/>
-          </a:prstGeom>
-        </p:spPr>
-      </p:pic>
-      <p:pic>
-        <p:nvPicPr>
-          <p:cNvPr id="4" name="Picture 3">
-            <a:extLst>
-              <a:ext uri="{FF2B5EF4-FFF2-40B4-BE49-F238E27FC236}">
-                <a16:creationId xmlns:a16="http://schemas.microsoft.com/office/drawing/2014/main" id="{BBA16849-A2F5-4242-BD26-D67E9BE58CB3}"/>
-              </a:ext>
-            </a:extLst>
-          </p:cNvPr>
-          <p:cNvPicPr>
-            <a:picLocks noChangeAspect="1"/>
-          </p:cNvPicPr>
-          <p:nvPr/>
-        </p:nvPicPr>
-        <p:blipFill>
-          <a:blip r:embed="rId3"/>
-          <a:stretch>
-            <a:fillRect/>
-          </a:stretch>
-        </p:blipFill>
-        <p:spPr>
-          <a:xfrm>
-            <a:off x="7881753" y="593561"/>
-            <a:ext cx="3251120" cy="1325564"/>
-          </a:xfrm>
-          <a:prstGeom prst="rect">
-            <a:avLst/>
-          </a:prstGeom>
-        </p:spPr>
-      </p:pic>
-      <p:pic>
-        <p:nvPicPr>
-          <p:cNvPr id="5" name="Picture 4">
-            <a:extLst>
-              <a:ext uri="{FF2B5EF4-FFF2-40B4-BE49-F238E27FC236}">
-                <a16:creationId xmlns:a16="http://schemas.microsoft.com/office/drawing/2014/main" id="{62522EE2-FA04-425F-B5E2-7C98C41FEC62}"/>
-              </a:ext>
-            </a:extLst>
-          </p:cNvPr>
-          <p:cNvPicPr>
-            <a:picLocks noChangeAspect="1"/>
-          </p:cNvPicPr>
-          <p:nvPr/>
-        </p:nvPicPr>
-        <p:blipFill>
-          <a:blip r:embed="rId4"/>
-          <a:stretch>
-            <a:fillRect/>
-          </a:stretch>
-        </p:blipFill>
-        <p:spPr>
-          <a:xfrm>
-            <a:off x="785588" y="640479"/>
-            <a:ext cx="2555631" cy="1951463"/>
-          </a:xfrm>
-          <a:prstGeom prst="rect">
-            <a:avLst/>
-          </a:prstGeom>
-        </p:spPr>
-      </p:pic>
-      <p:pic>
-        <p:nvPicPr>
-          <p:cNvPr id="6" name="Picture 5">
-            <a:extLst>
-              <a:ext uri="{FF2B5EF4-FFF2-40B4-BE49-F238E27FC236}">
-                <a16:creationId xmlns:a16="http://schemas.microsoft.com/office/drawing/2014/main" id="{A0D34554-02C4-4A15-8A10-E1B6340795C4}"/>
-              </a:ext>
-            </a:extLst>
-          </p:cNvPr>
-          <p:cNvPicPr>
-            <a:picLocks noChangeAspect="1"/>
-          </p:cNvPicPr>
-          <p:nvPr/>
-        </p:nvPicPr>
-        <p:blipFill>
-          <a:blip r:embed="rId5"/>
-          <a:stretch>
-            <a:fillRect/>
-          </a:stretch>
-        </p:blipFill>
-        <p:spPr>
-          <a:xfrm>
-            <a:off x="4590764" y="728014"/>
-            <a:ext cx="2041444" cy="1540534"/>
-          </a:xfrm>
-          <a:prstGeom prst="rect">
-            <a:avLst/>
-          </a:prstGeom>
-        </p:spPr>
-      </p:pic>
-      <p:pic>
-        <p:nvPicPr>
-          <p:cNvPr id="7" name="Picture 6">
-            <a:extLst>
-              <a:ext uri="{FF2B5EF4-FFF2-40B4-BE49-F238E27FC236}">
-                <a16:creationId xmlns:a16="http://schemas.microsoft.com/office/drawing/2014/main" id="{45CE5A32-36E6-4751-AD8A-CD35823A756A}"/>
-              </a:ext>
-            </a:extLst>
-          </p:cNvPr>
-          <p:cNvPicPr>
-            <a:picLocks noChangeAspect="1"/>
-          </p:cNvPicPr>
-          <p:nvPr/>
-        </p:nvPicPr>
-        <p:blipFill>
-          <a:blip r:embed="rId6"/>
-          <a:stretch>
-            <a:fillRect/>
-          </a:stretch>
-        </p:blipFill>
-        <p:spPr>
-          <a:xfrm>
-            <a:off x="422883" y="3627178"/>
-            <a:ext cx="4078170" cy="2968101"/>
-          </a:xfrm>
-          <a:prstGeom prst="rect">
-            <a:avLst/>
-          </a:prstGeom>
-        </p:spPr>
-      </p:pic>
-      <p:pic>
-        <p:nvPicPr>
-          <p:cNvPr id="8" name="Picture 7">
-            <a:extLst>
-              <a:ext uri="{FF2B5EF4-FFF2-40B4-BE49-F238E27FC236}">
-                <a16:creationId xmlns:a16="http://schemas.microsoft.com/office/drawing/2014/main" id="{C3D1B8E8-4A2B-4F5F-815C-11BA0070F490}"/>
-              </a:ext>
-            </a:extLst>
-          </p:cNvPr>
-          <p:cNvPicPr>
-            <a:picLocks noChangeAspect="1"/>
-          </p:cNvPicPr>
-          <p:nvPr/>
-        </p:nvPicPr>
-        <p:blipFill>
-          <a:blip r:embed="rId7"/>
-          <a:stretch>
-            <a:fillRect/>
-          </a:stretch>
-        </p:blipFill>
-        <p:spPr>
-          <a:xfrm>
-            <a:off x="4590764" y="4563181"/>
-            <a:ext cx="2494666" cy="1898116"/>
-          </a:xfrm>
-          <a:prstGeom prst="rect">
-            <a:avLst/>
-          </a:prstGeom>
-        </p:spPr>
-      </p:pic>
-      <p:pic>
-        <p:nvPicPr>
-          <p:cNvPr id="10" name="Picture 9">
-            <a:extLst>
-              <a:ext uri="{FF2B5EF4-FFF2-40B4-BE49-F238E27FC236}">
-                <a16:creationId xmlns:a16="http://schemas.microsoft.com/office/drawing/2014/main" id="{0BA029FC-8E74-49F0-B04D-81C1EEE598C3}"/>
-              </a:ext>
-            </a:extLst>
-          </p:cNvPr>
-          <p:cNvPicPr>
-            <a:picLocks noChangeAspect="1"/>
-          </p:cNvPicPr>
-          <p:nvPr/>
-        </p:nvPicPr>
-        <p:blipFill>
-          <a:blip r:embed="rId8"/>
-          <a:stretch>
-            <a:fillRect/>
-          </a:stretch>
-        </p:blipFill>
-        <p:spPr>
-          <a:xfrm>
-            <a:off x="7085430" y="4748863"/>
-            <a:ext cx="5171136" cy="1923087"/>
+            <a:off x="1424838" y="1662552"/>
+            <a:ext cx="9821790" cy="4378388"/>
           </a:xfrm>
           <a:prstGeom prst="rect">
             <a:avLst/>
@@ -8041,7 +9795,7 @@
     </p:spTree>
     <p:extLst>
       <p:ext uri="{BB962C8B-B14F-4D97-AF65-F5344CB8AC3E}">
-        <p14:creationId xmlns:p14="http://schemas.microsoft.com/office/powerpoint/2010/main" val="1108054205"/>
+        <p14:creationId xmlns:p14="http://schemas.microsoft.com/office/powerpoint/2010/main" val="3500326752"/>
       </p:ext>
     </p:extLst>
   </p:cSld>
@@ -8073,7 +9827,7 @@
           <p:cNvPr id="2" name="Title 1">
             <a:extLst>
               <a:ext uri="{FF2B5EF4-FFF2-40B4-BE49-F238E27FC236}">
-                <a16:creationId xmlns:a16="http://schemas.microsoft.com/office/drawing/2014/main" id="{724F5D7E-54BE-4B3A-A650-9E19F3189054}"/>
+                <a16:creationId xmlns:a16="http://schemas.microsoft.com/office/drawing/2014/main" id="{36402DAA-F9F1-4892-958D-109D4A7BD056}"/>
               </a:ext>
             </a:extLst>
           </p:cNvPr>
@@ -8091,7 +9845,7 @@
           <a:p>
             <a:r>
               <a:rPr lang="en-US" dirty="0"/>
-              <a:t>Basic concepts</a:t>
+              <a:t>Related areas. Data Science</a:t>
             </a:r>
           </a:p>
         </p:txBody>
@@ -8101,7 +9855,7 @@
           <p:cNvPr id="3" name="Content Placeholder 2">
             <a:extLst>
               <a:ext uri="{FF2B5EF4-FFF2-40B4-BE49-F238E27FC236}">
-                <a16:creationId xmlns:a16="http://schemas.microsoft.com/office/drawing/2014/main" id="{66F8CC66-FC38-4489-BD55-7BF1F84F699C}"/>
+                <a16:creationId xmlns:a16="http://schemas.microsoft.com/office/drawing/2014/main" id="{1E81CD0D-A931-4D24-AFE0-8C80FC6FE49B}"/>
               </a:ext>
             </a:extLst>
           </p:cNvPr>
@@ -8119,31 +9873,19 @@
           <a:p>
             <a:r>
               <a:rPr lang="en-US" dirty="0"/>
-              <a:t>Labels</a:t>
+              <a:t>Data manipulation (50 – 80 %)</a:t>
             </a:r>
           </a:p>
           <a:p>
             <a:r>
               <a:rPr lang="en-US" dirty="0"/>
-              <a:t>Training set</a:t>
+              <a:t>Machine Learning</a:t>
             </a:r>
           </a:p>
           <a:p>
             <a:r>
               <a:rPr lang="en-US" dirty="0"/>
-              <a:t>Test set</a:t>
-            </a:r>
-          </a:p>
-          <a:p>
-            <a:r>
-              <a:rPr lang="en-US" dirty="0"/>
-              <a:t>Feature (independent variable)</a:t>
-            </a:r>
-          </a:p>
-          <a:p>
-            <a:r>
-              <a:rPr lang="en-US" dirty="0"/>
-              <a:t>Error</a:t>
+              <a:t>Deep learning</a:t>
             </a:r>
           </a:p>
           <a:p>
@@ -8151,10 +9893,56 @@
           </a:p>
         </p:txBody>
       </p:sp>
+      <p:pic>
+        <p:nvPicPr>
+          <p:cNvPr id="4" name="Picture 4" descr="Image result for data science">
+            <a:extLst>
+              <a:ext uri="{FF2B5EF4-FFF2-40B4-BE49-F238E27FC236}">
+                <a16:creationId xmlns:a16="http://schemas.microsoft.com/office/drawing/2014/main" id="{DD996324-7BDF-4FF1-BB2D-2438CA760BAF}"/>
+              </a:ext>
+            </a:extLst>
+          </p:cNvPr>
+          <p:cNvPicPr>
+            <a:picLocks noChangeAspect="1" noChangeArrowheads="1"/>
+          </p:cNvPicPr>
+          <p:nvPr/>
+        </p:nvPicPr>
+        <p:blipFill>
+          <a:blip r:embed="rId2">
+            <a:extLst>
+              <a:ext uri="{28A0092B-C50C-407E-A947-70E740481C1C}">
+                <a14:useLocalDpi xmlns:a14="http://schemas.microsoft.com/office/drawing/2010/main" val="0"/>
+              </a:ext>
+            </a:extLst>
+          </a:blip>
+          <a:stretch>
+            <a:fillRect/>
+          </a:stretch>
+        </p:blipFill>
+        <p:spPr bwMode="auto">
+          <a:xfrm>
+            <a:off x="5871233" y="1270846"/>
+            <a:ext cx="6156643" cy="5587154"/>
+          </a:xfrm>
+          <a:prstGeom prst="rect">
+            <a:avLst/>
+          </a:prstGeom>
+          <a:noFill/>
+          <a:extLst>
+            <a:ext uri="{909E8E84-426E-40DD-AFC4-6F175D3DCCD1}">
+              <a14:hiddenFill xmlns:a14="http://schemas.microsoft.com/office/drawing/2010/main">
+                <a:solidFill>
+                  <a:srgbClr val="FFFFFF"/>
+                </a:solidFill>
+              </a14:hiddenFill>
+            </a:ext>
+          </a:extLst>
+        </p:spPr>
+      </p:pic>
     </p:spTree>
     <p:extLst>
       <p:ext uri="{BB962C8B-B14F-4D97-AF65-F5344CB8AC3E}">
-        <p14:creationId xmlns:p14="http://schemas.microsoft.com/office/powerpoint/2010/main" val="1057691951"/>
+        <p14:creationId xmlns:p14="http://schemas.microsoft.com/office/powerpoint/2010/main" val="3632336806"/>
       </p:ext>
     </p:extLst>
   </p:cSld>
@@ -8457,4 +10245,299 @@
     </a:ext>
   </a:extLst>
 </a:theme>
+</file>
+
+<file path=ppt/theme/theme2.xml><?xml version="1.0" encoding="utf-8"?>
+<a:theme xmlns:a="http://schemas.openxmlformats.org/drawingml/2006/main" name="Office Theme">
+  <a:themeElements>
+    <a:clrScheme name="Office">
+      <a:dk1>
+        <a:sysClr val="windowText" lastClr="000000"/>
+      </a:dk1>
+      <a:lt1>
+        <a:sysClr val="window" lastClr="FFFFFF"/>
+      </a:lt1>
+      <a:dk2>
+        <a:srgbClr val="44546A"/>
+      </a:dk2>
+      <a:lt2>
+        <a:srgbClr val="E7E6E6"/>
+      </a:lt2>
+      <a:accent1>
+        <a:srgbClr val="4472C4"/>
+      </a:accent1>
+      <a:accent2>
+        <a:srgbClr val="ED7D31"/>
+      </a:accent2>
+      <a:accent3>
+        <a:srgbClr val="A5A5A5"/>
+      </a:accent3>
+      <a:accent4>
+        <a:srgbClr val="FFC000"/>
+      </a:accent4>
+      <a:accent5>
+        <a:srgbClr val="5B9BD5"/>
+      </a:accent5>
+      <a:accent6>
+        <a:srgbClr val="70AD47"/>
+      </a:accent6>
+      <a:hlink>
+        <a:srgbClr val="0563C1"/>
+      </a:hlink>
+      <a:folHlink>
+        <a:srgbClr val="954F72"/>
+      </a:folHlink>
+    </a:clrScheme>
+    <a:fontScheme name="Office">
+      <a:majorFont>
+        <a:latin typeface="Calibri Light" panose="020F0302020204030204"/>
+        <a:ea typeface=""/>
+        <a:cs typeface=""/>
+        <a:font script="Jpan" typeface="游ゴシック Light"/>
+        <a:font script="Hang" typeface="맑은 고딕"/>
+        <a:font script="Hans" typeface="等线 Light"/>
+        <a:font script="Hant" typeface="新細明體"/>
+        <a:font script="Arab" typeface="Times New Roman"/>
+        <a:font script="Hebr" typeface="Times New Roman"/>
+        <a:font script="Thai" typeface="Angsana New"/>
+        <a:font script="Ethi" typeface="Nyala"/>
+        <a:font script="Beng" typeface="Vrinda"/>
+        <a:font script="Gujr" typeface="Shruti"/>
+        <a:font script="Khmr" typeface="MoolBoran"/>
+        <a:font script="Knda" typeface="Tunga"/>
+        <a:font script="Guru" typeface="Raavi"/>
+        <a:font script="Cans" typeface="Euphemia"/>
+        <a:font script="Cher" typeface="Plantagenet Cherokee"/>
+        <a:font script="Yiii" typeface="Microsoft Yi Baiti"/>
+        <a:font script="Tibt" typeface="Microsoft Himalaya"/>
+        <a:font script="Thaa" typeface="MV Boli"/>
+        <a:font script="Deva" typeface="Mangal"/>
+        <a:font script="Telu" typeface="Gautami"/>
+        <a:font script="Taml" typeface="Latha"/>
+        <a:font script="Syrc" typeface="Estrangelo Edessa"/>
+        <a:font script="Orya" typeface="Kalinga"/>
+        <a:font script="Mlym" typeface="Kartika"/>
+        <a:font script="Laoo" typeface="DokChampa"/>
+        <a:font script="Sinh" typeface="Iskoola Pota"/>
+        <a:font script="Mong" typeface="Mongolian Baiti"/>
+        <a:font script="Viet" typeface="Times New Roman"/>
+        <a:font script="Uigh" typeface="Microsoft Uighur"/>
+        <a:font script="Geor" typeface="Sylfaen"/>
+        <a:font script="Armn" typeface="Arial"/>
+        <a:font script="Bugi" typeface="Leelawadee UI"/>
+        <a:font script="Bopo" typeface="Microsoft JhengHei"/>
+        <a:font script="Java" typeface="Javanese Text"/>
+        <a:font script="Lisu" typeface="Segoe UI"/>
+        <a:font script="Mymr" typeface="Myanmar Text"/>
+        <a:font script="Nkoo" typeface="Ebrima"/>
+        <a:font script="Olck" typeface="Nirmala UI"/>
+        <a:font script="Osma" typeface="Ebrima"/>
+        <a:font script="Phag" typeface="Phagspa"/>
+        <a:font script="Syrn" typeface="Estrangelo Edessa"/>
+        <a:font script="Syrj" typeface="Estrangelo Edessa"/>
+        <a:font script="Syre" typeface="Estrangelo Edessa"/>
+        <a:font script="Sora" typeface="Nirmala UI"/>
+        <a:font script="Tale" typeface="Microsoft Tai Le"/>
+        <a:font script="Talu" typeface="Microsoft New Tai Lue"/>
+        <a:font script="Tfng" typeface="Ebrima"/>
+      </a:majorFont>
+      <a:minorFont>
+        <a:latin typeface="Calibri" panose="020F0502020204030204"/>
+        <a:ea typeface=""/>
+        <a:cs typeface=""/>
+        <a:font script="Jpan" typeface="游ゴシック"/>
+        <a:font script="Hang" typeface="맑은 고딕"/>
+        <a:font script="Hans" typeface="等线"/>
+        <a:font script="Hant" typeface="新細明體"/>
+        <a:font script="Arab" typeface="Arial"/>
+        <a:font script="Hebr" typeface="Arial"/>
+        <a:font script="Thai" typeface="Cordia New"/>
+        <a:font script="Ethi" typeface="Nyala"/>
+        <a:font script="Beng" typeface="Vrinda"/>
+        <a:font script="Gujr" typeface="Shruti"/>
+        <a:font script="Khmr" typeface="DaunPenh"/>
+        <a:font script="Knda" typeface="Tunga"/>
+        <a:font script="Guru" typeface="Raavi"/>
+        <a:font script="Cans" typeface="Euphemia"/>
+        <a:font script="Cher" typeface="Plantagenet Cherokee"/>
+        <a:font script="Yiii" typeface="Microsoft Yi Baiti"/>
+        <a:font script="Tibt" typeface="Microsoft Himalaya"/>
+        <a:font script="Thaa" typeface="MV Boli"/>
+        <a:font script="Deva" typeface="Mangal"/>
+        <a:font script="Telu" typeface="Gautami"/>
+        <a:font script="Taml" typeface="Latha"/>
+        <a:font script="Syrc" typeface="Estrangelo Edessa"/>
+        <a:font script="Orya" typeface="Kalinga"/>
+        <a:font script="Mlym" typeface="Kartika"/>
+        <a:font script="Laoo" typeface="DokChampa"/>
+        <a:font script="Sinh" typeface="Iskoola Pota"/>
+        <a:font script="Mong" typeface="Mongolian Baiti"/>
+        <a:font script="Viet" typeface="Arial"/>
+        <a:font script="Uigh" typeface="Microsoft Uighur"/>
+        <a:font script="Geor" typeface="Sylfaen"/>
+        <a:font script="Armn" typeface="Arial"/>
+        <a:font script="Bugi" typeface="Leelawadee UI"/>
+        <a:font script="Bopo" typeface="Microsoft JhengHei"/>
+        <a:font script="Java" typeface="Javanese Text"/>
+        <a:font script="Lisu" typeface="Segoe UI"/>
+        <a:font script="Mymr" typeface="Myanmar Text"/>
+        <a:font script="Nkoo" typeface="Ebrima"/>
+        <a:font script="Olck" typeface="Nirmala UI"/>
+        <a:font script="Osma" typeface="Ebrima"/>
+        <a:font script="Phag" typeface="Phagspa"/>
+        <a:font script="Syrn" typeface="Estrangelo Edessa"/>
+        <a:font script="Syrj" typeface="Estrangelo Edessa"/>
+        <a:font script="Syre" typeface="Estrangelo Edessa"/>
+        <a:font script="Sora" typeface="Nirmala UI"/>
+        <a:font script="Tale" typeface="Microsoft Tai Le"/>
+        <a:font script="Talu" typeface="Microsoft New Tai Lue"/>
+        <a:font script="Tfng" typeface="Ebrima"/>
+      </a:minorFont>
+    </a:fontScheme>
+    <a:fmtScheme name="Office">
+      <a:fillStyleLst>
+        <a:solidFill>
+          <a:schemeClr val="phClr"/>
+        </a:solidFill>
+        <a:gradFill rotWithShape="1">
+          <a:gsLst>
+            <a:gs pos="0">
+              <a:schemeClr val="phClr">
+                <a:lumMod val="110000"/>
+                <a:satMod val="105000"/>
+                <a:tint val="67000"/>
+              </a:schemeClr>
+            </a:gs>
+            <a:gs pos="50000">
+              <a:schemeClr val="phClr">
+                <a:lumMod val="105000"/>
+                <a:satMod val="103000"/>
+                <a:tint val="73000"/>
+              </a:schemeClr>
+            </a:gs>
+            <a:gs pos="100000">
+              <a:schemeClr val="phClr">
+                <a:lumMod val="105000"/>
+                <a:satMod val="109000"/>
+                <a:tint val="81000"/>
+              </a:schemeClr>
+            </a:gs>
+          </a:gsLst>
+          <a:lin ang="5400000" scaled="0"/>
+        </a:gradFill>
+        <a:gradFill rotWithShape="1">
+          <a:gsLst>
+            <a:gs pos="0">
+              <a:schemeClr val="phClr">
+                <a:satMod val="103000"/>
+                <a:lumMod val="102000"/>
+                <a:tint val="94000"/>
+              </a:schemeClr>
+            </a:gs>
+            <a:gs pos="50000">
+              <a:schemeClr val="phClr">
+                <a:satMod val="110000"/>
+                <a:lumMod val="100000"/>
+                <a:shade val="100000"/>
+              </a:schemeClr>
+            </a:gs>
+            <a:gs pos="100000">
+              <a:schemeClr val="phClr">
+                <a:lumMod val="99000"/>
+                <a:satMod val="120000"/>
+                <a:shade val="78000"/>
+              </a:schemeClr>
+            </a:gs>
+          </a:gsLst>
+          <a:lin ang="5400000" scaled="0"/>
+        </a:gradFill>
+      </a:fillStyleLst>
+      <a:lnStyleLst>
+        <a:ln w="6350" cap="flat" cmpd="sng" algn="ctr">
+          <a:solidFill>
+            <a:schemeClr val="phClr"/>
+          </a:solidFill>
+          <a:prstDash val="solid"/>
+          <a:miter lim="800000"/>
+        </a:ln>
+        <a:ln w="12700" cap="flat" cmpd="sng" algn="ctr">
+          <a:solidFill>
+            <a:schemeClr val="phClr"/>
+          </a:solidFill>
+          <a:prstDash val="solid"/>
+          <a:miter lim="800000"/>
+        </a:ln>
+        <a:ln w="19050" cap="flat" cmpd="sng" algn="ctr">
+          <a:solidFill>
+            <a:schemeClr val="phClr"/>
+          </a:solidFill>
+          <a:prstDash val="solid"/>
+          <a:miter lim="800000"/>
+        </a:ln>
+      </a:lnStyleLst>
+      <a:effectStyleLst>
+        <a:effectStyle>
+          <a:effectLst/>
+        </a:effectStyle>
+        <a:effectStyle>
+          <a:effectLst/>
+        </a:effectStyle>
+        <a:effectStyle>
+          <a:effectLst>
+            <a:outerShdw blurRad="57150" dist="19050" dir="5400000" algn="ctr" rotWithShape="0">
+              <a:srgbClr val="000000">
+                <a:alpha val="63000"/>
+              </a:srgbClr>
+            </a:outerShdw>
+          </a:effectLst>
+        </a:effectStyle>
+      </a:effectStyleLst>
+      <a:bgFillStyleLst>
+        <a:solidFill>
+          <a:schemeClr val="phClr"/>
+        </a:solidFill>
+        <a:solidFill>
+          <a:schemeClr val="phClr">
+            <a:tint val="95000"/>
+            <a:satMod val="170000"/>
+          </a:schemeClr>
+        </a:solidFill>
+        <a:gradFill rotWithShape="1">
+          <a:gsLst>
+            <a:gs pos="0">
+              <a:schemeClr val="phClr">
+                <a:tint val="93000"/>
+                <a:satMod val="150000"/>
+                <a:shade val="98000"/>
+                <a:lumMod val="102000"/>
+              </a:schemeClr>
+            </a:gs>
+            <a:gs pos="50000">
+              <a:schemeClr val="phClr">
+                <a:tint val="98000"/>
+                <a:satMod val="130000"/>
+                <a:shade val="90000"/>
+                <a:lumMod val="103000"/>
+              </a:schemeClr>
+            </a:gs>
+            <a:gs pos="100000">
+              <a:schemeClr val="phClr">
+                <a:shade val="63000"/>
+                <a:satMod val="120000"/>
+              </a:schemeClr>
+            </a:gs>
+          </a:gsLst>
+          <a:lin ang="5400000" scaled="0"/>
+        </a:gradFill>
+      </a:bgFillStyleLst>
+    </a:fmtScheme>
+  </a:themeElements>
+  <a:objectDefaults/>
+  <a:extraClrSchemeLst/>
+  <a:extLst>
+    <a:ext uri="{05A4C25C-085E-4340-85A3-A5531E510DB2}">
+      <thm15:themeFamily xmlns:thm15="http://schemas.microsoft.com/office/thememl/2012/main" name="Office Theme" id="{62F939B6-93AF-4DB8-9C6B-D6C7DFDC589F}" vid="{4A3C46E8-61CC-4603-A589-7422A47A8E4A}"/>
+    </a:ext>
+  </a:extLst>
+</a:theme>
 </file>
--- a/slides/ML_00.pptx
+++ b/slides/ML_00.pptx
@@ -5,7 +5,7 @@
     <p:sldMasterId id="2147483648" r:id="rId1"/>
   </p:sldMasterIdLst>
   <p:notesMasterIdLst>
-    <p:notesMasterId r:id="rId19"/>
+    <p:notesMasterId r:id="rId20"/>
   </p:notesMasterIdLst>
   <p:sldIdLst>
     <p:sldId id="256" r:id="rId2"/>
@@ -24,7 +24,8 @@
     <p:sldId id="273" r:id="rId15"/>
     <p:sldId id="268" r:id="rId16"/>
     <p:sldId id="280" r:id="rId17"/>
-    <p:sldId id="276" r:id="rId18"/>
+    <p:sldId id="281" r:id="rId18"/>
+    <p:sldId id="276" r:id="rId19"/>
   </p:sldIdLst>
   <p:sldSz cx="12192000" cy="6858000"/>
   <p:notesSz cx="6858000" cy="9144000"/>
@@ -213,7 +214,7 @@
           <a:p>
             <a:fld id="{C5F2B991-7762-4FD0-8B75-FBCEED4C176B}" type="datetimeFigureOut">
               <a:rPr lang="en-US" smtClean="0"/>
-              <a:t>1/29/2020</a:t>
+              <a:t>1/31/2020</a:t>
             </a:fld>
             <a:endParaRPr lang="en-US"/>
           </a:p>
@@ -801,7 +802,7 @@
           <a:p>
             <a:fld id="{AD5F67BE-FA4E-4E0B-ADD2-E9EACB8A83D4}" type="datetimeFigureOut">
               <a:rPr lang="en-US" smtClean="0"/>
-              <a:t>1/29/2020</a:t>
+              <a:t>1/31/2020</a:t>
             </a:fld>
             <a:endParaRPr lang="en-US"/>
           </a:p>
@@ -999,7 +1000,7 @@
           <a:p>
             <a:fld id="{AD5F67BE-FA4E-4E0B-ADD2-E9EACB8A83D4}" type="datetimeFigureOut">
               <a:rPr lang="en-US" smtClean="0"/>
-              <a:t>1/29/2020</a:t>
+              <a:t>1/31/2020</a:t>
             </a:fld>
             <a:endParaRPr lang="en-US"/>
           </a:p>
@@ -1207,7 +1208,7 @@
           <a:p>
             <a:fld id="{AD5F67BE-FA4E-4E0B-ADD2-E9EACB8A83D4}" type="datetimeFigureOut">
               <a:rPr lang="en-US" smtClean="0"/>
-              <a:t>1/29/2020</a:t>
+              <a:t>1/31/2020</a:t>
             </a:fld>
             <a:endParaRPr lang="en-US"/>
           </a:p>
@@ -1405,7 +1406,7 @@
           <a:p>
             <a:fld id="{AD5F67BE-FA4E-4E0B-ADD2-E9EACB8A83D4}" type="datetimeFigureOut">
               <a:rPr lang="en-US" smtClean="0"/>
-              <a:t>1/29/2020</a:t>
+              <a:t>1/31/2020</a:t>
             </a:fld>
             <a:endParaRPr lang="en-US"/>
           </a:p>
@@ -1680,7 +1681,7 @@
           <a:p>
             <a:fld id="{AD5F67BE-FA4E-4E0B-ADD2-E9EACB8A83D4}" type="datetimeFigureOut">
               <a:rPr lang="en-US" smtClean="0"/>
-              <a:t>1/29/2020</a:t>
+              <a:t>1/31/2020</a:t>
             </a:fld>
             <a:endParaRPr lang="en-US"/>
           </a:p>
@@ -1945,7 +1946,7 @@
           <a:p>
             <a:fld id="{AD5F67BE-FA4E-4E0B-ADD2-E9EACB8A83D4}" type="datetimeFigureOut">
               <a:rPr lang="en-US" smtClean="0"/>
-              <a:t>1/29/2020</a:t>
+              <a:t>1/31/2020</a:t>
             </a:fld>
             <a:endParaRPr lang="en-US"/>
           </a:p>
@@ -2357,7 +2358,7 @@
           <a:p>
             <a:fld id="{AD5F67BE-FA4E-4E0B-ADD2-E9EACB8A83D4}" type="datetimeFigureOut">
               <a:rPr lang="en-US" smtClean="0"/>
-              <a:t>1/29/2020</a:t>
+              <a:t>1/31/2020</a:t>
             </a:fld>
             <a:endParaRPr lang="en-US"/>
           </a:p>
@@ -2498,7 +2499,7 @@
           <a:p>
             <a:fld id="{AD5F67BE-FA4E-4E0B-ADD2-E9EACB8A83D4}" type="datetimeFigureOut">
               <a:rPr lang="en-US" smtClean="0"/>
-              <a:t>1/29/2020</a:t>
+              <a:t>1/31/2020</a:t>
             </a:fld>
             <a:endParaRPr lang="en-US"/>
           </a:p>
@@ -2611,7 +2612,7 @@
           <a:p>
             <a:fld id="{AD5F67BE-FA4E-4E0B-ADD2-E9EACB8A83D4}" type="datetimeFigureOut">
               <a:rPr lang="en-US" smtClean="0"/>
-              <a:t>1/29/2020</a:t>
+              <a:t>1/31/2020</a:t>
             </a:fld>
             <a:endParaRPr lang="en-US"/>
           </a:p>
@@ -2922,7 +2923,7 @@
           <a:p>
             <a:fld id="{AD5F67BE-FA4E-4E0B-ADD2-E9EACB8A83D4}" type="datetimeFigureOut">
               <a:rPr lang="en-US" smtClean="0"/>
-              <a:t>1/29/2020</a:t>
+              <a:t>1/31/2020</a:t>
             </a:fld>
             <a:endParaRPr lang="en-US"/>
           </a:p>
@@ -3210,7 +3211,7 @@
           <a:p>
             <a:fld id="{AD5F67BE-FA4E-4E0B-ADD2-E9EACB8A83D4}" type="datetimeFigureOut">
               <a:rPr lang="en-US" smtClean="0"/>
-              <a:t>1/29/2020</a:t>
+              <a:t>1/31/2020</a:t>
             </a:fld>
             <a:endParaRPr lang="en-US"/>
           </a:p>
@@ -3451,7 +3452,7 @@
           <a:p>
             <a:fld id="{AD5F67BE-FA4E-4E0B-ADD2-E9EACB8A83D4}" type="datetimeFigureOut">
               <a:rPr lang="en-US" smtClean="0"/>
-              <a:t>1/29/2020</a:t>
+              <a:t>1/31/2020</a:t>
             </a:fld>
             <a:endParaRPr lang="en-US"/>
           </a:p>
@@ -5253,6 +5254,69 @@
           <p:cNvPr id="2" name="Title 1">
             <a:extLst>
               <a:ext uri="{FF2B5EF4-FFF2-40B4-BE49-F238E27FC236}">
+                <a16:creationId xmlns:a16="http://schemas.microsoft.com/office/drawing/2014/main" id="{6FD93C6E-AF9B-4950-8AAD-4EFE2BA001C5}"/>
+              </a:ext>
+            </a:extLst>
+          </p:cNvPr>
+          <p:cNvSpPr>
+            <a:spLocks noGrp="1"/>
+          </p:cNvSpPr>
+          <p:nvPr>
+            <p:ph type="title"/>
+          </p:nvPr>
+        </p:nvSpPr>
+        <p:spPr/>
+        <p:txBody>
+          <a:bodyPr/>
+          <a:lstStyle/>
+          <a:p>
+            <a:r>
+              <a:rPr lang="es-419" dirty="0"/>
+              <a:t>Software </a:t>
+            </a:r>
+            <a:r>
+              <a:rPr lang="es-419" dirty="0" err="1"/>
+              <a:t>stack</a:t>
+            </a:r>
+            <a:endParaRPr lang="en-US" dirty="0"/>
+          </a:p>
+        </p:txBody>
+      </p:sp>
+    </p:spTree>
+    <p:extLst>
+      <p:ext uri="{BB962C8B-B14F-4D97-AF65-F5344CB8AC3E}">
+        <p14:creationId xmlns:p14="http://schemas.microsoft.com/office/powerpoint/2010/main" val="2028224770"/>
+      </p:ext>
+    </p:extLst>
+  </p:cSld>
+  <p:clrMapOvr>
+    <a:masterClrMapping/>
+  </p:clrMapOvr>
+</p:sld>
+</file>
+
+<file path=ppt/slides/slide18.xml><?xml version="1.0" encoding="utf-8"?>
+<p:sld xmlns:a="http://schemas.openxmlformats.org/drawingml/2006/main" xmlns:r="http://schemas.openxmlformats.org/officeDocument/2006/relationships" xmlns:p="http://schemas.openxmlformats.org/presentationml/2006/main">
+  <p:cSld>
+    <p:spTree>
+      <p:nvGrpSpPr>
+        <p:cNvPr id="1" name=""/>
+        <p:cNvGrpSpPr/>
+        <p:nvPr/>
+      </p:nvGrpSpPr>
+      <p:grpSpPr>
+        <a:xfrm>
+          <a:off x="0" y="0"/>
+          <a:ext cx="0" cy="0"/>
+          <a:chOff x="0" y="0"/>
+          <a:chExt cx="0" cy="0"/>
+        </a:xfrm>
+      </p:grpSpPr>
+      <p:sp>
+        <p:nvSpPr>
+          <p:cNvPr id="2" name="Title 1">
+            <a:extLst>
+              <a:ext uri="{FF2B5EF4-FFF2-40B4-BE49-F238E27FC236}">
                 <a16:creationId xmlns:a16="http://schemas.microsoft.com/office/drawing/2014/main" id="{8E418A5A-7AEC-4CB5-9E93-81BFA17F6477}"/>
               </a:ext>
             </a:extLst>
@@ -5522,8 +5586,8 @@
           </a:p>
         </p:txBody>
       </p:sp>
-      <mc:AlternateContent xmlns:mc="http://schemas.openxmlformats.org/markup-compatibility/2006">
-        <mc:Choice xmlns:a14="http://schemas.microsoft.com/office/drawing/2010/main" Requires="a14">
+      <mc:AlternateContent xmlns:mc="http://schemas.openxmlformats.org/markup-compatibility/2006" xmlns:a14="http://schemas.microsoft.com/office/drawing/2010/main">
+        <mc:Choice Requires="a14">
           <p:graphicFrame>
             <p:nvGraphicFramePr>
               <p:cNvPr id="7" name="Table 7">
@@ -5584,6 +5648,7 @@
                         <a:bodyPr/>
                         <a:lstStyle/>
                         <a:p>
+                          <a:pPr/>
                           <a14:m>
                             <m:oMathPara xmlns:m="http://schemas.openxmlformats.org/officeDocument/2006/math">
                               <m:oMathParaPr>
@@ -5609,6 +5674,7 @@
                         <a:bodyPr/>
                         <a:lstStyle/>
                         <a:p>
+                          <a:pPr/>
                           <a14:m>
                             <m:oMathPara xmlns:m="http://schemas.openxmlformats.org/officeDocument/2006/math">
                               <m:oMathParaPr>
@@ -5634,6 +5700,7 @@
                         <a:bodyPr/>
                         <a:lstStyle/>
                         <a:p>
+                          <a:pPr/>
                           <a14:m>
                             <m:oMathPara xmlns:m="http://schemas.openxmlformats.org/officeDocument/2006/math">
                               <m:oMathParaPr>
@@ -5776,7 +5843,7 @@
             </a:graphic>
           </p:graphicFrame>
         </mc:Choice>
-        <mc:Fallback>
+        <mc:Fallback xmlns="">
           <p:graphicFrame>
             <p:nvGraphicFramePr>
               <p:cNvPr id="7" name="Table 7">
@@ -6108,8 +6175,8 @@
           </a:p>
         </p:txBody>
       </p:sp>
-      <mc:AlternateContent xmlns:mc="http://schemas.openxmlformats.org/markup-compatibility/2006">
-        <mc:Choice xmlns:a14="http://schemas.microsoft.com/office/drawing/2010/main" Requires="a14">
+      <mc:AlternateContent xmlns:mc="http://schemas.openxmlformats.org/markup-compatibility/2006" xmlns:a14="http://schemas.microsoft.com/office/drawing/2010/main">
+        <mc:Choice Requires="a14">
           <p:sp>
             <p:nvSpPr>
               <p:cNvPr id="16" name="Rectangle 15">
@@ -6167,7 +6234,7 @@
             </p:txBody>
           </p:sp>
         </mc:Choice>
-        <mc:Fallback>
+        <mc:Fallback xmlns="">
           <p:sp>
             <p:nvSpPr>
               <p:cNvPr id="16" name="Rectangle 15">
@@ -6288,8 +6355,8 @@
           </a:p>
         </p:txBody>
       </p:sp>
-      <mc:AlternateContent xmlns:mc="http://schemas.openxmlformats.org/markup-compatibility/2006">
-        <mc:Choice xmlns:a14="http://schemas.microsoft.com/office/drawing/2010/main" Requires="a14">
+      <mc:AlternateContent xmlns:mc="http://schemas.openxmlformats.org/markup-compatibility/2006" xmlns:a14="http://schemas.microsoft.com/office/drawing/2010/main">
+        <mc:Choice Requires="a14">
           <p:sp>
             <p:nvSpPr>
               <p:cNvPr id="50" name="Rectangle 49">
@@ -6350,7 +6417,7 @@
             </p:txBody>
           </p:sp>
         </mc:Choice>
-        <mc:Fallback>
+        <mc:Fallback xmlns="">
           <p:sp>
             <p:nvSpPr>
               <p:cNvPr id="50" name="Rectangle 49">
@@ -6447,8 +6514,8 @@
           </a:p>
         </p:txBody>
       </p:sp>
-      <mc:AlternateContent xmlns:mc="http://schemas.openxmlformats.org/markup-compatibility/2006">
-        <mc:Choice xmlns:a14="http://schemas.microsoft.com/office/drawing/2010/main" Requires="a14">
+      <mc:AlternateContent xmlns:mc="http://schemas.openxmlformats.org/markup-compatibility/2006" xmlns:a14="http://schemas.microsoft.com/office/drawing/2010/main">
+        <mc:Choice Requires="a14">
           <p:sp>
             <p:nvSpPr>
               <p:cNvPr id="49" name="Rectangle 48">
@@ -6506,7 +6573,7 @@
             </p:txBody>
           </p:sp>
         </mc:Choice>
-        <mc:Fallback>
+        <mc:Fallback xmlns="">
           <p:sp>
             <p:nvSpPr>
               <p:cNvPr id="49" name="Rectangle 48">

--- a/slides/ML_00.pptx
+++ b/slides/ML_00.pptx
@@ -214,7 +214,7 @@
           <a:p>
             <a:fld id="{C5F2B991-7762-4FD0-8B75-FBCEED4C176B}" type="datetimeFigureOut">
               <a:rPr lang="en-US" smtClean="0"/>
-              <a:t>1/31/2020</a:t>
+              <a:t>2/1/2020</a:t>
             </a:fld>
             <a:endParaRPr lang="en-US"/>
           </a:p>
@@ -802,7 +802,7 @@
           <a:p>
             <a:fld id="{AD5F67BE-FA4E-4E0B-ADD2-E9EACB8A83D4}" type="datetimeFigureOut">
               <a:rPr lang="en-US" smtClean="0"/>
-              <a:t>1/31/2020</a:t>
+              <a:t>2/1/2020</a:t>
             </a:fld>
             <a:endParaRPr lang="en-US"/>
           </a:p>
@@ -1000,7 +1000,7 @@
           <a:p>
             <a:fld id="{AD5F67BE-FA4E-4E0B-ADD2-E9EACB8A83D4}" type="datetimeFigureOut">
               <a:rPr lang="en-US" smtClean="0"/>
-              <a:t>1/31/2020</a:t>
+              <a:t>2/1/2020</a:t>
             </a:fld>
             <a:endParaRPr lang="en-US"/>
           </a:p>
@@ -1208,7 +1208,7 @@
           <a:p>
             <a:fld id="{AD5F67BE-FA4E-4E0B-ADD2-E9EACB8A83D4}" type="datetimeFigureOut">
               <a:rPr lang="en-US" smtClean="0"/>
-              <a:t>1/31/2020</a:t>
+              <a:t>2/1/2020</a:t>
             </a:fld>
             <a:endParaRPr lang="en-US"/>
           </a:p>
@@ -1406,7 +1406,7 @@
           <a:p>
             <a:fld id="{AD5F67BE-FA4E-4E0B-ADD2-E9EACB8A83D4}" type="datetimeFigureOut">
               <a:rPr lang="en-US" smtClean="0"/>
-              <a:t>1/31/2020</a:t>
+              <a:t>2/1/2020</a:t>
             </a:fld>
             <a:endParaRPr lang="en-US"/>
           </a:p>
@@ -1681,7 +1681,7 @@
           <a:p>
             <a:fld id="{AD5F67BE-FA4E-4E0B-ADD2-E9EACB8A83D4}" type="datetimeFigureOut">
               <a:rPr lang="en-US" smtClean="0"/>
-              <a:t>1/31/2020</a:t>
+              <a:t>2/1/2020</a:t>
             </a:fld>
             <a:endParaRPr lang="en-US"/>
           </a:p>
@@ -1946,7 +1946,7 @@
           <a:p>
             <a:fld id="{AD5F67BE-FA4E-4E0B-ADD2-E9EACB8A83D4}" type="datetimeFigureOut">
               <a:rPr lang="en-US" smtClean="0"/>
-              <a:t>1/31/2020</a:t>
+              <a:t>2/1/2020</a:t>
             </a:fld>
             <a:endParaRPr lang="en-US"/>
           </a:p>
@@ -2358,7 +2358,7 @@
           <a:p>
             <a:fld id="{AD5F67BE-FA4E-4E0B-ADD2-E9EACB8A83D4}" type="datetimeFigureOut">
               <a:rPr lang="en-US" smtClean="0"/>
-              <a:t>1/31/2020</a:t>
+              <a:t>2/1/2020</a:t>
             </a:fld>
             <a:endParaRPr lang="en-US"/>
           </a:p>
@@ -2499,7 +2499,7 @@
           <a:p>
             <a:fld id="{AD5F67BE-FA4E-4E0B-ADD2-E9EACB8A83D4}" type="datetimeFigureOut">
               <a:rPr lang="en-US" smtClean="0"/>
-              <a:t>1/31/2020</a:t>
+              <a:t>2/1/2020</a:t>
             </a:fld>
             <a:endParaRPr lang="en-US"/>
           </a:p>
@@ -2612,7 +2612,7 @@
           <a:p>
             <a:fld id="{AD5F67BE-FA4E-4E0B-ADD2-E9EACB8A83D4}" type="datetimeFigureOut">
               <a:rPr lang="en-US" smtClean="0"/>
-              <a:t>1/31/2020</a:t>
+              <a:t>2/1/2020</a:t>
             </a:fld>
             <a:endParaRPr lang="en-US"/>
           </a:p>
@@ -2923,7 +2923,7 @@
           <a:p>
             <a:fld id="{AD5F67BE-FA4E-4E0B-ADD2-E9EACB8A83D4}" type="datetimeFigureOut">
               <a:rPr lang="en-US" smtClean="0"/>
-              <a:t>1/31/2020</a:t>
+              <a:t>2/1/2020</a:t>
             </a:fld>
             <a:endParaRPr lang="en-US"/>
           </a:p>
@@ -3211,7 +3211,7 @@
           <a:p>
             <a:fld id="{AD5F67BE-FA4E-4E0B-ADD2-E9EACB8A83D4}" type="datetimeFigureOut">
               <a:rPr lang="en-US" smtClean="0"/>
-              <a:t>1/31/2020</a:t>
+              <a:t>2/1/2020</a:t>
             </a:fld>
             <a:endParaRPr lang="en-US"/>
           </a:p>
@@ -3452,7 +3452,7 @@
           <a:p>
             <a:fld id="{AD5F67BE-FA4E-4E0B-ADD2-E9EACB8A83D4}" type="datetimeFigureOut">
               <a:rPr lang="en-US" smtClean="0"/>
-              <a:t>1/31/2020</a:t>
+              <a:t>2/1/2020</a:t>
             </a:fld>
             <a:endParaRPr lang="en-US"/>
           </a:p>
@@ -5282,6 +5282,421 @@
           </a:p>
         </p:txBody>
       </p:sp>
+      <p:pic>
+        <p:nvPicPr>
+          <p:cNvPr id="1036" name="Picture 12" descr="Image result for jupyter logo">
+            <a:extLst>
+              <a:ext uri="{FF2B5EF4-FFF2-40B4-BE49-F238E27FC236}">
+                <a16:creationId xmlns:a16="http://schemas.microsoft.com/office/drawing/2014/main" id="{8838B425-5057-4B15-AED7-B36D31E88659}"/>
+              </a:ext>
+            </a:extLst>
+          </p:cNvPr>
+          <p:cNvPicPr>
+            <a:picLocks noChangeAspect="1" noChangeArrowheads="1"/>
+          </p:cNvPicPr>
+          <p:nvPr/>
+        </p:nvPicPr>
+        <p:blipFill rotWithShape="1">
+          <a:blip r:embed="rId2">
+            <a:extLst>
+              <a:ext uri="{28A0092B-C50C-407E-A947-70E740481C1C}">
+                <a14:useLocalDpi xmlns:a14="http://schemas.microsoft.com/office/drawing/2010/main" val="0"/>
+              </a:ext>
+            </a:extLst>
+          </a:blip>
+          <a:srcRect l="12774" t="7408" r="57807" b="7936"/>
+          <a:stretch/>
+        </p:blipFill>
+        <p:spPr bwMode="auto">
+          <a:xfrm>
+            <a:off x="5166435" y="3066200"/>
+            <a:ext cx="2224714" cy="2400674"/>
+          </a:xfrm>
+          <a:prstGeom prst="rect">
+            <a:avLst/>
+          </a:prstGeom>
+          <a:noFill/>
+          <a:extLst>
+            <a:ext uri="{909E8E84-426E-40DD-AFC4-6F175D3DCCD1}">
+              <a14:hiddenFill xmlns:a14="http://schemas.microsoft.com/office/drawing/2010/main">
+                <a:solidFill>
+                  <a:srgbClr val="FFFFFF"/>
+                </a:solidFill>
+              </a14:hiddenFill>
+            </a:ext>
+          </a:extLst>
+        </p:spPr>
+      </p:pic>
+      <p:pic>
+        <p:nvPicPr>
+          <p:cNvPr id="1044" name="Picture 20">
+            <a:extLst>
+              <a:ext uri="{FF2B5EF4-FFF2-40B4-BE49-F238E27FC236}">
+                <a16:creationId xmlns:a16="http://schemas.microsoft.com/office/drawing/2014/main" id="{92190897-F738-43EE-A2DA-912D3615E3BD}"/>
+              </a:ext>
+            </a:extLst>
+          </p:cNvPr>
+          <p:cNvPicPr>
+            <a:picLocks noChangeAspect="1" noChangeArrowheads="1"/>
+          </p:cNvPicPr>
+          <p:nvPr/>
+        </p:nvPicPr>
+        <p:blipFill rotWithShape="1">
+          <a:blip r:embed="rId3">
+            <a:extLst>
+              <a:ext uri="{28A0092B-C50C-407E-A947-70E740481C1C}">
+                <a14:useLocalDpi xmlns:a14="http://schemas.microsoft.com/office/drawing/2010/main" val="0"/>
+              </a:ext>
+            </a:extLst>
+          </a:blip>
+          <a:srcRect l="4562" t="16008" b="19477"/>
+          <a:stretch/>
+        </p:blipFill>
+        <p:spPr bwMode="auto">
+          <a:xfrm>
+            <a:off x="7601468" y="2891969"/>
+            <a:ext cx="2571556" cy="1738313"/>
+          </a:xfrm>
+          <a:prstGeom prst="rect">
+            <a:avLst/>
+          </a:prstGeom>
+          <a:noFill/>
+          <a:extLst>
+            <a:ext uri="{909E8E84-426E-40DD-AFC4-6F175D3DCCD1}">
+              <a14:hiddenFill xmlns:a14="http://schemas.microsoft.com/office/drawing/2010/main">
+                <a:solidFill>
+                  <a:srgbClr val="FFFFFF"/>
+                </a:solidFill>
+              </a14:hiddenFill>
+            </a:ext>
+          </a:extLst>
+        </p:spPr>
+      </p:pic>
+      <p:pic>
+        <p:nvPicPr>
+          <p:cNvPr id="1046" name="Picture 22" descr="Image result for python scikit learn logo">
+            <a:extLst>
+              <a:ext uri="{FF2B5EF4-FFF2-40B4-BE49-F238E27FC236}">
+                <a16:creationId xmlns:a16="http://schemas.microsoft.com/office/drawing/2014/main" id="{DE3F0948-A4EA-4356-89E7-D6A1C639E3DC}"/>
+              </a:ext>
+            </a:extLst>
+          </p:cNvPr>
+          <p:cNvPicPr>
+            <a:picLocks noChangeAspect="1" noChangeArrowheads="1"/>
+          </p:cNvPicPr>
+          <p:nvPr/>
+        </p:nvPicPr>
+        <p:blipFill>
+          <a:blip r:embed="rId4">
+            <a:extLst>
+              <a:ext uri="{28A0092B-C50C-407E-A947-70E740481C1C}">
+                <a14:useLocalDpi xmlns:a14="http://schemas.microsoft.com/office/drawing/2010/main" val="0"/>
+              </a:ext>
+            </a:extLst>
+          </a:blip>
+          <a:srcRect/>
+          <a:stretch>
+            <a:fillRect/>
+          </a:stretch>
+        </p:blipFill>
+        <p:spPr bwMode="auto">
+          <a:xfrm>
+            <a:off x="8832010" y="1719690"/>
+            <a:ext cx="2914650" cy="1571625"/>
+          </a:xfrm>
+          <a:prstGeom prst="rect">
+            <a:avLst/>
+          </a:prstGeom>
+          <a:noFill/>
+          <a:extLst>
+            <a:ext uri="{909E8E84-426E-40DD-AFC4-6F175D3DCCD1}">
+              <a14:hiddenFill xmlns:a14="http://schemas.microsoft.com/office/drawing/2010/main">
+                <a:solidFill>
+                  <a:srgbClr val="FFFFFF"/>
+                </a:solidFill>
+              </a14:hiddenFill>
+            </a:ext>
+          </a:extLst>
+        </p:spPr>
+      </p:pic>
+      <p:pic>
+        <p:nvPicPr>
+          <p:cNvPr id="6" name="Graphic 5">
+            <a:extLst>
+              <a:ext uri="{FF2B5EF4-FFF2-40B4-BE49-F238E27FC236}">
+                <a16:creationId xmlns:a16="http://schemas.microsoft.com/office/drawing/2014/main" id="{4D78BF9F-BEB6-4FDB-8F1B-41BBAEAEC6CF}"/>
+              </a:ext>
+            </a:extLst>
+          </p:cNvPr>
+          <p:cNvPicPr>
+            <a:picLocks noChangeAspect="1"/>
+          </p:cNvPicPr>
+          <p:nvPr/>
+        </p:nvPicPr>
+        <p:blipFill>
+          <a:blip r:embed="rId5">
+            <a:extLst>
+              <a:ext uri="{28A0092B-C50C-407E-A947-70E740481C1C}">
+                <a14:useLocalDpi xmlns:a14="http://schemas.microsoft.com/office/drawing/2010/main" val="0"/>
+              </a:ext>
+              <a:ext uri="{96DAC541-7B7A-43D3-8B79-37D633B846F1}">
+                <asvg:svgBlip xmlns:asvg="http://schemas.microsoft.com/office/drawing/2016/SVG/main" r:embed="rId6"/>
+              </a:ext>
+            </a:extLst>
+          </a:blip>
+          <a:stretch>
+            <a:fillRect/>
+          </a:stretch>
+        </p:blipFill>
+        <p:spPr>
+          <a:xfrm>
+            <a:off x="7983642" y="4794789"/>
+            <a:ext cx="3393262" cy="1344170"/>
+          </a:xfrm>
+          <a:prstGeom prst="rect">
+            <a:avLst/>
+          </a:prstGeom>
+        </p:spPr>
+      </p:pic>
+      <p:pic>
+        <p:nvPicPr>
+          <p:cNvPr id="7" name="Picture 34">
+            <a:extLst>
+              <a:ext uri="{FF2B5EF4-FFF2-40B4-BE49-F238E27FC236}">
+                <a16:creationId xmlns:a16="http://schemas.microsoft.com/office/drawing/2014/main" id="{8C71CCE9-492C-4718-97A6-55C88138F868}"/>
+              </a:ext>
+            </a:extLst>
+          </p:cNvPr>
+          <p:cNvPicPr>
+            <a:picLocks noChangeAspect="1" noChangeArrowheads="1"/>
+          </p:cNvPicPr>
+          <p:nvPr/>
+        </p:nvPicPr>
+        <p:blipFill rotWithShape="1">
+          <a:blip r:embed="rId7">
+            <a:extLst>
+              <a:ext uri="{28A0092B-C50C-407E-A947-70E740481C1C}">
+                <a14:useLocalDpi xmlns:a14="http://schemas.microsoft.com/office/drawing/2010/main" val="0"/>
+              </a:ext>
+            </a:extLst>
+          </a:blip>
+          <a:srcRect l="34574" t="9526" r="33183" b="30928"/>
+          <a:stretch/>
+        </p:blipFill>
+        <p:spPr bwMode="auto">
+          <a:xfrm>
+            <a:off x="1396007" y="1722255"/>
+            <a:ext cx="1617784" cy="1493845"/>
+          </a:xfrm>
+          <a:prstGeom prst="rect">
+            <a:avLst/>
+          </a:prstGeom>
+          <a:noFill/>
+          <a:extLst>
+            <a:ext uri="{909E8E84-426E-40DD-AFC4-6F175D3DCCD1}">
+              <a14:hiddenFill xmlns:a14="http://schemas.microsoft.com/office/drawing/2010/main">
+                <a:solidFill>
+                  <a:srgbClr val="FFFFFF"/>
+                </a:solidFill>
+              </a14:hiddenFill>
+            </a:ext>
+          </a:extLst>
+        </p:spPr>
+      </p:pic>
+      <p:pic>
+        <p:nvPicPr>
+          <p:cNvPr id="1056" name="Picture 32" descr="Image result for tensorflow logo">
+            <a:extLst>
+              <a:ext uri="{FF2B5EF4-FFF2-40B4-BE49-F238E27FC236}">
+                <a16:creationId xmlns:a16="http://schemas.microsoft.com/office/drawing/2014/main" id="{7E00372F-01E4-44F9-909E-78A0E9F54B69}"/>
+              </a:ext>
+            </a:extLst>
+          </p:cNvPr>
+          <p:cNvPicPr>
+            <a:picLocks noChangeAspect="1" noChangeArrowheads="1"/>
+          </p:cNvPicPr>
+          <p:nvPr/>
+        </p:nvPicPr>
+        <p:blipFill>
+          <a:blip r:embed="rId8">
+            <a:extLst>
+              <a:ext uri="{28A0092B-C50C-407E-A947-70E740481C1C}">
+                <a14:useLocalDpi xmlns:a14="http://schemas.microsoft.com/office/drawing/2010/main" val="0"/>
+              </a:ext>
+            </a:extLst>
+          </a:blip>
+          <a:srcRect/>
+          <a:stretch>
+            <a:fillRect/>
+          </a:stretch>
+        </p:blipFill>
+        <p:spPr bwMode="auto">
+          <a:xfrm>
+            <a:off x="4220799" y="1921448"/>
+            <a:ext cx="3723462" cy="1083026"/>
+          </a:xfrm>
+          <a:prstGeom prst="rect">
+            <a:avLst/>
+          </a:prstGeom>
+          <a:noFill/>
+          <a:extLst>
+            <a:ext uri="{909E8E84-426E-40DD-AFC4-6F175D3DCCD1}">
+              <a14:hiddenFill xmlns:a14="http://schemas.microsoft.com/office/drawing/2010/main">
+                <a:solidFill>
+                  <a:srgbClr val="FFFFFF"/>
+                </a:solidFill>
+              </a14:hiddenFill>
+            </a:ext>
+          </a:extLst>
+        </p:spPr>
+      </p:pic>
+      <p:pic>
+        <p:nvPicPr>
+          <p:cNvPr id="1040" name="Picture 16">
+            <a:extLst>
+              <a:ext uri="{FF2B5EF4-FFF2-40B4-BE49-F238E27FC236}">
+                <a16:creationId xmlns:a16="http://schemas.microsoft.com/office/drawing/2014/main" id="{D4CDE740-0B55-42DD-926F-372F16DC251D}"/>
+              </a:ext>
+            </a:extLst>
+          </p:cNvPr>
+          <p:cNvPicPr>
+            <a:picLocks noChangeAspect="1" noChangeArrowheads="1"/>
+          </p:cNvPicPr>
+          <p:nvPr/>
+        </p:nvPicPr>
+        <p:blipFill>
+          <a:blip r:embed="rId9">
+            <a:clrChange>
+              <a:clrFrom>
+                <a:srgbClr val="FFFFFF"/>
+              </a:clrFrom>
+              <a:clrTo>
+                <a:srgbClr val="FFFFFF">
+                  <a:alpha val="0"/>
+                </a:srgbClr>
+              </a:clrTo>
+            </a:clrChange>
+            <a:extLst>
+              <a:ext uri="{28A0092B-C50C-407E-A947-70E740481C1C}">
+                <a14:useLocalDpi xmlns:a14="http://schemas.microsoft.com/office/drawing/2010/main" val="0"/>
+              </a:ext>
+            </a:extLst>
+          </a:blip>
+          <a:srcRect/>
+          <a:stretch>
+            <a:fillRect/>
+          </a:stretch>
+        </p:blipFill>
+        <p:spPr bwMode="auto">
+          <a:xfrm>
+            <a:off x="1595647" y="4026818"/>
+            <a:ext cx="3718199" cy="1249008"/>
+          </a:xfrm>
+          <a:prstGeom prst="rect">
+            <a:avLst/>
+          </a:prstGeom>
+          <a:noFill/>
+          <a:extLst>
+            <a:ext uri="{909E8E84-426E-40DD-AFC4-6F175D3DCCD1}">
+              <a14:hiddenFill xmlns:a14="http://schemas.microsoft.com/office/drawing/2010/main">
+                <a:solidFill>
+                  <a:srgbClr val="FFFFFF"/>
+                </a:solidFill>
+              </a14:hiddenFill>
+            </a:ext>
+          </a:extLst>
+        </p:spPr>
+      </p:pic>
+      <p:pic>
+        <p:nvPicPr>
+          <p:cNvPr id="26" name="Picture 34">
+            <a:extLst>
+              <a:ext uri="{FF2B5EF4-FFF2-40B4-BE49-F238E27FC236}">
+                <a16:creationId xmlns:a16="http://schemas.microsoft.com/office/drawing/2014/main" id="{FC08A40F-01BF-4BCC-B28A-F40D102643CF}"/>
+              </a:ext>
+            </a:extLst>
+          </p:cNvPr>
+          <p:cNvPicPr>
+            <a:picLocks noChangeAspect="1" noChangeArrowheads="1"/>
+          </p:cNvPicPr>
+          <p:nvPr/>
+        </p:nvPicPr>
+        <p:blipFill rotWithShape="1">
+          <a:blip r:embed="rId7">
+            <a:extLst>
+              <a:ext uri="{28A0092B-C50C-407E-A947-70E740481C1C}">
+                <a14:useLocalDpi xmlns:a14="http://schemas.microsoft.com/office/drawing/2010/main" val="0"/>
+              </a:ext>
+            </a:extLst>
+          </a:blip>
+          <a:srcRect l="4197" t="68417" r="6182" b="6197"/>
+          <a:stretch/>
+        </p:blipFill>
+        <p:spPr bwMode="auto">
+          <a:xfrm>
+            <a:off x="412307" y="3216100"/>
+            <a:ext cx="4161635" cy="589425"/>
+          </a:xfrm>
+          <a:prstGeom prst="rect">
+            <a:avLst/>
+          </a:prstGeom>
+          <a:noFill/>
+          <a:extLst>
+            <a:ext uri="{909E8E84-426E-40DD-AFC4-6F175D3DCCD1}">
+              <a14:hiddenFill xmlns:a14="http://schemas.microsoft.com/office/drawing/2010/main">
+                <a:solidFill>
+                  <a:srgbClr val="FFFFFF"/>
+                </a:solidFill>
+              </a14:hiddenFill>
+            </a:ext>
+          </a:extLst>
+        </p:spPr>
+      </p:pic>
+      <p:pic>
+        <p:nvPicPr>
+          <p:cNvPr id="1026" name="Picture 2">
+            <a:extLst>
+              <a:ext uri="{FF2B5EF4-FFF2-40B4-BE49-F238E27FC236}">
+                <a16:creationId xmlns:a16="http://schemas.microsoft.com/office/drawing/2014/main" id="{19E6631C-4ADF-427A-9037-213A0D91C735}"/>
+              </a:ext>
+            </a:extLst>
+          </p:cNvPr>
+          <p:cNvPicPr>
+            <a:picLocks noChangeAspect="1" noChangeArrowheads="1"/>
+          </p:cNvPicPr>
+          <p:nvPr/>
+        </p:nvPicPr>
+        <p:blipFill rotWithShape="1">
+          <a:blip r:embed="rId10">
+            <a:extLst>
+              <a:ext uri="{28A0092B-C50C-407E-A947-70E740481C1C}">
+                <a14:useLocalDpi xmlns:a14="http://schemas.microsoft.com/office/drawing/2010/main" val="0"/>
+              </a:ext>
+            </a:extLst>
+          </a:blip>
+          <a:srcRect l="25570" r="27311"/>
+          <a:stretch/>
+        </p:blipFill>
+        <p:spPr bwMode="auto">
+          <a:xfrm>
+            <a:off x="7391149" y="113992"/>
+            <a:ext cx="2276634" cy="2281632"/>
+          </a:xfrm>
+          <a:prstGeom prst="rect">
+            <a:avLst/>
+          </a:prstGeom>
+          <a:noFill/>
+          <a:extLst>
+            <a:ext uri="{909E8E84-426E-40DD-AFC4-6F175D3DCCD1}">
+              <a14:hiddenFill xmlns:a14="http://schemas.microsoft.com/office/drawing/2010/main">
+                <a:solidFill>
+                  <a:srgbClr val="FFFFFF"/>
+                </a:solidFill>
+              </a14:hiddenFill>
+            </a:ext>
+          </a:extLst>
+        </p:spPr>
+      </p:pic>
     </p:spTree>
     <p:extLst>
       <p:ext uri="{BB962C8B-B14F-4D97-AF65-F5344CB8AC3E}">

--- a/slides/ML_00.pptx
+++ b/slides/ML_00.pptx
@@ -5,7 +5,7 @@
     <p:sldMasterId id="2147483648" r:id="rId1"/>
   </p:sldMasterIdLst>
   <p:notesMasterIdLst>
-    <p:notesMasterId r:id="rId20"/>
+    <p:notesMasterId r:id="rId22"/>
   </p:notesMasterIdLst>
   <p:sldIdLst>
     <p:sldId id="256" r:id="rId2"/>
@@ -20,12 +20,14 @@
     <p:sldId id="262" r:id="rId11"/>
     <p:sldId id="263" r:id="rId12"/>
     <p:sldId id="264" r:id="rId13"/>
-    <p:sldId id="257" r:id="rId14"/>
-    <p:sldId id="273" r:id="rId15"/>
-    <p:sldId id="268" r:id="rId16"/>
-    <p:sldId id="280" r:id="rId17"/>
-    <p:sldId id="281" r:id="rId18"/>
-    <p:sldId id="276" r:id="rId19"/>
+    <p:sldId id="282" r:id="rId14"/>
+    <p:sldId id="257" r:id="rId15"/>
+    <p:sldId id="273" r:id="rId16"/>
+    <p:sldId id="268" r:id="rId17"/>
+    <p:sldId id="280" r:id="rId18"/>
+    <p:sldId id="281" r:id="rId19"/>
+    <p:sldId id="284" r:id="rId20"/>
+    <p:sldId id="276" r:id="rId21"/>
   </p:sldIdLst>
   <p:sldSz cx="12192000" cy="6858000"/>
   <p:notesSz cx="6858000" cy="9144000"/>
@@ -214,7 +216,7 @@
           <a:p>
             <a:fld id="{C5F2B991-7762-4FD0-8B75-FBCEED4C176B}" type="datetimeFigureOut">
               <a:rPr lang="en-US" smtClean="0"/>
-              <a:t>2/1/2020</a:t>
+              <a:t>2/4/2020</a:t>
             </a:fld>
             <a:endParaRPr lang="en-US"/>
           </a:p>
@@ -525,10 +527,7 @@
           <a:bodyPr/>
           <a:lstStyle/>
           <a:p>
-            <a:r>
-              <a:rPr lang="en-US" dirty="0"/>
-              <a:t>What are the concepts leaned? Feature, labels, error, training set. (By asking this question, students are move to speak in English, at least some words)</a:t>
-            </a:r>
+            <a:endParaRPr lang="en-US" dirty="0"/>
           </a:p>
         </p:txBody>
       </p:sp>
@@ -549,7 +548,7 @@
           <a:p>
             <a:fld id="{C4F5526F-F2BE-4FED-81ED-976F88FFEC7F}" type="slidenum">
               <a:rPr lang="en-US" smtClean="0"/>
-              <a:t>6</a:t>
+              <a:t>4</a:t>
             </a:fld>
             <a:endParaRPr lang="en-US"/>
           </a:p>
@@ -558,7 +557,7 @@
     </p:spTree>
     <p:extLst>
       <p:ext uri="{BB962C8B-B14F-4D97-AF65-F5344CB8AC3E}">
-        <p14:creationId xmlns:p14="http://schemas.microsoft.com/office/powerpoint/2010/main" val="437548392"/>
+        <p14:creationId xmlns:p14="http://schemas.microsoft.com/office/powerpoint/2010/main" val="1186092525"/>
       </p:ext>
     </p:extLst>
   </p:cSld>
@@ -636,7 +635,94 @@
           <a:p>
             <a:fld id="{C4F5526F-F2BE-4FED-81ED-976F88FFEC7F}" type="slidenum">
               <a:rPr lang="en-US" smtClean="0"/>
-              <a:t>16</a:t>
+              <a:t>6</a:t>
+            </a:fld>
+            <a:endParaRPr lang="en-US"/>
+          </a:p>
+        </p:txBody>
+      </p:sp>
+    </p:spTree>
+    <p:extLst>
+      <p:ext uri="{BB962C8B-B14F-4D97-AF65-F5344CB8AC3E}">
+        <p14:creationId xmlns:p14="http://schemas.microsoft.com/office/powerpoint/2010/main" val="437548392"/>
+      </p:ext>
+    </p:extLst>
+  </p:cSld>
+  <p:clrMapOvr>
+    <a:masterClrMapping/>
+  </p:clrMapOvr>
+</p:notes>
+</file>
+
+<file path=ppt/notesSlides/notesSlide3.xml><?xml version="1.0" encoding="utf-8"?>
+<p:notes xmlns:a="http://schemas.openxmlformats.org/drawingml/2006/main" xmlns:r="http://schemas.openxmlformats.org/officeDocument/2006/relationships" xmlns:p="http://schemas.openxmlformats.org/presentationml/2006/main">
+  <p:cSld>
+    <p:spTree>
+      <p:nvGrpSpPr>
+        <p:cNvPr id="1" name=""/>
+        <p:cNvGrpSpPr/>
+        <p:nvPr/>
+      </p:nvGrpSpPr>
+      <p:grpSpPr>
+        <a:xfrm>
+          <a:off x="0" y="0"/>
+          <a:ext cx="0" cy="0"/>
+          <a:chOff x="0" y="0"/>
+          <a:chExt cx="0" cy="0"/>
+        </a:xfrm>
+      </p:grpSpPr>
+      <p:sp>
+        <p:nvSpPr>
+          <p:cNvPr id="2" name="Slide Image Placeholder 1"/>
+          <p:cNvSpPr>
+            <a:spLocks noGrp="1" noRot="1" noChangeAspect="1"/>
+          </p:cNvSpPr>
+          <p:nvPr>
+            <p:ph type="sldImg"/>
+          </p:nvPr>
+        </p:nvSpPr>
+        <p:spPr/>
+      </p:sp>
+      <p:sp>
+        <p:nvSpPr>
+          <p:cNvPr id="3" name="Notes Placeholder 2"/>
+          <p:cNvSpPr>
+            <a:spLocks noGrp="1"/>
+          </p:cNvSpPr>
+          <p:nvPr>
+            <p:ph type="body" idx="1"/>
+          </p:nvPr>
+        </p:nvSpPr>
+        <p:spPr/>
+        <p:txBody>
+          <a:bodyPr/>
+          <a:lstStyle/>
+          <a:p>
+            <a:r>
+              <a:rPr lang="en-US" dirty="0"/>
+              <a:t>What are the concepts leaned? Feature, labels, error, training set. (By asking this question, students are move to speak in English, at least some words)</a:t>
+            </a:r>
+          </a:p>
+        </p:txBody>
+      </p:sp>
+      <p:sp>
+        <p:nvSpPr>
+          <p:cNvPr id="4" name="Slide Number Placeholder 3"/>
+          <p:cNvSpPr>
+            <a:spLocks noGrp="1"/>
+          </p:cNvSpPr>
+          <p:nvPr>
+            <p:ph type="sldNum" sz="quarter" idx="5"/>
+          </p:nvPr>
+        </p:nvSpPr>
+        <p:spPr/>
+        <p:txBody>
+          <a:bodyPr/>
+          <a:lstStyle/>
+          <a:p>
+            <a:fld id="{C4F5526F-F2BE-4FED-81ED-976F88FFEC7F}" type="slidenum">
+              <a:rPr lang="en-US" smtClean="0"/>
+              <a:t>17</a:t>
             </a:fld>
             <a:endParaRPr lang="en-US"/>
           </a:p>
@@ -802,7 +888,7 @@
           <a:p>
             <a:fld id="{AD5F67BE-FA4E-4E0B-ADD2-E9EACB8A83D4}" type="datetimeFigureOut">
               <a:rPr lang="en-US" smtClean="0"/>
-              <a:t>2/1/2020</a:t>
+              <a:t>2/4/2020</a:t>
             </a:fld>
             <a:endParaRPr lang="en-US"/>
           </a:p>
@@ -1000,7 +1086,7 @@
           <a:p>
             <a:fld id="{AD5F67BE-FA4E-4E0B-ADD2-E9EACB8A83D4}" type="datetimeFigureOut">
               <a:rPr lang="en-US" smtClean="0"/>
-              <a:t>2/1/2020</a:t>
+              <a:t>2/4/2020</a:t>
             </a:fld>
             <a:endParaRPr lang="en-US"/>
           </a:p>
@@ -1208,7 +1294,7 @@
           <a:p>
             <a:fld id="{AD5F67BE-FA4E-4E0B-ADD2-E9EACB8A83D4}" type="datetimeFigureOut">
               <a:rPr lang="en-US" smtClean="0"/>
-              <a:t>2/1/2020</a:t>
+              <a:t>2/4/2020</a:t>
             </a:fld>
             <a:endParaRPr lang="en-US"/>
           </a:p>
@@ -1406,7 +1492,7 @@
           <a:p>
             <a:fld id="{AD5F67BE-FA4E-4E0B-ADD2-E9EACB8A83D4}" type="datetimeFigureOut">
               <a:rPr lang="en-US" smtClean="0"/>
-              <a:t>2/1/2020</a:t>
+              <a:t>2/4/2020</a:t>
             </a:fld>
             <a:endParaRPr lang="en-US"/>
           </a:p>
@@ -1681,7 +1767,7 @@
           <a:p>
             <a:fld id="{AD5F67BE-FA4E-4E0B-ADD2-E9EACB8A83D4}" type="datetimeFigureOut">
               <a:rPr lang="en-US" smtClean="0"/>
-              <a:t>2/1/2020</a:t>
+              <a:t>2/4/2020</a:t>
             </a:fld>
             <a:endParaRPr lang="en-US"/>
           </a:p>
@@ -1946,7 +2032,7 @@
           <a:p>
             <a:fld id="{AD5F67BE-FA4E-4E0B-ADD2-E9EACB8A83D4}" type="datetimeFigureOut">
               <a:rPr lang="en-US" smtClean="0"/>
-              <a:t>2/1/2020</a:t>
+              <a:t>2/4/2020</a:t>
             </a:fld>
             <a:endParaRPr lang="en-US"/>
           </a:p>
@@ -2358,7 +2444,7 @@
           <a:p>
             <a:fld id="{AD5F67BE-FA4E-4E0B-ADD2-E9EACB8A83D4}" type="datetimeFigureOut">
               <a:rPr lang="en-US" smtClean="0"/>
-              <a:t>2/1/2020</a:t>
+              <a:t>2/4/2020</a:t>
             </a:fld>
             <a:endParaRPr lang="en-US"/>
           </a:p>
@@ -2499,7 +2585,7 @@
           <a:p>
             <a:fld id="{AD5F67BE-FA4E-4E0B-ADD2-E9EACB8A83D4}" type="datetimeFigureOut">
               <a:rPr lang="en-US" smtClean="0"/>
-              <a:t>2/1/2020</a:t>
+              <a:t>2/4/2020</a:t>
             </a:fld>
             <a:endParaRPr lang="en-US"/>
           </a:p>
@@ -2612,7 +2698,7 @@
           <a:p>
             <a:fld id="{AD5F67BE-FA4E-4E0B-ADD2-E9EACB8A83D4}" type="datetimeFigureOut">
               <a:rPr lang="en-US" smtClean="0"/>
-              <a:t>2/1/2020</a:t>
+              <a:t>2/4/2020</a:t>
             </a:fld>
             <a:endParaRPr lang="en-US"/>
           </a:p>
@@ -2923,7 +3009,7 @@
           <a:p>
             <a:fld id="{AD5F67BE-FA4E-4E0B-ADD2-E9EACB8A83D4}" type="datetimeFigureOut">
               <a:rPr lang="en-US" smtClean="0"/>
-              <a:t>2/1/2020</a:t>
+              <a:t>2/4/2020</a:t>
             </a:fld>
             <a:endParaRPr lang="en-US"/>
           </a:p>
@@ -3211,7 +3297,7 @@
           <a:p>
             <a:fld id="{AD5F67BE-FA4E-4E0B-ADD2-E9EACB8A83D4}" type="datetimeFigureOut">
               <a:rPr lang="en-US" smtClean="0"/>
-              <a:t>2/1/2020</a:t>
+              <a:t>2/4/2020</a:t>
             </a:fld>
             <a:endParaRPr lang="en-US"/>
           </a:p>
@@ -3452,7 +3538,7 @@
           <a:p>
             <a:fld id="{AD5F67BE-FA4E-4E0B-ADD2-E9EACB8A83D4}" type="datetimeFigureOut">
               <a:rPr lang="en-US" smtClean="0"/>
-              <a:t>2/1/2020</a:t>
+              <a:t>2/4/2020</a:t>
             </a:fld>
             <a:endParaRPr lang="en-US"/>
           </a:p>
@@ -4133,7 +4219,7 @@
         <p:spPr/>
         <p:txBody>
           <a:bodyPr>
-            <a:normAutofit/>
+            <a:normAutofit lnSpcReduction="10000"/>
           </a:bodyPr>
           <a:lstStyle/>
           <a:p>
@@ -4186,16 +4272,33 @@
             </a:pPr>
             <a:r>
               <a:rPr lang="en-US" dirty="0"/>
-              <a:t>Mostly based on the book of </a:t>
-            </a:r>
+              <a:t>Mostly based on</a:t>
+            </a:r>
+          </a:p>
+          <a:p>
+            <a:r>
+              <a:rPr lang="en-US" dirty="0">
+                <a:hlinkClick r:id="rId2"/>
+              </a:rPr>
+              <a:t>https://github.com/GeostatsGuy</a:t>
+            </a:r>
+            <a:endParaRPr lang="en-US" dirty="0"/>
+          </a:p>
+          <a:p>
             <a:r>
               <a:rPr lang="en-US" dirty="0" err="1"/>
               <a:t>Guangren</a:t>
             </a:r>
             <a:r>
               <a:rPr lang="en-US" dirty="0"/>
-              <a:t> Shi</a:t>
-            </a:r>
+              <a:t> Shi, 2014. Data Mining and Knowledge Discovery for Geoscientists</a:t>
+            </a:r>
+          </a:p>
+          <a:p>
+            <a:pPr marL="0" indent="0">
+              <a:buNone/>
+            </a:pPr>
+            <a:endParaRPr lang="en-US" dirty="0"/>
           </a:p>
           <a:p>
             <a:pPr marL="0" indent="0">
@@ -4599,6 +4702,186 @@
           <p:cNvPr id="2" name="Title 1">
             <a:extLst>
               <a:ext uri="{FF2B5EF4-FFF2-40B4-BE49-F238E27FC236}">
+                <a16:creationId xmlns:a16="http://schemas.microsoft.com/office/drawing/2014/main" id="{79E19C58-F1C0-4C4B-8581-2ED740E7333B}"/>
+              </a:ext>
+            </a:extLst>
+          </p:cNvPr>
+          <p:cNvSpPr>
+            <a:spLocks noGrp="1"/>
+          </p:cNvSpPr>
+          <p:nvPr>
+            <p:ph type="title"/>
+          </p:nvPr>
+        </p:nvSpPr>
+        <p:spPr/>
+        <p:txBody>
+          <a:bodyPr/>
+          <a:lstStyle/>
+          <a:p>
+            <a:r>
+              <a:rPr lang="en-US" dirty="0"/>
+              <a:t>Current research (Journals)</a:t>
+            </a:r>
+          </a:p>
+        </p:txBody>
+      </p:sp>
+      <p:sp>
+        <p:nvSpPr>
+          <p:cNvPr id="3" name="Content Placeholder 2">
+            <a:extLst>
+              <a:ext uri="{FF2B5EF4-FFF2-40B4-BE49-F238E27FC236}">
+                <a16:creationId xmlns:a16="http://schemas.microsoft.com/office/drawing/2014/main" id="{3DD33E48-E678-4657-BD9F-92109E12AEC4}"/>
+              </a:ext>
+            </a:extLst>
+          </p:cNvPr>
+          <p:cNvSpPr>
+            <a:spLocks noGrp="1"/>
+          </p:cNvSpPr>
+          <p:nvPr>
+            <p:ph idx="1"/>
+          </p:nvPr>
+        </p:nvSpPr>
+        <p:spPr/>
+        <p:txBody>
+          <a:bodyPr>
+            <a:normAutofit lnSpcReduction="10000"/>
+          </a:bodyPr>
+          <a:lstStyle/>
+          <a:p>
+            <a:r>
+              <a:rPr lang="en-US" dirty="0"/>
+              <a:t>Mathematical Geosciences</a:t>
+            </a:r>
+          </a:p>
+          <a:p>
+            <a:pPr lvl="1"/>
+            <a:r>
+              <a:rPr lang="en-US" dirty="0">
+                <a:hlinkClick r:id="rId2"/>
+              </a:rPr>
+              <a:t>Neural Networks</a:t>
+            </a:r>
+            <a:endParaRPr lang="en-US" dirty="0"/>
+          </a:p>
+          <a:p>
+            <a:pPr lvl="1"/>
+            <a:r>
+              <a:rPr lang="en-US" dirty="0">
+                <a:hlinkClick r:id="rId3"/>
+              </a:rPr>
+              <a:t>Machine learning</a:t>
+            </a:r>
+            <a:endParaRPr lang="en-US" dirty="0"/>
+          </a:p>
+          <a:p>
+            <a:r>
+              <a:rPr lang="en-US" dirty="0"/>
+              <a:t>Computer and Geosciences</a:t>
+            </a:r>
+          </a:p>
+          <a:p>
+            <a:pPr lvl="1"/>
+            <a:r>
+              <a:rPr lang="en-US" dirty="0">
+                <a:hlinkClick r:id="rId4"/>
+              </a:rPr>
+              <a:t>Neural networks</a:t>
+            </a:r>
+            <a:endParaRPr lang="en-US" dirty="0"/>
+          </a:p>
+          <a:p>
+            <a:pPr lvl="1"/>
+            <a:r>
+              <a:rPr lang="en-US" dirty="0">
+                <a:hlinkClick r:id="rId5"/>
+              </a:rPr>
+              <a:t>TensorFlow</a:t>
+            </a:r>
+            <a:endParaRPr lang="en-US" dirty="0"/>
+          </a:p>
+          <a:p>
+            <a:pPr lvl="1"/>
+            <a:r>
+              <a:rPr lang="en-US" dirty="0">
+                <a:hlinkClick r:id="rId6"/>
+              </a:rPr>
+              <a:t>Machine learning</a:t>
+            </a:r>
+            <a:endParaRPr lang="en-US" dirty="0"/>
+          </a:p>
+          <a:p>
+            <a:r>
+              <a:rPr lang="en-US" dirty="0"/>
+              <a:t>Computational Geosciences</a:t>
+            </a:r>
+          </a:p>
+          <a:p>
+            <a:pPr lvl="1"/>
+            <a:r>
+              <a:rPr lang="en-US" dirty="0">
+                <a:hlinkClick r:id="rId7"/>
+              </a:rPr>
+              <a:t>Neural Networks</a:t>
+            </a:r>
+            <a:endParaRPr lang="en-US" dirty="0"/>
+          </a:p>
+          <a:p>
+            <a:pPr lvl="1"/>
+            <a:r>
+              <a:rPr lang="en-US" dirty="0">
+                <a:hlinkClick r:id="rId8"/>
+              </a:rPr>
+              <a:t>TensorFlow</a:t>
+            </a:r>
+            <a:endParaRPr lang="en-US" dirty="0"/>
+          </a:p>
+          <a:p>
+            <a:pPr lvl="1"/>
+            <a:r>
+              <a:rPr lang="en-US" dirty="0">
+                <a:hlinkClick r:id="rId9"/>
+              </a:rPr>
+              <a:t>Machine learning</a:t>
+            </a:r>
+            <a:endParaRPr lang="en-US" dirty="0"/>
+          </a:p>
+        </p:txBody>
+      </p:sp>
+    </p:spTree>
+    <p:extLst>
+      <p:ext uri="{BB962C8B-B14F-4D97-AF65-F5344CB8AC3E}">
+        <p14:creationId xmlns:p14="http://schemas.microsoft.com/office/powerpoint/2010/main" val="1816476150"/>
+      </p:ext>
+    </p:extLst>
+  </p:cSld>
+  <p:clrMapOvr>
+    <a:masterClrMapping/>
+  </p:clrMapOvr>
+</p:sld>
+</file>
+
+<file path=ppt/slides/slide14.xml><?xml version="1.0" encoding="utf-8"?>
+<p:sld xmlns:a="http://schemas.openxmlformats.org/drawingml/2006/main" xmlns:r="http://schemas.openxmlformats.org/officeDocument/2006/relationships" xmlns:p="http://schemas.openxmlformats.org/presentationml/2006/main">
+  <p:cSld>
+    <p:spTree>
+      <p:nvGrpSpPr>
+        <p:cNvPr id="1" name=""/>
+        <p:cNvGrpSpPr/>
+        <p:nvPr/>
+      </p:nvGrpSpPr>
+      <p:grpSpPr>
+        <a:xfrm>
+          <a:off x="0" y="0"/>
+          <a:ext cx="0" cy="0"/>
+          <a:chOff x="0" y="0"/>
+          <a:chExt cx="0" cy="0"/>
+        </a:xfrm>
+      </p:grpSpPr>
+      <p:sp>
+        <p:nvSpPr>
+          <p:cNvPr id="2" name="Title 1">
+            <a:extLst>
+              <a:ext uri="{FF2B5EF4-FFF2-40B4-BE49-F238E27FC236}">
                 <a16:creationId xmlns:a16="http://schemas.microsoft.com/office/drawing/2014/main" id="{E3927617-336A-4C54-B895-1E28F9183CD6}"/>
               </a:ext>
             </a:extLst>
@@ -4690,7 +4973,7 @@
 </p:sld>
 </file>
 
-<file path=ppt/slides/slide14.xml><?xml version="1.0" encoding="utf-8"?>
+<file path=ppt/slides/slide15.xml><?xml version="1.0" encoding="utf-8"?>
 <p:sld xmlns:a="http://schemas.openxmlformats.org/drawingml/2006/main" xmlns:r="http://schemas.openxmlformats.org/officeDocument/2006/relationships" xmlns:p="http://schemas.openxmlformats.org/presentationml/2006/main">
   <p:cSld>
     <p:spTree>
@@ -4773,7 +5056,7 @@
 </p:sld>
 </file>
 
-<file path=ppt/slides/slide15.xml><?xml version="1.0" encoding="utf-8"?>
+<file path=ppt/slides/slide16.xml><?xml version="1.0" encoding="utf-8"?>
 <p:sld xmlns:a="http://schemas.openxmlformats.org/drawingml/2006/main" xmlns:r="http://schemas.openxmlformats.org/officeDocument/2006/relationships" xmlns:p="http://schemas.openxmlformats.org/presentationml/2006/main">
   <p:cSld>
     <p:spTree>
@@ -5149,89 +5432,6 @@
 </p:sld>
 </file>
 
-<file path=ppt/slides/slide16.xml><?xml version="1.0" encoding="utf-8"?>
-<p:sld xmlns:a="http://schemas.openxmlformats.org/drawingml/2006/main" xmlns:r="http://schemas.openxmlformats.org/officeDocument/2006/relationships" xmlns:p="http://schemas.openxmlformats.org/presentationml/2006/main">
-  <p:cSld>
-    <p:spTree>
-      <p:nvGrpSpPr>
-        <p:cNvPr id="1" name=""/>
-        <p:cNvGrpSpPr/>
-        <p:nvPr/>
-      </p:nvGrpSpPr>
-      <p:grpSpPr>
-        <a:xfrm>
-          <a:off x="0" y="0"/>
-          <a:ext cx="0" cy="0"/>
-          <a:chOff x="0" y="0"/>
-          <a:chExt cx="0" cy="0"/>
-        </a:xfrm>
-      </p:grpSpPr>
-      <p:sp>
-        <p:nvSpPr>
-          <p:cNvPr id="2" name="Title 1">
-            <a:extLst>
-              <a:ext uri="{FF2B5EF4-FFF2-40B4-BE49-F238E27FC236}">
-                <a16:creationId xmlns:a16="http://schemas.microsoft.com/office/drawing/2014/main" id="{95971411-716D-49AD-BF57-13DBA4151EA5}"/>
-              </a:ext>
-            </a:extLst>
-          </p:cNvPr>
-          <p:cNvSpPr>
-            <a:spLocks noGrp="1"/>
-          </p:cNvSpPr>
-          <p:nvPr>
-            <p:ph type="title"/>
-          </p:nvPr>
-        </p:nvSpPr>
-        <p:spPr/>
-        <p:txBody>
-          <a:bodyPr/>
-          <a:lstStyle/>
-          <a:p>
-            <a:r>
-              <a:rPr lang="en-US" dirty="0"/>
-              <a:t>Concepts review</a:t>
-            </a:r>
-          </a:p>
-        </p:txBody>
-      </p:sp>
-      <p:sp>
-        <p:nvSpPr>
-          <p:cNvPr id="3" name="Content Placeholder 2">
-            <a:extLst>
-              <a:ext uri="{FF2B5EF4-FFF2-40B4-BE49-F238E27FC236}">
-                <a16:creationId xmlns:a16="http://schemas.microsoft.com/office/drawing/2014/main" id="{9412ABE9-F208-48FB-BB9B-D962FA23364D}"/>
-              </a:ext>
-            </a:extLst>
-          </p:cNvPr>
-          <p:cNvSpPr>
-            <a:spLocks noGrp="1"/>
-          </p:cNvSpPr>
-          <p:nvPr>
-            <p:ph idx="1"/>
-          </p:nvPr>
-        </p:nvSpPr>
-        <p:spPr/>
-        <p:txBody>
-          <a:bodyPr/>
-          <a:lstStyle/>
-          <a:p>
-            <a:endParaRPr lang="en-US"/>
-          </a:p>
-        </p:txBody>
-      </p:sp>
-    </p:spTree>
-    <p:extLst>
-      <p:ext uri="{BB962C8B-B14F-4D97-AF65-F5344CB8AC3E}">
-        <p14:creationId xmlns:p14="http://schemas.microsoft.com/office/powerpoint/2010/main" val="3370864377"/>
-      </p:ext>
-    </p:extLst>
-  </p:cSld>
-  <p:clrMapOvr>
-    <a:masterClrMapping/>
-  </p:clrMapOvr>
-</p:sld>
-</file>
-
 <file path=ppt/slides/slide17.xml><?xml version="1.0" encoding="utf-8"?>
 <p:sld xmlns:a="http://schemas.openxmlformats.org/drawingml/2006/main" xmlns:r="http://schemas.openxmlformats.org/officeDocument/2006/relationships" xmlns:p="http://schemas.openxmlformats.org/presentationml/2006/main">
   <p:cSld>
@@ -5254,6 +5454,89 @@
           <p:cNvPr id="2" name="Title 1">
             <a:extLst>
               <a:ext uri="{FF2B5EF4-FFF2-40B4-BE49-F238E27FC236}">
+                <a16:creationId xmlns:a16="http://schemas.microsoft.com/office/drawing/2014/main" id="{95971411-716D-49AD-BF57-13DBA4151EA5}"/>
+              </a:ext>
+            </a:extLst>
+          </p:cNvPr>
+          <p:cNvSpPr>
+            <a:spLocks noGrp="1"/>
+          </p:cNvSpPr>
+          <p:nvPr>
+            <p:ph type="title"/>
+          </p:nvPr>
+        </p:nvSpPr>
+        <p:spPr/>
+        <p:txBody>
+          <a:bodyPr/>
+          <a:lstStyle/>
+          <a:p>
+            <a:r>
+              <a:rPr lang="en-US" dirty="0"/>
+              <a:t>Concepts review</a:t>
+            </a:r>
+          </a:p>
+        </p:txBody>
+      </p:sp>
+      <p:sp>
+        <p:nvSpPr>
+          <p:cNvPr id="3" name="Content Placeholder 2">
+            <a:extLst>
+              <a:ext uri="{FF2B5EF4-FFF2-40B4-BE49-F238E27FC236}">
+                <a16:creationId xmlns:a16="http://schemas.microsoft.com/office/drawing/2014/main" id="{9412ABE9-F208-48FB-BB9B-D962FA23364D}"/>
+              </a:ext>
+            </a:extLst>
+          </p:cNvPr>
+          <p:cNvSpPr>
+            <a:spLocks noGrp="1"/>
+          </p:cNvSpPr>
+          <p:nvPr>
+            <p:ph idx="1"/>
+          </p:nvPr>
+        </p:nvSpPr>
+        <p:spPr/>
+        <p:txBody>
+          <a:bodyPr/>
+          <a:lstStyle/>
+          <a:p>
+            <a:endParaRPr lang="en-US"/>
+          </a:p>
+        </p:txBody>
+      </p:sp>
+    </p:spTree>
+    <p:extLst>
+      <p:ext uri="{BB962C8B-B14F-4D97-AF65-F5344CB8AC3E}">
+        <p14:creationId xmlns:p14="http://schemas.microsoft.com/office/powerpoint/2010/main" val="3370864377"/>
+      </p:ext>
+    </p:extLst>
+  </p:cSld>
+  <p:clrMapOvr>
+    <a:masterClrMapping/>
+  </p:clrMapOvr>
+</p:sld>
+</file>
+
+<file path=ppt/slides/slide18.xml><?xml version="1.0" encoding="utf-8"?>
+<p:sld xmlns:a="http://schemas.openxmlformats.org/drawingml/2006/main" xmlns:r="http://schemas.openxmlformats.org/officeDocument/2006/relationships" xmlns:p="http://schemas.openxmlformats.org/presentationml/2006/main">
+  <p:cSld>
+    <p:spTree>
+      <p:nvGrpSpPr>
+        <p:cNvPr id="1" name=""/>
+        <p:cNvGrpSpPr/>
+        <p:nvPr/>
+      </p:nvGrpSpPr>
+      <p:grpSpPr>
+        <a:xfrm>
+          <a:off x="0" y="0"/>
+          <a:ext cx="0" cy="0"/>
+          <a:chOff x="0" y="0"/>
+          <a:chExt cx="0" cy="0"/>
+        </a:xfrm>
+      </p:grpSpPr>
+      <p:sp>
+        <p:nvSpPr>
+          <p:cNvPr id="2" name="Title 1">
+            <a:extLst>
+              <a:ext uri="{FF2B5EF4-FFF2-40B4-BE49-F238E27FC236}">
                 <a16:creationId xmlns:a16="http://schemas.microsoft.com/office/drawing/2014/main" id="{6FD93C6E-AF9B-4950-8AAD-4EFE2BA001C5}"/>
               </a:ext>
             </a:extLst>
@@ -5309,8 +5592,8 @@
         </p:blipFill>
         <p:spPr bwMode="auto">
           <a:xfrm>
-            <a:off x="5166435" y="3066200"/>
-            <a:ext cx="2224714" cy="2400674"/>
+            <a:off x="5170050" y="3192187"/>
+            <a:ext cx="1961020" cy="2116124"/>
           </a:xfrm>
           <a:prstGeom prst="rect">
             <a:avLst/>
@@ -5450,7 +5733,7 @@
         </p:blipFill>
         <p:spPr>
           <a:xfrm>
-            <a:off x="7983642" y="4794789"/>
+            <a:off x="8798738" y="4690975"/>
             <a:ext cx="3393262" cy="1344170"/>
           </a:xfrm>
           <a:prstGeom prst="rect">
@@ -5697,6 +5980,45 @@
           </a:extLst>
         </p:spPr>
       </p:pic>
+      <p:pic>
+        <p:nvPicPr>
+          <p:cNvPr id="5" name="Graphic 4">
+            <a:extLst>
+              <a:ext uri="{FF2B5EF4-FFF2-40B4-BE49-F238E27FC236}">
+                <a16:creationId xmlns:a16="http://schemas.microsoft.com/office/drawing/2014/main" id="{78E60622-0E8B-438C-9958-CBCADD01F1C2}"/>
+              </a:ext>
+            </a:extLst>
+          </p:cNvPr>
+          <p:cNvPicPr>
+            <a:picLocks noChangeAspect="1"/>
+          </p:cNvPicPr>
+          <p:nvPr/>
+        </p:nvPicPr>
+        <p:blipFill>
+          <a:blip r:embed="rId11">
+            <a:extLst>
+              <a:ext uri="{28A0092B-C50C-407E-A947-70E740481C1C}">
+                <a14:useLocalDpi xmlns:a14="http://schemas.microsoft.com/office/drawing/2010/main" val="0"/>
+              </a:ext>
+              <a:ext uri="{96DAC541-7B7A-43D3-8B79-37D633B846F1}">
+                <asvg:svgBlip xmlns:asvg="http://schemas.microsoft.com/office/drawing/2016/SVG/main" r:embed="rId12"/>
+              </a:ext>
+            </a:extLst>
+          </a:blip>
+          <a:stretch>
+            <a:fillRect/>
+          </a:stretch>
+        </p:blipFill>
+        <p:spPr>
+          <a:xfrm>
+            <a:off x="5980711" y="5211823"/>
+            <a:ext cx="2813539" cy="675249"/>
+          </a:xfrm>
+          <a:prstGeom prst="rect">
+            <a:avLst/>
+          </a:prstGeom>
+        </p:spPr>
+      </p:pic>
     </p:spTree>
     <p:extLst>
       <p:ext uri="{BB962C8B-B14F-4D97-AF65-F5344CB8AC3E}">
@@ -5710,7 +6032,7 @@
 </p:sld>
 </file>
 
-<file path=ppt/slides/slide18.xml><?xml version="1.0" encoding="utf-8"?>
+<file path=ppt/slides/slide19.xml><?xml version="1.0" encoding="utf-8"?>
 <p:sld xmlns:a="http://schemas.openxmlformats.org/drawingml/2006/main" xmlns:r="http://schemas.openxmlformats.org/officeDocument/2006/relationships" xmlns:p="http://schemas.openxmlformats.org/presentationml/2006/main">
   <p:cSld>
     <p:spTree>
@@ -5732,7 +6054,7 @@
           <p:cNvPr id="2" name="Title 1">
             <a:extLst>
               <a:ext uri="{FF2B5EF4-FFF2-40B4-BE49-F238E27FC236}">
-                <a16:creationId xmlns:a16="http://schemas.microsoft.com/office/drawing/2014/main" id="{8E418A5A-7AEC-4CB5-9E93-81BFA17F6477}"/>
+                <a16:creationId xmlns:a16="http://schemas.microsoft.com/office/drawing/2014/main" id="{D4E072E0-2F12-4083-9458-A6529A9E6589}"/>
               </a:ext>
             </a:extLst>
           </p:cNvPr>
@@ -5740,39 +6062,27 @@
             <a:spLocks noGrp="1"/>
           </p:cNvSpPr>
           <p:nvPr>
-            <p:ph type="ctrTitle"/>
+            <p:ph type="title"/>
           </p:nvPr>
         </p:nvSpPr>
-        <p:spPr>
-          <a:xfrm>
-            <a:off x="253218" y="821703"/>
-            <a:ext cx="6006905" cy="2387600"/>
-          </a:xfrm>
-        </p:spPr>
+        <p:spPr/>
         <p:txBody>
           <a:bodyPr/>
           <a:lstStyle/>
           <a:p>
             <a:r>
               <a:rPr lang="en-US" dirty="0"/>
-              <a:t>Machine Learning</a:t>
-            </a:r>
-            <a:br>
-              <a:rPr lang="en-US" dirty="0"/>
-            </a:br>
-            <a:r>
-              <a:rPr lang="en-US" dirty="0"/>
-              <a:t>for Geosciences</a:t>
-            </a:r>
-          </a:p>
-        </p:txBody>
-      </p:sp>
-      <p:sp>
-        <p:nvSpPr>
-          <p:cNvPr id="3" name="Subtitle 2">
-            <a:extLst>
-              <a:ext uri="{FF2B5EF4-FFF2-40B4-BE49-F238E27FC236}">
-                <a16:creationId xmlns:a16="http://schemas.microsoft.com/office/drawing/2014/main" id="{352098CA-FA65-4FFD-899F-A807CF1ED7AD}"/>
+              <a:t>See also</a:t>
+            </a:r>
+          </a:p>
+        </p:txBody>
+      </p:sp>
+      <p:sp>
+        <p:nvSpPr>
+          <p:cNvPr id="3" name="Content Placeholder 2">
+            <a:extLst>
+              <a:ext uri="{FF2B5EF4-FFF2-40B4-BE49-F238E27FC236}">
+                <a16:creationId xmlns:a16="http://schemas.microsoft.com/office/drawing/2014/main" id="{23B13402-4712-4EE7-B31E-01BE2C3E94F3}"/>
               </a:ext>
             </a:extLst>
           </p:cNvPr>
@@ -5780,144 +6090,61 @@
             <a:spLocks noGrp="1"/>
           </p:cNvSpPr>
           <p:nvPr>
-            <p:ph type="subTitle" idx="1"/>
+            <p:ph idx="1"/>
           </p:nvPr>
         </p:nvSpPr>
-        <p:spPr>
-          <a:xfrm>
-            <a:off x="468922" y="4263220"/>
-            <a:ext cx="6162407" cy="2594780"/>
-          </a:xfrm>
-        </p:spPr>
-        <p:txBody>
-          <a:bodyPr>
-            <a:normAutofit/>
-          </a:bodyPr>
+        <p:spPr/>
+        <p:txBody>
+          <a:bodyPr/>
           <a:lstStyle/>
-          <a:p>
-            <a:r>
-              <a:rPr lang="en-US" dirty="0"/>
-              <a:t>By Francisco Mendoza</a:t>
-            </a:r>
-          </a:p>
           <a:p>
             <a:r>
               <a:rPr lang="en-US" dirty="0">
                 <a:hlinkClick r:id="rId2"/>
               </a:rPr>
-              <a:t>mentofran@gmail.com</a:t>
+              <a:t>YouTube Michael </a:t>
+            </a:r>
+            <a:r>
+              <a:rPr lang="en-US" dirty="0" err="1">
+                <a:hlinkClick r:id="rId2"/>
+              </a:rPr>
+              <a:t>Pyrcz</a:t>
+            </a:r>
+            <a:r>
+              <a:rPr lang="en-US" dirty="0">
+                <a:hlinkClick r:id="rId2"/>
+              </a:rPr>
+              <a:t> 00 Machine Learning: Introduction</a:t>
             </a:r>
             <a:endParaRPr lang="en-US" dirty="0"/>
           </a:p>
           <a:p>
+            <a:r>
+              <a:rPr lang="en-US" dirty="0">
+                <a:hlinkClick r:id="rId3"/>
+              </a:rPr>
+              <a:t>YouTube Michael </a:t>
+            </a:r>
+            <a:r>
+              <a:rPr lang="en-US" dirty="0" err="1">
+                <a:hlinkClick r:id="rId3"/>
+              </a:rPr>
+              <a:t>Pyrcz</a:t>
+            </a:r>
+            <a:r>
+              <a:rPr lang="en-US" dirty="0">
+                <a:hlinkClick r:id="rId3"/>
+              </a:rPr>
+              <a:t> 06 Machine Learning: Intro to Machine Learning</a:t>
+            </a:r>
             <a:endParaRPr lang="en-US" dirty="0"/>
-          </a:p>
-          <a:p>
-            <a:endParaRPr lang="en-US" dirty="0"/>
-          </a:p>
-        </p:txBody>
-      </p:sp>
-      <p:pic>
-        <p:nvPicPr>
-          <p:cNvPr id="5" name="Picture 4" descr="A close up of a logo&#10;&#10;Description automatically generated">
-            <a:extLst>
-              <a:ext uri="{FF2B5EF4-FFF2-40B4-BE49-F238E27FC236}">
-                <a16:creationId xmlns:a16="http://schemas.microsoft.com/office/drawing/2014/main" id="{0C68E5A5-7A74-443D-A0E4-22A2E33227AE}"/>
-              </a:ext>
-            </a:extLst>
-          </p:cNvPr>
-          <p:cNvPicPr>
-            <a:picLocks noChangeAspect="1"/>
-          </p:cNvPicPr>
-          <p:nvPr/>
-        </p:nvPicPr>
-        <p:blipFill>
-          <a:blip r:embed="rId3">
-            <a:extLst>
-              <a:ext uri="{28A0092B-C50C-407E-A947-70E740481C1C}">
-                <a14:useLocalDpi xmlns:a14="http://schemas.microsoft.com/office/drawing/2010/main" val="0"/>
-              </a:ext>
-            </a:extLst>
-          </a:blip>
-          <a:stretch>
-            <a:fillRect/>
-          </a:stretch>
-        </p:blipFill>
-        <p:spPr>
-          <a:xfrm>
-            <a:off x="6631330" y="821703"/>
-            <a:ext cx="5560670" cy="5560670"/>
-          </a:xfrm>
-          <a:prstGeom prst="rect">
-            <a:avLst/>
-          </a:prstGeom>
-        </p:spPr>
-      </p:pic>
-      <p:sp>
-        <p:nvSpPr>
-          <p:cNvPr id="6" name="Rectangle 5">
-            <a:extLst>
-              <a:ext uri="{FF2B5EF4-FFF2-40B4-BE49-F238E27FC236}">
-                <a16:creationId xmlns:a16="http://schemas.microsoft.com/office/drawing/2014/main" id="{D94D0121-3F55-4FA3-B967-9945F5865113}"/>
-              </a:ext>
-            </a:extLst>
-          </p:cNvPr>
-          <p:cNvSpPr/>
-          <p:nvPr/>
-        </p:nvSpPr>
-        <p:spPr>
-          <a:xfrm>
-            <a:off x="7171436" y="5973855"/>
-            <a:ext cx="4961679" cy="707886"/>
-          </a:xfrm>
-          <a:prstGeom prst="rect">
-            <a:avLst/>
-          </a:prstGeom>
-        </p:spPr>
-        <p:txBody>
-          <a:bodyPr wrap="none">
-            <a:spAutoFit/>
-          </a:bodyPr>
-          <a:lstStyle/>
-          <a:p>
-            <a:r>
-              <a:rPr lang="en-US" sz="2000" dirty="0"/>
-              <a:t>Course material:</a:t>
-            </a:r>
-          </a:p>
-          <a:p>
-            <a:r>
-              <a:rPr lang="en-US" sz="2000" dirty="0">
-                <a:hlinkClick r:id="rId4"/>
-              </a:rPr>
-              <a:t>https://github.com/</a:t>
-            </a:r>
-            <a:r>
-              <a:rPr lang="en-US" sz="2000" b="1" dirty="0">
-                <a:hlinkClick r:id="rId4"/>
-              </a:rPr>
-              <a:t>mathphysmx</a:t>
-            </a:r>
-            <a:r>
-              <a:rPr lang="en-US" sz="2000" dirty="0">
-                <a:hlinkClick r:id="rId4"/>
-              </a:rPr>
-              <a:t>/</a:t>
-            </a:r>
-            <a:r>
-              <a:rPr lang="en-US" sz="2000" b="1" dirty="0">
-                <a:hlinkClick r:id="rId4"/>
-              </a:rPr>
-              <a:t>teaching-ml</a:t>
-            </a:r>
-            <a:endParaRPr lang="en-US" sz="2000" b="1" dirty="0"/>
           </a:p>
         </p:txBody>
       </p:sp>
     </p:spTree>
     <p:extLst>
       <p:ext uri="{BB962C8B-B14F-4D97-AF65-F5344CB8AC3E}">
-        <p14:creationId xmlns:p14="http://schemas.microsoft.com/office/powerpoint/2010/main" val="177766286"/>
+        <p14:creationId xmlns:p14="http://schemas.microsoft.com/office/powerpoint/2010/main" val="1170818166"/>
       </p:ext>
     </p:extLst>
   </p:cSld>
@@ -6606,8 +6833,8 @@
             </p:nvSpPr>
             <p:spPr>
               <a:xfrm>
-                <a:off x="9810722" y="2642867"/>
-                <a:ext cx="1555619" cy="461665"/>
+                <a:off x="8323353" y="2613721"/>
+                <a:ext cx="3118354" cy="461665"/>
               </a:xfrm>
               <a:prstGeom prst="rect">
                 <a:avLst/>
@@ -6625,7 +6852,7 @@
                       <a:srgbClr val="00B050"/>
                     </a:solidFill>
                   </a:rPr>
-                  <a:t>Feature,  </a:t>
+                  <a:t>Feature or predictor,  </a:t>
                 </a:r>
                 <a14:m>
                   <m:oMath xmlns:m="http://schemas.openxmlformats.org/officeDocument/2006/math">
@@ -6666,8 +6893,8 @@
             </p:nvSpPr>
             <p:spPr>
               <a:xfrm>
-                <a:off x="9810722" y="2642867"/>
-                <a:ext cx="1555619" cy="461665"/>
+                <a:off x="8323353" y="2613721"/>
+                <a:ext cx="3118354" cy="461665"/>
               </a:xfrm>
               <a:prstGeom prst="rect">
                 <a:avLst/>
@@ -6675,7 +6902,7 @@
               <a:blipFill>
                 <a:blip r:embed="rId5"/>
                 <a:stretch>
-                  <a:fillRect l="-5859" t="-10667" b="-30667"/>
+                  <a:fillRect l="-2930" t="-10667" b="-30667"/>
                 </a:stretch>
               </a:blipFill>
             </p:spPr>
@@ -7033,10 +7260,338 @@
           </p:sp>
         </mc:Fallback>
       </mc:AlternateContent>
+      <p:sp>
+        <p:nvSpPr>
+          <p:cNvPr id="3" name="TextBox 2">
+            <a:extLst>
+              <a:ext uri="{FF2B5EF4-FFF2-40B4-BE49-F238E27FC236}">
+                <a16:creationId xmlns:a16="http://schemas.microsoft.com/office/drawing/2014/main" id="{774FE9A8-77C0-4AEE-ACCF-9ED87232CA1A}"/>
+              </a:ext>
+            </a:extLst>
+          </p:cNvPr>
+          <p:cNvSpPr txBox="1"/>
+          <p:nvPr/>
+        </p:nvSpPr>
+        <p:spPr>
+          <a:xfrm>
+            <a:off x="867788" y="1489571"/>
+            <a:ext cx="3043030" cy="1200329"/>
+          </a:xfrm>
+          <a:prstGeom prst="rect">
+            <a:avLst/>
+          </a:prstGeom>
+          <a:noFill/>
+        </p:spPr>
+        <p:txBody>
+          <a:bodyPr wrap="square" rtlCol="0">
+            <a:spAutoFit/>
+          </a:bodyPr>
+          <a:lstStyle/>
+          <a:p>
+            <a:r>
+              <a:rPr lang="en-US" dirty="0"/>
+              <a:t>All previous concepts used in statistics such as (in)?dependent variable, input/output variables,…</a:t>
+            </a:r>
+          </a:p>
+        </p:txBody>
+      </p:sp>
+      <p:sp>
+        <p:nvSpPr>
+          <p:cNvPr id="15" name="Rectangle 14">
+            <a:extLst>
+              <a:ext uri="{FF2B5EF4-FFF2-40B4-BE49-F238E27FC236}">
+                <a16:creationId xmlns:a16="http://schemas.microsoft.com/office/drawing/2014/main" id="{ADB5EC5B-6F43-4F15-A08C-874FC105A3EA}"/>
+              </a:ext>
+            </a:extLst>
+          </p:cNvPr>
+          <p:cNvSpPr/>
+          <p:nvPr/>
+        </p:nvSpPr>
+        <p:spPr>
+          <a:xfrm>
+            <a:off x="1274660" y="4919831"/>
+            <a:ext cx="1380443" cy="461665"/>
+          </a:xfrm>
+          <a:prstGeom prst="rect">
+            <a:avLst/>
+          </a:prstGeom>
+        </p:spPr>
+        <p:txBody>
+          <a:bodyPr wrap="none">
+            <a:spAutoFit/>
+          </a:bodyPr>
+          <a:lstStyle/>
+          <a:p>
+            <a:r>
+              <a:rPr lang="en-US" sz="2400" b="1" dirty="0">
+                <a:solidFill>
+                  <a:srgbClr val="FFC000"/>
+                </a:solidFill>
+              </a:rPr>
+              <a:t>Instances</a:t>
+            </a:r>
+          </a:p>
+        </p:txBody>
+      </p:sp>
+      <p:sp>
+        <p:nvSpPr>
+          <p:cNvPr id="17" name="Rectangle 16">
+            <a:extLst>
+              <a:ext uri="{FF2B5EF4-FFF2-40B4-BE49-F238E27FC236}">
+                <a16:creationId xmlns:a16="http://schemas.microsoft.com/office/drawing/2014/main" id="{D7D479CF-E73E-439D-ADE9-EACAD2041CC1}"/>
+              </a:ext>
+            </a:extLst>
+          </p:cNvPr>
+          <p:cNvSpPr/>
+          <p:nvPr/>
+        </p:nvSpPr>
+        <p:spPr>
+          <a:xfrm>
+            <a:off x="7537415" y="281867"/>
+            <a:ext cx="1380443" cy="461665"/>
+          </a:xfrm>
+          <a:prstGeom prst="rect">
+            <a:avLst/>
+          </a:prstGeom>
+        </p:spPr>
+        <p:txBody>
+          <a:bodyPr wrap="none">
+            <a:spAutoFit/>
+          </a:bodyPr>
+          <a:lstStyle/>
+          <a:p>
+            <a:r>
+              <a:rPr lang="en-US" sz="2400" b="1" dirty="0">
+                <a:solidFill>
+                  <a:srgbClr val="FFC000"/>
+                </a:solidFill>
+              </a:rPr>
+              <a:t>Instances</a:t>
+            </a:r>
+          </a:p>
+        </p:txBody>
+      </p:sp>
     </p:spTree>
     <p:extLst>
       <p:ext uri="{BB962C8B-B14F-4D97-AF65-F5344CB8AC3E}">
         <p14:creationId xmlns:p14="http://schemas.microsoft.com/office/powerpoint/2010/main" val="472296154"/>
+      </p:ext>
+    </p:extLst>
+  </p:cSld>
+  <p:clrMapOvr>
+    <a:masterClrMapping/>
+  </p:clrMapOvr>
+</p:sld>
+</file>
+
+<file path=ppt/slides/slide20.xml><?xml version="1.0" encoding="utf-8"?>
+<p:sld xmlns:a="http://schemas.openxmlformats.org/drawingml/2006/main" xmlns:r="http://schemas.openxmlformats.org/officeDocument/2006/relationships" xmlns:p="http://schemas.openxmlformats.org/presentationml/2006/main">
+  <p:cSld>
+    <p:spTree>
+      <p:nvGrpSpPr>
+        <p:cNvPr id="1" name=""/>
+        <p:cNvGrpSpPr/>
+        <p:nvPr/>
+      </p:nvGrpSpPr>
+      <p:grpSpPr>
+        <a:xfrm>
+          <a:off x="0" y="0"/>
+          <a:ext cx="0" cy="0"/>
+          <a:chOff x="0" y="0"/>
+          <a:chExt cx="0" cy="0"/>
+        </a:xfrm>
+      </p:grpSpPr>
+      <p:sp>
+        <p:nvSpPr>
+          <p:cNvPr id="2" name="Title 1">
+            <a:extLst>
+              <a:ext uri="{FF2B5EF4-FFF2-40B4-BE49-F238E27FC236}">
+                <a16:creationId xmlns:a16="http://schemas.microsoft.com/office/drawing/2014/main" id="{8E418A5A-7AEC-4CB5-9E93-81BFA17F6477}"/>
+              </a:ext>
+            </a:extLst>
+          </p:cNvPr>
+          <p:cNvSpPr>
+            <a:spLocks noGrp="1"/>
+          </p:cNvSpPr>
+          <p:nvPr>
+            <p:ph type="ctrTitle"/>
+          </p:nvPr>
+        </p:nvSpPr>
+        <p:spPr>
+          <a:xfrm>
+            <a:off x="253218" y="821703"/>
+            <a:ext cx="6006905" cy="2387600"/>
+          </a:xfrm>
+        </p:spPr>
+        <p:txBody>
+          <a:bodyPr/>
+          <a:lstStyle/>
+          <a:p>
+            <a:r>
+              <a:rPr lang="en-US" dirty="0"/>
+              <a:t>Machine Learning</a:t>
+            </a:r>
+            <a:br>
+              <a:rPr lang="en-US" dirty="0"/>
+            </a:br>
+            <a:r>
+              <a:rPr lang="en-US" dirty="0"/>
+              <a:t>for Geosciences</a:t>
+            </a:r>
+          </a:p>
+        </p:txBody>
+      </p:sp>
+      <p:sp>
+        <p:nvSpPr>
+          <p:cNvPr id="3" name="Subtitle 2">
+            <a:extLst>
+              <a:ext uri="{FF2B5EF4-FFF2-40B4-BE49-F238E27FC236}">
+                <a16:creationId xmlns:a16="http://schemas.microsoft.com/office/drawing/2014/main" id="{352098CA-FA65-4FFD-899F-A807CF1ED7AD}"/>
+              </a:ext>
+            </a:extLst>
+          </p:cNvPr>
+          <p:cNvSpPr>
+            <a:spLocks noGrp="1"/>
+          </p:cNvSpPr>
+          <p:nvPr>
+            <p:ph type="subTitle" idx="1"/>
+          </p:nvPr>
+        </p:nvSpPr>
+        <p:spPr>
+          <a:xfrm>
+            <a:off x="468922" y="4263220"/>
+            <a:ext cx="6162407" cy="2594780"/>
+          </a:xfrm>
+        </p:spPr>
+        <p:txBody>
+          <a:bodyPr>
+            <a:normAutofit/>
+          </a:bodyPr>
+          <a:lstStyle/>
+          <a:p>
+            <a:r>
+              <a:rPr lang="en-US" dirty="0"/>
+              <a:t>By Francisco Mendoza</a:t>
+            </a:r>
+          </a:p>
+          <a:p>
+            <a:r>
+              <a:rPr lang="en-US" dirty="0">
+                <a:hlinkClick r:id="rId2"/>
+              </a:rPr>
+              <a:t>mentofran@gmail.com</a:t>
+            </a:r>
+            <a:endParaRPr lang="en-US" dirty="0"/>
+          </a:p>
+          <a:p>
+            <a:endParaRPr lang="en-US" dirty="0"/>
+          </a:p>
+          <a:p>
+            <a:endParaRPr lang="en-US" dirty="0"/>
+          </a:p>
+        </p:txBody>
+      </p:sp>
+      <p:pic>
+        <p:nvPicPr>
+          <p:cNvPr id="5" name="Picture 4" descr="A close up of a logo&#10;&#10;Description automatically generated">
+            <a:extLst>
+              <a:ext uri="{FF2B5EF4-FFF2-40B4-BE49-F238E27FC236}">
+                <a16:creationId xmlns:a16="http://schemas.microsoft.com/office/drawing/2014/main" id="{0C68E5A5-7A74-443D-A0E4-22A2E33227AE}"/>
+              </a:ext>
+            </a:extLst>
+          </p:cNvPr>
+          <p:cNvPicPr>
+            <a:picLocks noChangeAspect="1"/>
+          </p:cNvPicPr>
+          <p:nvPr/>
+        </p:nvPicPr>
+        <p:blipFill>
+          <a:blip r:embed="rId3">
+            <a:extLst>
+              <a:ext uri="{28A0092B-C50C-407E-A947-70E740481C1C}">
+                <a14:useLocalDpi xmlns:a14="http://schemas.microsoft.com/office/drawing/2010/main" val="0"/>
+              </a:ext>
+            </a:extLst>
+          </a:blip>
+          <a:stretch>
+            <a:fillRect/>
+          </a:stretch>
+        </p:blipFill>
+        <p:spPr>
+          <a:xfrm>
+            <a:off x="6631330" y="821703"/>
+            <a:ext cx="5560670" cy="5560670"/>
+          </a:xfrm>
+          <a:prstGeom prst="rect">
+            <a:avLst/>
+          </a:prstGeom>
+        </p:spPr>
+      </p:pic>
+      <p:sp>
+        <p:nvSpPr>
+          <p:cNvPr id="6" name="Rectangle 5">
+            <a:extLst>
+              <a:ext uri="{FF2B5EF4-FFF2-40B4-BE49-F238E27FC236}">
+                <a16:creationId xmlns:a16="http://schemas.microsoft.com/office/drawing/2014/main" id="{D94D0121-3F55-4FA3-B967-9945F5865113}"/>
+              </a:ext>
+            </a:extLst>
+          </p:cNvPr>
+          <p:cNvSpPr/>
+          <p:nvPr/>
+        </p:nvSpPr>
+        <p:spPr>
+          <a:xfrm>
+            <a:off x="7171436" y="5973855"/>
+            <a:ext cx="4961679" cy="707886"/>
+          </a:xfrm>
+          <a:prstGeom prst="rect">
+            <a:avLst/>
+          </a:prstGeom>
+        </p:spPr>
+        <p:txBody>
+          <a:bodyPr wrap="none">
+            <a:spAutoFit/>
+          </a:bodyPr>
+          <a:lstStyle/>
+          <a:p>
+            <a:r>
+              <a:rPr lang="en-US" sz="2000" dirty="0"/>
+              <a:t>Course material:</a:t>
+            </a:r>
+          </a:p>
+          <a:p>
+            <a:r>
+              <a:rPr lang="en-US" sz="2000" dirty="0">
+                <a:hlinkClick r:id="rId4"/>
+              </a:rPr>
+              <a:t>https://github.com/</a:t>
+            </a:r>
+            <a:r>
+              <a:rPr lang="en-US" sz="2000" b="1" dirty="0">
+                <a:hlinkClick r:id="rId4"/>
+              </a:rPr>
+              <a:t>mathphysmx</a:t>
+            </a:r>
+            <a:r>
+              <a:rPr lang="en-US" sz="2000" dirty="0">
+                <a:hlinkClick r:id="rId4"/>
+              </a:rPr>
+              <a:t>/</a:t>
+            </a:r>
+            <a:r>
+              <a:rPr lang="en-US" sz="2000" b="1" dirty="0">
+                <a:hlinkClick r:id="rId4"/>
+              </a:rPr>
+              <a:t>teaching-ml</a:t>
+            </a:r>
+            <a:endParaRPr lang="en-US" sz="2000" b="1" dirty="0"/>
+          </a:p>
+        </p:txBody>
+      </p:sp>
+    </p:spTree>
+    <p:extLst>
+      <p:ext uri="{BB962C8B-B14F-4D97-AF65-F5344CB8AC3E}">
+        <p14:creationId xmlns:p14="http://schemas.microsoft.com/office/powerpoint/2010/main" val="177766286"/>
       </p:ext>
     </p:extLst>
   </p:cSld>
@@ -7166,7 +7721,7 @@
           <p:nvPr/>
         </p:nvPicPr>
         <p:blipFill>
-          <a:blip r:embed="rId2"/>
+          <a:blip r:embed="rId3"/>
           <a:stretch>
             <a:fillRect/>
           </a:stretch>
@@ -7196,7 +7751,7 @@
           <p:nvPr/>
         </p:nvPicPr>
         <p:blipFill>
-          <a:blip r:embed="rId3"/>
+          <a:blip r:embed="rId4"/>
           <a:stretch>
             <a:fillRect/>
           </a:stretch>
@@ -7226,7 +7781,7 @@
           <p:nvPr/>
         </p:nvPicPr>
         <p:blipFill>
-          <a:blip r:embed="rId4"/>
+          <a:blip r:embed="rId5"/>
           <a:stretch>
             <a:fillRect/>
           </a:stretch>
@@ -10421,6 +10976,60 @@
           </a:extLst>
         </p:spPr>
       </p:pic>
+      <p:sp>
+        <p:nvSpPr>
+          <p:cNvPr id="5" name="Rectangle 4">
+            <a:extLst>
+              <a:ext uri="{FF2B5EF4-FFF2-40B4-BE49-F238E27FC236}">
+                <a16:creationId xmlns:a16="http://schemas.microsoft.com/office/drawing/2014/main" id="{04A4AC6F-1852-4035-904C-777609F7CB83}"/>
+              </a:ext>
+            </a:extLst>
+          </p:cNvPr>
+          <p:cNvSpPr/>
+          <p:nvPr/>
+        </p:nvSpPr>
+        <p:spPr>
+          <a:xfrm>
+            <a:off x="1026942" y="6488668"/>
+            <a:ext cx="7807569" cy="369332"/>
+          </a:xfrm>
+          <a:prstGeom prst="rect">
+            <a:avLst/>
+          </a:prstGeom>
+        </p:spPr>
+        <p:txBody>
+          <a:bodyPr wrap="square">
+            <a:spAutoFit/>
+          </a:bodyPr>
+          <a:lstStyle/>
+          <a:p>
+            <a:r>
+              <a:rPr lang="en-US" dirty="0">
+                <a:solidFill>
+                  <a:schemeClr val="bg1">
+                    <a:lumMod val="75000"/>
+                  </a:schemeClr>
+                </a:solidFill>
+                <a:hlinkClick r:id="rId3">
+                  <a:extLst>
+                    <a:ext uri="{A12FA001-AC4F-418D-AE19-62706E023703}">
+                      <ahyp:hlinkClr xmlns:ahyp="http://schemas.microsoft.com/office/drawing/2018/hyperlinkcolor" val="tx"/>
+                    </a:ext>
+                  </a:extLst>
+                </a:hlinkClick>
+              </a:rPr>
+              <a:t>http://sitiobigdata.com/2018/08/27/los-tres-nucleos-de-data-science/</a:t>
+            </a:r>
+            <a:endParaRPr lang="en-US" dirty="0">
+              <a:solidFill>
+                <a:schemeClr val="bg1">
+                  <a:lumMod val="75000"/>
+                </a:schemeClr>
+              </a:solidFill>
+            </a:endParaRPr>
+          </a:p>
+        </p:txBody>
+      </p:sp>
     </p:spTree>
     <p:extLst>
       <p:ext uri="{BB962C8B-B14F-4D97-AF65-F5344CB8AC3E}">

--- a/slides/ML_00.pptx
+++ b/slides/ML_00.pptx
@@ -5,29 +5,31 @@
     <p:sldMasterId id="2147483648" r:id="rId1"/>
   </p:sldMasterIdLst>
   <p:notesMasterIdLst>
-    <p:notesMasterId r:id="rId22"/>
+    <p:notesMasterId r:id="rId24"/>
   </p:notesMasterIdLst>
   <p:sldIdLst>
     <p:sldId id="256" r:id="rId2"/>
     <p:sldId id="265" r:id="rId3"/>
-    <p:sldId id="266" r:id="rId4"/>
-    <p:sldId id="277" r:id="rId5"/>
-    <p:sldId id="278" r:id="rId6"/>
-    <p:sldId id="279" r:id="rId7"/>
-    <p:sldId id="272" r:id="rId8"/>
-    <p:sldId id="270" r:id="rId9"/>
-    <p:sldId id="271" r:id="rId10"/>
-    <p:sldId id="262" r:id="rId11"/>
-    <p:sldId id="263" r:id="rId12"/>
-    <p:sldId id="264" r:id="rId13"/>
-    <p:sldId id="282" r:id="rId14"/>
-    <p:sldId id="257" r:id="rId15"/>
-    <p:sldId id="273" r:id="rId16"/>
-    <p:sldId id="268" r:id="rId17"/>
-    <p:sldId id="280" r:id="rId18"/>
-    <p:sldId id="281" r:id="rId19"/>
-    <p:sldId id="284" r:id="rId20"/>
-    <p:sldId id="276" r:id="rId21"/>
+    <p:sldId id="285" r:id="rId4"/>
+    <p:sldId id="286" r:id="rId5"/>
+    <p:sldId id="266" r:id="rId6"/>
+    <p:sldId id="277" r:id="rId7"/>
+    <p:sldId id="278" r:id="rId8"/>
+    <p:sldId id="279" r:id="rId9"/>
+    <p:sldId id="272" r:id="rId10"/>
+    <p:sldId id="270" r:id="rId11"/>
+    <p:sldId id="271" r:id="rId12"/>
+    <p:sldId id="262" r:id="rId13"/>
+    <p:sldId id="263" r:id="rId14"/>
+    <p:sldId id="264" r:id="rId15"/>
+    <p:sldId id="282" r:id="rId16"/>
+    <p:sldId id="257" r:id="rId17"/>
+    <p:sldId id="273" r:id="rId18"/>
+    <p:sldId id="268" r:id="rId19"/>
+    <p:sldId id="280" r:id="rId20"/>
+    <p:sldId id="281" r:id="rId21"/>
+    <p:sldId id="284" r:id="rId22"/>
+    <p:sldId id="276" r:id="rId23"/>
   </p:sldIdLst>
   <p:sldSz cx="12192000" cy="6858000"/>
   <p:notesSz cx="6858000" cy="9144000"/>
@@ -216,7 +218,7 @@
           <a:p>
             <a:fld id="{C5F2B991-7762-4FD0-8B75-FBCEED4C176B}" type="datetimeFigureOut">
               <a:rPr lang="en-US" smtClean="0"/>
-              <a:t>2/4/2020</a:t>
+              <a:t>2/5/2020</a:t>
             </a:fld>
             <a:endParaRPr lang="en-US"/>
           </a:p>
@@ -527,6 +529,205 @@
           <a:bodyPr/>
           <a:lstStyle/>
           <a:p>
+            <a:r>
+              <a:rPr lang="en-US" sz="1200" b="0" kern="1200" dirty="0">
+                <a:solidFill>
+                  <a:schemeClr val="tx1"/>
+                </a:solidFill>
+                <a:effectLst/>
+                <a:latin typeface="+mn-lt"/>
+                <a:ea typeface="+mn-ea"/>
+                <a:cs typeface="+mn-cs"/>
+              </a:rPr>
+              <a:t>%matplotlib inline</a:t>
+            </a:r>
+          </a:p>
+          <a:p>
+            <a:r>
+              <a:rPr lang="en-US" sz="1200" b="0" kern="1200" dirty="0">
+                <a:solidFill>
+                  <a:schemeClr val="tx1"/>
+                </a:solidFill>
+                <a:effectLst/>
+                <a:latin typeface="+mn-lt"/>
+                <a:ea typeface="+mn-ea"/>
+                <a:cs typeface="+mn-cs"/>
+              </a:rPr>
+              <a:t>import seaborn as </a:t>
+            </a:r>
+            <a:r>
+              <a:rPr lang="en-US" sz="1200" b="0" kern="1200" dirty="0" err="1">
+                <a:solidFill>
+                  <a:schemeClr val="tx1"/>
+                </a:solidFill>
+                <a:effectLst/>
+                <a:latin typeface="+mn-lt"/>
+                <a:ea typeface="+mn-ea"/>
+                <a:cs typeface="+mn-cs"/>
+              </a:rPr>
+              <a:t>sns</a:t>
+            </a:r>
+            <a:endParaRPr lang="en-US" sz="1200" b="0" kern="1200" dirty="0">
+              <a:solidFill>
+                <a:schemeClr val="tx1"/>
+              </a:solidFill>
+              <a:effectLst/>
+              <a:latin typeface="+mn-lt"/>
+              <a:ea typeface="+mn-ea"/>
+              <a:cs typeface="+mn-cs"/>
+            </a:endParaRPr>
+          </a:p>
+          <a:p>
+            <a:r>
+              <a:rPr lang="en-US" sz="1200" b="0" kern="1200" dirty="0">
+                <a:solidFill>
+                  <a:schemeClr val="tx1"/>
+                </a:solidFill>
+                <a:effectLst/>
+                <a:latin typeface="+mn-lt"/>
+                <a:ea typeface="+mn-ea"/>
+                <a:cs typeface="+mn-cs"/>
+              </a:rPr>
+              <a:t>iris = </a:t>
+            </a:r>
+            <a:r>
+              <a:rPr lang="en-US" sz="1200" b="0" kern="1200" dirty="0" err="1">
+                <a:solidFill>
+                  <a:schemeClr val="tx1"/>
+                </a:solidFill>
+                <a:effectLst/>
+                <a:latin typeface="+mn-lt"/>
+                <a:ea typeface="+mn-ea"/>
+                <a:cs typeface="+mn-cs"/>
+              </a:rPr>
+              <a:t>sns.load_dataset</a:t>
+            </a:r>
+            <a:r>
+              <a:rPr lang="en-US" sz="1200" b="0" kern="1200" dirty="0">
+                <a:solidFill>
+                  <a:schemeClr val="tx1"/>
+                </a:solidFill>
+                <a:effectLst/>
+                <a:latin typeface="+mn-lt"/>
+                <a:ea typeface="+mn-ea"/>
+                <a:cs typeface="+mn-cs"/>
+              </a:rPr>
+              <a:t>('iris')</a:t>
+            </a:r>
+          </a:p>
+          <a:p>
+            <a:r>
+              <a:rPr lang="en-US" sz="1200" b="0" kern="1200" dirty="0" err="1">
+                <a:solidFill>
+                  <a:schemeClr val="tx1"/>
+                </a:solidFill>
+                <a:effectLst/>
+                <a:latin typeface="+mn-lt"/>
+                <a:ea typeface="+mn-ea"/>
+                <a:cs typeface="+mn-cs"/>
+              </a:rPr>
+              <a:t>iris.plot</a:t>
+            </a:r>
+            <a:r>
+              <a:rPr lang="en-US" sz="1200" b="0" kern="1200" dirty="0">
+                <a:solidFill>
+                  <a:schemeClr val="tx1"/>
+                </a:solidFill>
+                <a:effectLst/>
+                <a:latin typeface="+mn-lt"/>
+                <a:ea typeface="+mn-ea"/>
+                <a:cs typeface="+mn-cs"/>
+              </a:rPr>
+              <a:t>(kind = 'scatter', x = '</a:t>
+            </a:r>
+            <a:r>
+              <a:rPr lang="en-US" sz="1200" b="0" kern="1200" dirty="0" err="1">
+                <a:solidFill>
+                  <a:schemeClr val="tx1"/>
+                </a:solidFill>
+                <a:effectLst/>
+                <a:latin typeface="+mn-lt"/>
+                <a:ea typeface="+mn-ea"/>
+                <a:cs typeface="+mn-cs"/>
+              </a:rPr>
+              <a:t>petal_length</a:t>
+            </a:r>
+            <a:r>
+              <a:rPr lang="en-US" sz="1200" b="0" kern="1200" dirty="0">
+                <a:solidFill>
+                  <a:schemeClr val="tx1"/>
+                </a:solidFill>
+                <a:effectLst/>
+                <a:latin typeface="+mn-lt"/>
+                <a:ea typeface="+mn-ea"/>
+                <a:cs typeface="+mn-cs"/>
+              </a:rPr>
+              <a:t>', y = '</a:t>
+            </a:r>
+            <a:r>
+              <a:rPr lang="en-US" sz="1200" b="0" kern="1200" dirty="0" err="1">
+                <a:solidFill>
+                  <a:schemeClr val="tx1"/>
+                </a:solidFill>
+                <a:effectLst/>
+                <a:latin typeface="+mn-lt"/>
+                <a:ea typeface="+mn-ea"/>
+                <a:cs typeface="+mn-cs"/>
+              </a:rPr>
+              <a:t>petal_width</a:t>
+            </a:r>
+            <a:r>
+              <a:rPr lang="en-US" sz="1200" b="0" kern="1200" dirty="0">
+                <a:solidFill>
+                  <a:schemeClr val="tx1"/>
+                </a:solidFill>
+                <a:effectLst/>
+                <a:latin typeface="+mn-lt"/>
+                <a:ea typeface="+mn-ea"/>
+                <a:cs typeface="+mn-cs"/>
+              </a:rPr>
+              <a:t>')</a:t>
+            </a:r>
+          </a:p>
+          <a:p>
+            <a:r>
+              <a:rPr lang="en-US" sz="1200" b="0" kern="1200" dirty="0">
+                <a:solidFill>
+                  <a:schemeClr val="tx1"/>
+                </a:solidFill>
+                <a:effectLst/>
+                <a:latin typeface="+mn-lt"/>
+                <a:ea typeface="+mn-ea"/>
+                <a:cs typeface="+mn-cs"/>
+              </a:rPr>
+              <a:t># </a:t>
+            </a:r>
+            <a:r>
+              <a:rPr lang="en-US" sz="1200" b="0" kern="1200" dirty="0" err="1">
+                <a:solidFill>
+                  <a:schemeClr val="tx1"/>
+                </a:solidFill>
+                <a:effectLst/>
+                <a:latin typeface="+mn-lt"/>
+                <a:ea typeface="+mn-ea"/>
+                <a:cs typeface="+mn-cs"/>
+              </a:rPr>
+              <a:t>sns.pairplot</a:t>
+            </a:r>
+            <a:r>
+              <a:rPr lang="en-US" sz="1200" b="0" kern="1200" dirty="0">
+                <a:solidFill>
+                  <a:schemeClr val="tx1"/>
+                </a:solidFill>
+                <a:effectLst/>
+                <a:latin typeface="+mn-lt"/>
+                <a:ea typeface="+mn-ea"/>
+                <a:cs typeface="+mn-cs"/>
+              </a:rPr>
+              <a:t>(iris)</a:t>
+            </a:r>
+          </a:p>
+          <a:p>
             <a:endParaRPr lang="en-US" dirty="0"/>
           </a:p>
         </p:txBody>
@@ -548,7 +749,7 @@
           <a:p>
             <a:fld id="{C4F5526F-F2BE-4FED-81ED-976F88FFEC7F}" type="slidenum">
               <a:rPr lang="en-US" smtClean="0"/>
-              <a:t>4</a:t>
+              <a:t>3</a:t>
             </a:fld>
             <a:endParaRPr lang="en-US"/>
           </a:p>
@@ -557,7 +758,7 @@
     </p:spTree>
     <p:extLst>
       <p:ext uri="{BB962C8B-B14F-4D97-AF65-F5344CB8AC3E}">
-        <p14:creationId xmlns:p14="http://schemas.microsoft.com/office/powerpoint/2010/main" val="1186092525"/>
+        <p14:creationId xmlns:p14="http://schemas.microsoft.com/office/powerpoint/2010/main" val="3338939123"/>
       </p:ext>
     </p:extLst>
   </p:cSld>
@@ -611,10 +812,7 @@
           <a:bodyPr/>
           <a:lstStyle/>
           <a:p>
-            <a:r>
-              <a:rPr lang="en-US" dirty="0"/>
-              <a:t>What are the concepts leaned? Feature, labels, error, training set. (By asking this question, students are move to speak in English, at least some words)</a:t>
-            </a:r>
+            <a:endParaRPr lang="en-US" dirty="0"/>
           </a:p>
         </p:txBody>
       </p:sp>
@@ -644,7 +842,7 @@
     </p:spTree>
     <p:extLst>
       <p:ext uri="{BB962C8B-B14F-4D97-AF65-F5344CB8AC3E}">
-        <p14:creationId xmlns:p14="http://schemas.microsoft.com/office/powerpoint/2010/main" val="437548392"/>
+        <p14:creationId xmlns:p14="http://schemas.microsoft.com/office/powerpoint/2010/main" val="1186092525"/>
       </p:ext>
     </p:extLst>
   </p:cSld>
@@ -722,7 +920,94 @@
           <a:p>
             <a:fld id="{C4F5526F-F2BE-4FED-81ED-976F88FFEC7F}" type="slidenum">
               <a:rPr lang="en-US" smtClean="0"/>
-              <a:t>17</a:t>
+              <a:t>8</a:t>
+            </a:fld>
+            <a:endParaRPr lang="en-US"/>
+          </a:p>
+        </p:txBody>
+      </p:sp>
+    </p:spTree>
+    <p:extLst>
+      <p:ext uri="{BB962C8B-B14F-4D97-AF65-F5344CB8AC3E}">
+        <p14:creationId xmlns:p14="http://schemas.microsoft.com/office/powerpoint/2010/main" val="437548392"/>
+      </p:ext>
+    </p:extLst>
+  </p:cSld>
+  <p:clrMapOvr>
+    <a:masterClrMapping/>
+  </p:clrMapOvr>
+</p:notes>
+</file>
+
+<file path=ppt/notesSlides/notesSlide4.xml><?xml version="1.0" encoding="utf-8"?>
+<p:notes xmlns:a="http://schemas.openxmlformats.org/drawingml/2006/main" xmlns:r="http://schemas.openxmlformats.org/officeDocument/2006/relationships" xmlns:p="http://schemas.openxmlformats.org/presentationml/2006/main">
+  <p:cSld>
+    <p:spTree>
+      <p:nvGrpSpPr>
+        <p:cNvPr id="1" name=""/>
+        <p:cNvGrpSpPr/>
+        <p:nvPr/>
+      </p:nvGrpSpPr>
+      <p:grpSpPr>
+        <a:xfrm>
+          <a:off x="0" y="0"/>
+          <a:ext cx="0" cy="0"/>
+          <a:chOff x="0" y="0"/>
+          <a:chExt cx="0" cy="0"/>
+        </a:xfrm>
+      </p:grpSpPr>
+      <p:sp>
+        <p:nvSpPr>
+          <p:cNvPr id="2" name="Slide Image Placeholder 1"/>
+          <p:cNvSpPr>
+            <a:spLocks noGrp="1" noRot="1" noChangeAspect="1"/>
+          </p:cNvSpPr>
+          <p:nvPr>
+            <p:ph type="sldImg"/>
+          </p:nvPr>
+        </p:nvSpPr>
+        <p:spPr/>
+      </p:sp>
+      <p:sp>
+        <p:nvSpPr>
+          <p:cNvPr id="3" name="Notes Placeholder 2"/>
+          <p:cNvSpPr>
+            <a:spLocks noGrp="1"/>
+          </p:cNvSpPr>
+          <p:nvPr>
+            <p:ph type="body" idx="1"/>
+          </p:nvPr>
+        </p:nvSpPr>
+        <p:spPr/>
+        <p:txBody>
+          <a:bodyPr/>
+          <a:lstStyle/>
+          <a:p>
+            <a:r>
+              <a:rPr lang="en-US" dirty="0"/>
+              <a:t>What are the concepts leaned? Feature, labels, error, training set. (By asking this question, students are move to speak in English, at least some words)</a:t>
+            </a:r>
+          </a:p>
+        </p:txBody>
+      </p:sp>
+      <p:sp>
+        <p:nvSpPr>
+          <p:cNvPr id="4" name="Slide Number Placeholder 3"/>
+          <p:cNvSpPr>
+            <a:spLocks noGrp="1"/>
+          </p:cNvSpPr>
+          <p:nvPr>
+            <p:ph type="sldNum" sz="quarter" idx="5"/>
+          </p:nvPr>
+        </p:nvSpPr>
+        <p:spPr/>
+        <p:txBody>
+          <a:bodyPr/>
+          <a:lstStyle/>
+          <a:p>
+            <a:fld id="{C4F5526F-F2BE-4FED-81ED-976F88FFEC7F}" type="slidenum">
+              <a:rPr lang="en-US" smtClean="0"/>
+              <a:t>19</a:t>
             </a:fld>
             <a:endParaRPr lang="en-US"/>
           </a:p>
@@ -888,7 +1173,7 @@
           <a:p>
             <a:fld id="{AD5F67BE-FA4E-4E0B-ADD2-E9EACB8A83D4}" type="datetimeFigureOut">
               <a:rPr lang="en-US" smtClean="0"/>
-              <a:t>2/4/2020</a:t>
+              <a:t>2/5/2020</a:t>
             </a:fld>
             <a:endParaRPr lang="en-US"/>
           </a:p>
@@ -1086,7 +1371,7 @@
           <a:p>
             <a:fld id="{AD5F67BE-FA4E-4E0B-ADD2-E9EACB8A83D4}" type="datetimeFigureOut">
               <a:rPr lang="en-US" smtClean="0"/>
-              <a:t>2/4/2020</a:t>
+              <a:t>2/5/2020</a:t>
             </a:fld>
             <a:endParaRPr lang="en-US"/>
           </a:p>
@@ -1294,7 +1579,7 @@
           <a:p>
             <a:fld id="{AD5F67BE-FA4E-4E0B-ADD2-E9EACB8A83D4}" type="datetimeFigureOut">
               <a:rPr lang="en-US" smtClean="0"/>
-              <a:t>2/4/2020</a:t>
+              <a:t>2/5/2020</a:t>
             </a:fld>
             <a:endParaRPr lang="en-US"/>
           </a:p>
@@ -1492,7 +1777,7 @@
           <a:p>
             <a:fld id="{AD5F67BE-FA4E-4E0B-ADD2-E9EACB8A83D4}" type="datetimeFigureOut">
               <a:rPr lang="en-US" smtClean="0"/>
-              <a:t>2/4/2020</a:t>
+              <a:t>2/5/2020</a:t>
             </a:fld>
             <a:endParaRPr lang="en-US"/>
           </a:p>
@@ -1767,7 +2052,7 @@
           <a:p>
             <a:fld id="{AD5F67BE-FA4E-4E0B-ADD2-E9EACB8A83D4}" type="datetimeFigureOut">
               <a:rPr lang="en-US" smtClean="0"/>
-              <a:t>2/4/2020</a:t>
+              <a:t>2/5/2020</a:t>
             </a:fld>
             <a:endParaRPr lang="en-US"/>
           </a:p>
@@ -2032,7 +2317,7 @@
           <a:p>
             <a:fld id="{AD5F67BE-FA4E-4E0B-ADD2-E9EACB8A83D4}" type="datetimeFigureOut">
               <a:rPr lang="en-US" smtClean="0"/>
-              <a:t>2/4/2020</a:t>
+              <a:t>2/5/2020</a:t>
             </a:fld>
             <a:endParaRPr lang="en-US"/>
           </a:p>
@@ -2444,7 +2729,7 @@
           <a:p>
             <a:fld id="{AD5F67BE-FA4E-4E0B-ADD2-E9EACB8A83D4}" type="datetimeFigureOut">
               <a:rPr lang="en-US" smtClean="0"/>
-              <a:t>2/4/2020</a:t>
+              <a:t>2/5/2020</a:t>
             </a:fld>
             <a:endParaRPr lang="en-US"/>
           </a:p>
@@ -2585,7 +2870,7 @@
           <a:p>
             <a:fld id="{AD5F67BE-FA4E-4E0B-ADD2-E9EACB8A83D4}" type="datetimeFigureOut">
               <a:rPr lang="en-US" smtClean="0"/>
-              <a:t>2/4/2020</a:t>
+              <a:t>2/5/2020</a:t>
             </a:fld>
             <a:endParaRPr lang="en-US"/>
           </a:p>
@@ -2698,7 +2983,7 @@
           <a:p>
             <a:fld id="{AD5F67BE-FA4E-4E0B-ADD2-E9EACB8A83D4}" type="datetimeFigureOut">
               <a:rPr lang="en-US" smtClean="0"/>
-              <a:t>2/4/2020</a:t>
+              <a:t>2/5/2020</a:t>
             </a:fld>
             <a:endParaRPr lang="en-US"/>
           </a:p>
@@ -3009,7 +3294,7 @@
           <a:p>
             <a:fld id="{AD5F67BE-FA4E-4E0B-ADD2-E9EACB8A83D4}" type="datetimeFigureOut">
               <a:rPr lang="en-US" smtClean="0"/>
-              <a:t>2/4/2020</a:t>
+              <a:t>2/5/2020</a:t>
             </a:fld>
             <a:endParaRPr lang="en-US"/>
           </a:p>
@@ -3297,7 +3582,7 @@
           <a:p>
             <a:fld id="{AD5F67BE-FA4E-4E0B-ADD2-E9EACB8A83D4}" type="datetimeFigureOut">
               <a:rPr lang="en-US" smtClean="0"/>
-              <a:t>2/4/2020</a:t>
+              <a:t>2/5/2020</a:t>
             </a:fld>
             <a:endParaRPr lang="en-US"/>
           </a:p>
@@ -3538,7 +3823,7 @@
           <a:p>
             <a:fld id="{AD5F67BE-FA4E-4E0B-ADD2-E9EACB8A83D4}" type="datetimeFigureOut">
               <a:rPr lang="en-US" smtClean="0"/>
-              <a:t>2/4/2020</a:t>
+              <a:t>2/5/2020</a:t>
             </a:fld>
             <a:endParaRPr lang="en-US"/>
           </a:p>
@@ -4177,6 +4462,302 @@
           <p:cNvPr id="2" name="Title 1">
             <a:extLst>
               <a:ext uri="{FF2B5EF4-FFF2-40B4-BE49-F238E27FC236}">
+                <a16:creationId xmlns:a16="http://schemas.microsoft.com/office/drawing/2014/main" id="{CB9D5FB6-F51B-4023-9BA5-B049BB893CB2}"/>
+              </a:ext>
+            </a:extLst>
+          </p:cNvPr>
+          <p:cNvSpPr>
+            <a:spLocks noGrp="1"/>
+          </p:cNvSpPr>
+          <p:nvPr>
+            <p:ph type="title"/>
+          </p:nvPr>
+        </p:nvSpPr>
+        <p:spPr>
+          <a:xfrm>
+            <a:off x="838200" y="336989"/>
+            <a:ext cx="10515600" cy="1325563"/>
+          </a:xfrm>
+        </p:spPr>
+        <p:txBody>
+          <a:bodyPr/>
+          <a:lstStyle/>
+          <a:p>
+            <a:r>
+              <a:rPr lang="en-US" dirty="0"/>
+              <a:t>What is ML</a:t>
+            </a:r>
+          </a:p>
+        </p:txBody>
+      </p:sp>
+      <p:pic>
+        <p:nvPicPr>
+          <p:cNvPr id="4" name="Content Placeholder 3">
+            <a:extLst>
+              <a:ext uri="{FF2B5EF4-FFF2-40B4-BE49-F238E27FC236}">
+                <a16:creationId xmlns:a16="http://schemas.microsoft.com/office/drawing/2014/main" id="{42192DA7-EBFE-4A33-BD33-75F41AE61DAB}"/>
+              </a:ext>
+            </a:extLst>
+          </p:cNvPr>
+          <p:cNvPicPr>
+            <a:picLocks noGrp="1" noChangeAspect="1"/>
+          </p:cNvPicPr>
+          <p:nvPr>
+            <p:ph idx="1"/>
+          </p:nvPr>
+        </p:nvPicPr>
+        <p:blipFill>
+          <a:blip r:embed="rId2"/>
+          <a:stretch>
+            <a:fillRect/>
+          </a:stretch>
+        </p:blipFill>
+        <p:spPr>
+          <a:xfrm>
+            <a:off x="1424838" y="1662552"/>
+            <a:ext cx="9821790" cy="4378388"/>
+          </a:xfrm>
+          <a:prstGeom prst="rect">
+            <a:avLst/>
+          </a:prstGeom>
+        </p:spPr>
+      </p:pic>
+    </p:spTree>
+    <p:extLst>
+      <p:ext uri="{BB962C8B-B14F-4D97-AF65-F5344CB8AC3E}">
+        <p14:creationId xmlns:p14="http://schemas.microsoft.com/office/powerpoint/2010/main" val="3500326752"/>
+      </p:ext>
+    </p:extLst>
+  </p:cSld>
+  <p:clrMapOvr>
+    <a:masterClrMapping/>
+  </p:clrMapOvr>
+</p:sld>
+</file>
+
+<file path=ppt/slides/slide11.xml><?xml version="1.0" encoding="utf-8"?>
+<p:sld xmlns:a="http://schemas.openxmlformats.org/drawingml/2006/main" xmlns:r="http://schemas.openxmlformats.org/officeDocument/2006/relationships" xmlns:p="http://schemas.openxmlformats.org/presentationml/2006/main">
+  <p:cSld>
+    <p:spTree>
+      <p:nvGrpSpPr>
+        <p:cNvPr id="1" name=""/>
+        <p:cNvGrpSpPr/>
+        <p:nvPr/>
+      </p:nvGrpSpPr>
+      <p:grpSpPr>
+        <a:xfrm>
+          <a:off x="0" y="0"/>
+          <a:ext cx="0" cy="0"/>
+          <a:chOff x="0" y="0"/>
+          <a:chExt cx="0" cy="0"/>
+        </a:xfrm>
+      </p:grpSpPr>
+      <p:sp>
+        <p:nvSpPr>
+          <p:cNvPr id="2" name="Title 1">
+            <a:extLst>
+              <a:ext uri="{FF2B5EF4-FFF2-40B4-BE49-F238E27FC236}">
+                <a16:creationId xmlns:a16="http://schemas.microsoft.com/office/drawing/2014/main" id="{36402DAA-F9F1-4892-958D-109D4A7BD056}"/>
+              </a:ext>
+            </a:extLst>
+          </p:cNvPr>
+          <p:cNvSpPr>
+            <a:spLocks noGrp="1"/>
+          </p:cNvSpPr>
+          <p:nvPr>
+            <p:ph type="title"/>
+          </p:nvPr>
+        </p:nvSpPr>
+        <p:spPr/>
+        <p:txBody>
+          <a:bodyPr/>
+          <a:lstStyle/>
+          <a:p>
+            <a:r>
+              <a:rPr lang="en-US" dirty="0"/>
+              <a:t>Related areas. Data Science</a:t>
+            </a:r>
+          </a:p>
+        </p:txBody>
+      </p:sp>
+      <p:sp>
+        <p:nvSpPr>
+          <p:cNvPr id="3" name="Content Placeholder 2">
+            <a:extLst>
+              <a:ext uri="{FF2B5EF4-FFF2-40B4-BE49-F238E27FC236}">
+                <a16:creationId xmlns:a16="http://schemas.microsoft.com/office/drawing/2014/main" id="{1E81CD0D-A931-4D24-AFE0-8C80FC6FE49B}"/>
+              </a:ext>
+            </a:extLst>
+          </p:cNvPr>
+          <p:cNvSpPr>
+            <a:spLocks noGrp="1"/>
+          </p:cNvSpPr>
+          <p:nvPr>
+            <p:ph idx="1"/>
+          </p:nvPr>
+        </p:nvSpPr>
+        <p:spPr/>
+        <p:txBody>
+          <a:bodyPr/>
+          <a:lstStyle/>
+          <a:p>
+            <a:r>
+              <a:rPr lang="en-US" dirty="0"/>
+              <a:t>Data manipulation (50 – 80 %)</a:t>
+            </a:r>
+          </a:p>
+          <a:p>
+            <a:r>
+              <a:rPr lang="en-US" dirty="0"/>
+              <a:t>Machine Learning</a:t>
+            </a:r>
+          </a:p>
+          <a:p>
+            <a:r>
+              <a:rPr lang="en-US" dirty="0"/>
+              <a:t>Deep learning</a:t>
+            </a:r>
+          </a:p>
+          <a:p>
+            <a:endParaRPr lang="en-US" dirty="0"/>
+          </a:p>
+        </p:txBody>
+      </p:sp>
+      <p:pic>
+        <p:nvPicPr>
+          <p:cNvPr id="4" name="Picture 4" descr="Image result for data science">
+            <a:extLst>
+              <a:ext uri="{FF2B5EF4-FFF2-40B4-BE49-F238E27FC236}">
+                <a16:creationId xmlns:a16="http://schemas.microsoft.com/office/drawing/2014/main" id="{DD996324-7BDF-4FF1-BB2D-2438CA760BAF}"/>
+              </a:ext>
+            </a:extLst>
+          </p:cNvPr>
+          <p:cNvPicPr>
+            <a:picLocks noChangeAspect="1" noChangeArrowheads="1"/>
+          </p:cNvPicPr>
+          <p:nvPr/>
+        </p:nvPicPr>
+        <p:blipFill>
+          <a:blip r:embed="rId2">
+            <a:extLst>
+              <a:ext uri="{28A0092B-C50C-407E-A947-70E740481C1C}">
+                <a14:useLocalDpi xmlns:a14="http://schemas.microsoft.com/office/drawing/2010/main" val="0"/>
+              </a:ext>
+            </a:extLst>
+          </a:blip>
+          <a:stretch>
+            <a:fillRect/>
+          </a:stretch>
+        </p:blipFill>
+        <p:spPr bwMode="auto">
+          <a:xfrm>
+            <a:off x="5871233" y="1270846"/>
+            <a:ext cx="6156643" cy="5587154"/>
+          </a:xfrm>
+          <a:prstGeom prst="rect">
+            <a:avLst/>
+          </a:prstGeom>
+          <a:noFill/>
+          <a:extLst>
+            <a:ext uri="{909E8E84-426E-40DD-AFC4-6F175D3DCCD1}">
+              <a14:hiddenFill xmlns:a14="http://schemas.microsoft.com/office/drawing/2010/main">
+                <a:solidFill>
+                  <a:srgbClr val="FFFFFF"/>
+                </a:solidFill>
+              </a14:hiddenFill>
+            </a:ext>
+          </a:extLst>
+        </p:spPr>
+      </p:pic>
+      <p:sp>
+        <p:nvSpPr>
+          <p:cNvPr id="5" name="Rectangle 4">
+            <a:extLst>
+              <a:ext uri="{FF2B5EF4-FFF2-40B4-BE49-F238E27FC236}">
+                <a16:creationId xmlns:a16="http://schemas.microsoft.com/office/drawing/2014/main" id="{04A4AC6F-1852-4035-904C-777609F7CB83}"/>
+              </a:ext>
+            </a:extLst>
+          </p:cNvPr>
+          <p:cNvSpPr/>
+          <p:nvPr/>
+        </p:nvSpPr>
+        <p:spPr>
+          <a:xfrm>
+            <a:off x="1026942" y="6488668"/>
+            <a:ext cx="7807569" cy="369332"/>
+          </a:xfrm>
+          <a:prstGeom prst="rect">
+            <a:avLst/>
+          </a:prstGeom>
+        </p:spPr>
+        <p:txBody>
+          <a:bodyPr wrap="square">
+            <a:spAutoFit/>
+          </a:bodyPr>
+          <a:lstStyle/>
+          <a:p>
+            <a:r>
+              <a:rPr lang="en-US" dirty="0">
+                <a:solidFill>
+                  <a:schemeClr val="bg1">
+                    <a:lumMod val="75000"/>
+                  </a:schemeClr>
+                </a:solidFill>
+                <a:hlinkClick r:id="rId3">
+                  <a:extLst>
+                    <a:ext uri="{A12FA001-AC4F-418D-AE19-62706E023703}">
+                      <ahyp:hlinkClr xmlns:ahyp="http://schemas.microsoft.com/office/drawing/2018/hyperlinkcolor" val="tx"/>
+                    </a:ext>
+                  </a:extLst>
+                </a:hlinkClick>
+              </a:rPr>
+              <a:t>http://sitiobigdata.com/2018/08/27/los-tres-nucleos-de-data-science/</a:t>
+            </a:r>
+            <a:endParaRPr lang="en-US" dirty="0">
+              <a:solidFill>
+                <a:schemeClr val="bg1">
+                  <a:lumMod val="75000"/>
+                </a:schemeClr>
+              </a:solidFill>
+            </a:endParaRPr>
+          </a:p>
+        </p:txBody>
+      </p:sp>
+    </p:spTree>
+    <p:extLst>
+      <p:ext uri="{BB962C8B-B14F-4D97-AF65-F5344CB8AC3E}">
+        <p14:creationId xmlns:p14="http://schemas.microsoft.com/office/powerpoint/2010/main" val="3632336806"/>
+      </p:ext>
+    </p:extLst>
+  </p:cSld>
+  <p:clrMapOvr>
+    <a:masterClrMapping/>
+  </p:clrMapOvr>
+</p:sld>
+</file>
+
+<file path=ppt/slides/slide12.xml><?xml version="1.0" encoding="utf-8"?>
+<p:sld xmlns:a="http://schemas.openxmlformats.org/drawingml/2006/main" xmlns:r="http://schemas.openxmlformats.org/officeDocument/2006/relationships" xmlns:p="http://schemas.openxmlformats.org/presentationml/2006/main">
+  <p:cSld>
+    <p:spTree>
+      <p:nvGrpSpPr>
+        <p:cNvPr id="1" name=""/>
+        <p:cNvGrpSpPr/>
+        <p:nvPr/>
+      </p:nvGrpSpPr>
+      <p:grpSpPr>
+        <a:xfrm>
+          <a:off x="0" y="0"/>
+          <a:ext cx="0" cy="0"/>
+          <a:chOff x="0" y="0"/>
+          <a:chExt cx="0" cy="0"/>
+        </a:xfrm>
+      </p:grpSpPr>
+      <p:sp>
+        <p:nvSpPr>
+          <p:cNvPr id="2" name="Title 1">
+            <a:extLst>
+              <a:ext uri="{FF2B5EF4-FFF2-40B4-BE49-F238E27FC236}">
                 <a16:creationId xmlns:a16="http://schemas.microsoft.com/office/drawing/2014/main" id="{B933CCD5-5065-4690-BA0E-DD3059444A9A}"/>
               </a:ext>
             </a:extLst>
@@ -4333,7 +4914,7 @@
 </p:sld>
 </file>
 
-<file path=ppt/slides/slide11.xml><?xml version="1.0" encoding="utf-8"?>
+<file path=ppt/slides/slide13.xml><?xml version="1.0" encoding="utf-8"?>
 <p:sld xmlns:a="http://schemas.openxmlformats.org/drawingml/2006/main" xmlns:r="http://schemas.openxmlformats.org/officeDocument/2006/relationships" xmlns:p="http://schemas.openxmlformats.org/presentationml/2006/main">
   <p:cSld>
     <p:spTree>
@@ -4570,7 +5151,7 @@
 </p:sld>
 </file>
 
-<file path=ppt/slides/slide12.xml><?xml version="1.0" encoding="utf-8"?>
+<file path=ppt/slides/slide14.xml><?xml version="1.0" encoding="utf-8"?>
 <p:sld xmlns:a="http://schemas.openxmlformats.org/drawingml/2006/main" xmlns:r="http://schemas.openxmlformats.org/officeDocument/2006/relationships" xmlns:p="http://schemas.openxmlformats.org/presentationml/2006/main">
   <p:cSld>
     <p:spTree>
@@ -4680,7 +5261,7 @@
 </p:sld>
 </file>
 
-<file path=ppt/slides/slide13.xml><?xml version="1.0" encoding="utf-8"?>
+<file path=ppt/slides/slide15.xml><?xml version="1.0" encoding="utf-8"?>
 <p:sld xmlns:a="http://schemas.openxmlformats.org/drawingml/2006/main" xmlns:r="http://schemas.openxmlformats.org/officeDocument/2006/relationships" xmlns:p="http://schemas.openxmlformats.org/presentationml/2006/main">
   <p:cSld>
     <p:spTree>
@@ -4860,7 +5441,7 @@
 </p:sld>
 </file>
 
-<file path=ppt/slides/slide14.xml><?xml version="1.0" encoding="utf-8"?>
+<file path=ppt/slides/slide16.xml><?xml version="1.0" encoding="utf-8"?>
 <p:sld xmlns:a="http://schemas.openxmlformats.org/drawingml/2006/main" xmlns:r="http://schemas.openxmlformats.org/officeDocument/2006/relationships" xmlns:p="http://schemas.openxmlformats.org/presentationml/2006/main">
   <p:cSld>
     <p:spTree>
@@ -4973,7 +5554,7 @@
 </p:sld>
 </file>
 
-<file path=ppt/slides/slide15.xml><?xml version="1.0" encoding="utf-8"?>
+<file path=ppt/slides/slide17.xml><?xml version="1.0" encoding="utf-8"?>
 <p:sld xmlns:a="http://schemas.openxmlformats.org/drawingml/2006/main" xmlns:r="http://schemas.openxmlformats.org/officeDocument/2006/relationships" xmlns:p="http://schemas.openxmlformats.org/presentationml/2006/main">
   <p:cSld>
     <p:spTree>
@@ -5056,7 +5637,7 @@
 </p:sld>
 </file>
 
-<file path=ppt/slides/slide16.xml><?xml version="1.0" encoding="utf-8"?>
+<file path=ppt/slides/slide18.xml><?xml version="1.0" encoding="utf-8"?>
 <p:sld xmlns:a="http://schemas.openxmlformats.org/drawingml/2006/main" xmlns:r="http://schemas.openxmlformats.org/officeDocument/2006/relationships" xmlns:p="http://schemas.openxmlformats.org/presentationml/2006/main">
   <p:cSld>
     <p:spTree>
@@ -5432,606 +6013,6 @@
 </p:sld>
 </file>
 
-<file path=ppt/slides/slide17.xml><?xml version="1.0" encoding="utf-8"?>
-<p:sld xmlns:a="http://schemas.openxmlformats.org/drawingml/2006/main" xmlns:r="http://schemas.openxmlformats.org/officeDocument/2006/relationships" xmlns:p="http://schemas.openxmlformats.org/presentationml/2006/main">
-  <p:cSld>
-    <p:spTree>
-      <p:nvGrpSpPr>
-        <p:cNvPr id="1" name=""/>
-        <p:cNvGrpSpPr/>
-        <p:nvPr/>
-      </p:nvGrpSpPr>
-      <p:grpSpPr>
-        <a:xfrm>
-          <a:off x="0" y="0"/>
-          <a:ext cx="0" cy="0"/>
-          <a:chOff x="0" y="0"/>
-          <a:chExt cx="0" cy="0"/>
-        </a:xfrm>
-      </p:grpSpPr>
-      <p:sp>
-        <p:nvSpPr>
-          <p:cNvPr id="2" name="Title 1">
-            <a:extLst>
-              <a:ext uri="{FF2B5EF4-FFF2-40B4-BE49-F238E27FC236}">
-                <a16:creationId xmlns:a16="http://schemas.microsoft.com/office/drawing/2014/main" id="{95971411-716D-49AD-BF57-13DBA4151EA5}"/>
-              </a:ext>
-            </a:extLst>
-          </p:cNvPr>
-          <p:cNvSpPr>
-            <a:spLocks noGrp="1"/>
-          </p:cNvSpPr>
-          <p:nvPr>
-            <p:ph type="title"/>
-          </p:nvPr>
-        </p:nvSpPr>
-        <p:spPr/>
-        <p:txBody>
-          <a:bodyPr/>
-          <a:lstStyle/>
-          <a:p>
-            <a:r>
-              <a:rPr lang="en-US" dirty="0"/>
-              <a:t>Concepts review</a:t>
-            </a:r>
-          </a:p>
-        </p:txBody>
-      </p:sp>
-      <p:sp>
-        <p:nvSpPr>
-          <p:cNvPr id="3" name="Content Placeholder 2">
-            <a:extLst>
-              <a:ext uri="{FF2B5EF4-FFF2-40B4-BE49-F238E27FC236}">
-                <a16:creationId xmlns:a16="http://schemas.microsoft.com/office/drawing/2014/main" id="{9412ABE9-F208-48FB-BB9B-D962FA23364D}"/>
-              </a:ext>
-            </a:extLst>
-          </p:cNvPr>
-          <p:cNvSpPr>
-            <a:spLocks noGrp="1"/>
-          </p:cNvSpPr>
-          <p:nvPr>
-            <p:ph idx="1"/>
-          </p:nvPr>
-        </p:nvSpPr>
-        <p:spPr/>
-        <p:txBody>
-          <a:bodyPr/>
-          <a:lstStyle/>
-          <a:p>
-            <a:endParaRPr lang="en-US"/>
-          </a:p>
-        </p:txBody>
-      </p:sp>
-    </p:spTree>
-    <p:extLst>
-      <p:ext uri="{BB962C8B-B14F-4D97-AF65-F5344CB8AC3E}">
-        <p14:creationId xmlns:p14="http://schemas.microsoft.com/office/powerpoint/2010/main" val="3370864377"/>
-      </p:ext>
-    </p:extLst>
-  </p:cSld>
-  <p:clrMapOvr>
-    <a:masterClrMapping/>
-  </p:clrMapOvr>
-</p:sld>
-</file>
-
-<file path=ppt/slides/slide18.xml><?xml version="1.0" encoding="utf-8"?>
-<p:sld xmlns:a="http://schemas.openxmlformats.org/drawingml/2006/main" xmlns:r="http://schemas.openxmlformats.org/officeDocument/2006/relationships" xmlns:p="http://schemas.openxmlformats.org/presentationml/2006/main">
-  <p:cSld>
-    <p:spTree>
-      <p:nvGrpSpPr>
-        <p:cNvPr id="1" name=""/>
-        <p:cNvGrpSpPr/>
-        <p:nvPr/>
-      </p:nvGrpSpPr>
-      <p:grpSpPr>
-        <a:xfrm>
-          <a:off x="0" y="0"/>
-          <a:ext cx="0" cy="0"/>
-          <a:chOff x="0" y="0"/>
-          <a:chExt cx="0" cy="0"/>
-        </a:xfrm>
-      </p:grpSpPr>
-      <p:sp>
-        <p:nvSpPr>
-          <p:cNvPr id="2" name="Title 1">
-            <a:extLst>
-              <a:ext uri="{FF2B5EF4-FFF2-40B4-BE49-F238E27FC236}">
-                <a16:creationId xmlns:a16="http://schemas.microsoft.com/office/drawing/2014/main" id="{6FD93C6E-AF9B-4950-8AAD-4EFE2BA001C5}"/>
-              </a:ext>
-            </a:extLst>
-          </p:cNvPr>
-          <p:cNvSpPr>
-            <a:spLocks noGrp="1"/>
-          </p:cNvSpPr>
-          <p:nvPr>
-            <p:ph type="title"/>
-          </p:nvPr>
-        </p:nvSpPr>
-        <p:spPr/>
-        <p:txBody>
-          <a:bodyPr/>
-          <a:lstStyle/>
-          <a:p>
-            <a:r>
-              <a:rPr lang="es-419" dirty="0"/>
-              <a:t>Software </a:t>
-            </a:r>
-            <a:r>
-              <a:rPr lang="es-419" dirty="0" err="1"/>
-              <a:t>stack</a:t>
-            </a:r>
-            <a:endParaRPr lang="en-US" dirty="0"/>
-          </a:p>
-        </p:txBody>
-      </p:sp>
-      <p:pic>
-        <p:nvPicPr>
-          <p:cNvPr id="1036" name="Picture 12" descr="Image result for jupyter logo">
-            <a:extLst>
-              <a:ext uri="{FF2B5EF4-FFF2-40B4-BE49-F238E27FC236}">
-                <a16:creationId xmlns:a16="http://schemas.microsoft.com/office/drawing/2014/main" id="{8838B425-5057-4B15-AED7-B36D31E88659}"/>
-              </a:ext>
-            </a:extLst>
-          </p:cNvPr>
-          <p:cNvPicPr>
-            <a:picLocks noChangeAspect="1" noChangeArrowheads="1"/>
-          </p:cNvPicPr>
-          <p:nvPr/>
-        </p:nvPicPr>
-        <p:blipFill rotWithShape="1">
-          <a:blip r:embed="rId2">
-            <a:extLst>
-              <a:ext uri="{28A0092B-C50C-407E-A947-70E740481C1C}">
-                <a14:useLocalDpi xmlns:a14="http://schemas.microsoft.com/office/drawing/2010/main" val="0"/>
-              </a:ext>
-            </a:extLst>
-          </a:blip>
-          <a:srcRect l="12774" t="7408" r="57807" b="7936"/>
-          <a:stretch/>
-        </p:blipFill>
-        <p:spPr bwMode="auto">
-          <a:xfrm>
-            <a:off x="5170050" y="3192187"/>
-            <a:ext cx="1961020" cy="2116124"/>
-          </a:xfrm>
-          <a:prstGeom prst="rect">
-            <a:avLst/>
-          </a:prstGeom>
-          <a:noFill/>
-          <a:extLst>
-            <a:ext uri="{909E8E84-426E-40DD-AFC4-6F175D3DCCD1}">
-              <a14:hiddenFill xmlns:a14="http://schemas.microsoft.com/office/drawing/2010/main">
-                <a:solidFill>
-                  <a:srgbClr val="FFFFFF"/>
-                </a:solidFill>
-              </a14:hiddenFill>
-            </a:ext>
-          </a:extLst>
-        </p:spPr>
-      </p:pic>
-      <p:pic>
-        <p:nvPicPr>
-          <p:cNvPr id="1044" name="Picture 20">
-            <a:extLst>
-              <a:ext uri="{FF2B5EF4-FFF2-40B4-BE49-F238E27FC236}">
-                <a16:creationId xmlns:a16="http://schemas.microsoft.com/office/drawing/2014/main" id="{92190897-F738-43EE-A2DA-912D3615E3BD}"/>
-              </a:ext>
-            </a:extLst>
-          </p:cNvPr>
-          <p:cNvPicPr>
-            <a:picLocks noChangeAspect="1" noChangeArrowheads="1"/>
-          </p:cNvPicPr>
-          <p:nvPr/>
-        </p:nvPicPr>
-        <p:blipFill rotWithShape="1">
-          <a:blip r:embed="rId3">
-            <a:extLst>
-              <a:ext uri="{28A0092B-C50C-407E-A947-70E740481C1C}">
-                <a14:useLocalDpi xmlns:a14="http://schemas.microsoft.com/office/drawing/2010/main" val="0"/>
-              </a:ext>
-            </a:extLst>
-          </a:blip>
-          <a:srcRect l="4562" t="16008" b="19477"/>
-          <a:stretch/>
-        </p:blipFill>
-        <p:spPr bwMode="auto">
-          <a:xfrm>
-            <a:off x="7601468" y="2891969"/>
-            <a:ext cx="2571556" cy="1738313"/>
-          </a:xfrm>
-          <a:prstGeom prst="rect">
-            <a:avLst/>
-          </a:prstGeom>
-          <a:noFill/>
-          <a:extLst>
-            <a:ext uri="{909E8E84-426E-40DD-AFC4-6F175D3DCCD1}">
-              <a14:hiddenFill xmlns:a14="http://schemas.microsoft.com/office/drawing/2010/main">
-                <a:solidFill>
-                  <a:srgbClr val="FFFFFF"/>
-                </a:solidFill>
-              </a14:hiddenFill>
-            </a:ext>
-          </a:extLst>
-        </p:spPr>
-      </p:pic>
-      <p:pic>
-        <p:nvPicPr>
-          <p:cNvPr id="1046" name="Picture 22" descr="Image result for python scikit learn logo">
-            <a:extLst>
-              <a:ext uri="{FF2B5EF4-FFF2-40B4-BE49-F238E27FC236}">
-                <a16:creationId xmlns:a16="http://schemas.microsoft.com/office/drawing/2014/main" id="{DE3F0948-A4EA-4356-89E7-D6A1C639E3DC}"/>
-              </a:ext>
-            </a:extLst>
-          </p:cNvPr>
-          <p:cNvPicPr>
-            <a:picLocks noChangeAspect="1" noChangeArrowheads="1"/>
-          </p:cNvPicPr>
-          <p:nvPr/>
-        </p:nvPicPr>
-        <p:blipFill>
-          <a:blip r:embed="rId4">
-            <a:extLst>
-              <a:ext uri="{28A0092B-C50C-407E-A947-70E740481C1C}">
-                <a14:useLocalDpi xmlns:a14="http://schemas.microsoft.com/office/drawing/2010/main" val="0"/>
-              </a:ext>
-            </a:extLst>
-          </a:blip>
-          <a:srcRect/>
-          <a:stretch>
-            <a:fillRect/>
-          </a:stretch>
-        </p:blipFill>
-        <p:spPr bwMode="auto">
-          <a:xfrm>
-            <a:off x="8832010" y="1719690"/>
-            <a:ext cx="2914650" cy="1571625"/>
-          </a:xfrm>
-          <a:prstGeom prst="rect">
-            <a:avLst/>
-          </a:prstGeom>
-          <a:noFill/>
-          <a:extLst>
-            <a:ext uri="{909E8E84-426E-40DD-AFC4-6F175D3DCCD1}">
-              <a14:hiddenFill xmlns:a14="http://schemas.microsoft.com/office/drawing/2010/main">
-                <a:solidFill>
-                  <a:srgbClr val="FFFFFF"/>
-                </a:solidFill>
-              </a14:hiddenFill>
-            </a:ext>
-          </a:extLst>
-        </p:spPr>
-      </p:pic>
-      <p:pic>
-        <p:nvPicPr>
-          <p:cNvPr id="6" name="Graphic 5">
-            <a:extLst>
-              <a:ext uri="{FF2B5EF4-FFF2-40B4-BE49-F238E27FC236}">
-                <a16:creationId xmlns:a16="http://schemas.microsoft.com/office/drawing/2014/main" id="{4D78BF9F-BEB6-4FDB-8F1B-41BBAEAEC6CF}"/>
-              </a:ext>
-            </a:extLst>
-          </p:cNvPr>
-          <p:cNvPicPr>
-            <a:picLocks noChangeAspect="1"/>
-          </p:cNvPicPr>
-          <p:nvPr/>
-        </p:nvPicPr>
-        <p:blipFill>
-          <a:blip r:embed="rId5">
-            <a:extLst>
-              <a:ext uri="{28A0092B-C50C-407E-A947-70E740481C1C}">
-                <a14:useLocalDpi xmlns:a14="http://schemas.microsoft.com/office/drawing/2010/main" val="0"/>
-              </a:ext>
-              <a:ext uri="{96DAC541-7B7A-43D3-8B79-37D633B846F1}">
-                <asvg:svgBlip xmlns:asvg="http://schemas.microsoft.com/office/drawing/2016/SVG/main" r:embed="rId6"/>
-              </a:ext>
-            </a:extLst>
-          </a:blip>
-          <a:stretch>
-            <a:fillRect/>
-          </a:stretch>
-        </p:blipFill>
-        <p:spPr>
-          <a:xfrm>
-            <a:off x="8798738" y="4690975"/>
-            <a:ext cx="3393262" cy="1344170"/>
-          </a:xfrm>
-          <a:prstGeom prst="rect">
-            <a:avLst/>
-          </a:prstGeom>
-        </p:spPr>
-      </p:pic>
-      <p:pic>
-        <p:nvPicPr>
-          <p:cNvPr id="7" name="Picture 34">
-            <a:extLst>
-              <a:ext uri="{FF2B5EF4-FFF2-40B4-BE49-F238E27FC236}">
-                <a16:creationId xmlns:a16="http://schemas.microsoft.com/office/drawing/2014/main" id="{8C71CCE9-492C-4718-97A6-55C88138F868}"/>
-              </a:ext>
-            </a:extLst>
-          </p:cNvPr>
-          <p:cNvPicPr>
-            <a:picLocks noChangeAspect="1" noChangeArrowheads="1"/>
-          </p:cNvPicPr>
-          <p:nvPr/>
-        </p:nvPicPr>
-        <p:blipFill rotWithShape="1">
-          <a:blip r:embed="rId7">
-            <a:extLst>
-              <a:ext uri="{28A0092B-C50C-407E-A947-70E740481C1C}">
-                <a14:useLocalDpi xmlns:a14="http://schemas.microsoft.com/office/drawing/2010/main" val="0"/>
-              </a:ext>
-            </a:extLst>
-          </a:blip>
-          <a:srcRect l="34574" t="9526" r="33183" b="30928"/>
-          <a:stretch/>
-        </p:blipFill>
-        <p:spPr bwMode="auto">
-          <a:xfrm>
-            <a:off x="1396007" y="1722255"/>
-            <a:ext cx="1617784" cy="1493845"/>
-          </a:xfrm>
-          <a:prstGeom prst="rect">
-            <a:avLst/>
-          </a:prstGeom>
-          <a:noFill/>
-          <a:extLst>
-            <a:ext uri="{909E8E84-426E-40DD-AFC4-6F175D3DCCD1}">
-              <a14:hiddenFill xmlns:a14="http://schemas.microsoft.com/office/drawing/2010/main">
-                <a:solidFill>
-                  <a:srgbClr val="FFFFFF"/>
-                </a:solidFill>
-              </a14:hiddenFill>
-            </a:ext>
-          </a:extLst>
-        </p:spPr>
-      </p:pic>
-      <p:pic>
-        <p:nvPicPr>
-          <p:cNvPr id="1056" name="Picture 32" descr="Image result for tensorflow logo">
-            <a:extLst>
-              <a:ext uri="{FF2B5EF4-FFF2-40B4-BE49-F238E27FC236}">
-                <a16:creationId xmlns:a16="http://schemas.microsoft.com/office/drawing/2014/main" id="{7E00372F-01E4-44F9-909E-78A0E9F54B69}"/>
-              </a:ext>
-            </a:extLst>
-          </p:cNvPr>
-          <p:cNvPicPr>
-            <a:picLocks noChangeAspect="1" noChangeArrowheads="1"/>
-          </p:cNvPicPr>
-          <p:nvPr/>
-        </p:nvPicPr>
-        <p:blipFill>
-          <a:blip r:embed="rId8">
-            <a:extLst>
-              <a:ext uri="{28A0092B-C50C-407E-A947-70E740481C1C}">
-                <a14:useLocalDpi xmlns:a14="http://schemas.microsoft.com/office/drawing/2010/main" val="0"/>
-              </a:ext>
-            </a:extLst>
-          </a:blip>
-          <a:srcRect/>
-          <a:stretch>
-            <a:fillRect/>
-          </a:stretch>
-        </p:blipFill>
-        <p:spPr bwMode="auto">
-          <a:xfrm>
-            <a:off x="4220799" y="1921448"/>
-            <a:ext cx="3723462" cy="1083026"/>
-          </a:xfrm>
-          <a:prstGeom prst="rect">
-            <a:avLst/>
-          </a:prstGeom>
-          <a:noFill/>
-          <a:extLst>
-            <a:ext uri="{909E8E84-426E-40DD-AFC4-6F175D3DCCD1}">
-              <a14:hiddenFill xmlns:a14="http://schemas.microsoft.com/office/drawing/2010/main">
-                <a:solidFill>
-                  <a:srgbClr val="FFFFFF"/>
-                </a:solidFill>
-              </a14:hiddenFill>
-            </a:ext>
-          </a:extLst>
-        </p:spPr>
-      </p:pic>
-      <p:pic>
-        <p:nvPicPr>
-          <p:cNvPr id="1040" name="Picture 16">
-            <a:extLst>
-              <a:ext uri="{FF2B5EF4-FFF2-40B4-BE49-F238E27FC236}">
-                <a16:creationId xmlns:a16="http://schemas.microsoft.com/office/drawing/2014/main" id="{D4CDE740-0B55-42DD-926F-372F16DC251D}"/>
-              </a:ext>
-            </a:extLst>
-          </p:cNvPr>
-          <p:cNvPicPr>
-            <a:picLocks noChangeAspect="1" noChangeArrowheads="1"/>
-          </p:cNvPicPr>
-          <p:nvPr/>
-        </p:nvPicPr>
-        <p:blipFill>
-          <a:blip r:embed="rId9">
-            <a:clrChange>
-              <a:clrFrom>
-                <a:srgbClr val="FFFFFF"/>
-              </a:clrFrom>
-              <a:clrTo>
-                <a:srgbClr val="FFFFFF">
-                  <a:alpha val="0"/>
-                </a:srgbClr>
-              </a:clrTo>
-            </a:clrChange>
-            <a:extLst>
-              <a:ext uri="{28A0092B-C50C-407E-A947-70E740481C1C}">
-                <a14:useLocalDpi xmlns:a14="http://schemas.microsoft.com/office/drawing/2010/main" val="0"/>
-              </a:ext>
-            </a:extLst>
-          </a:blip>
-          <a:srcRect/>
-          <a:stretch>
-            <a:fillRect/>
-          </a:stretch>
-        </p:blipFill>
-        <p:spPr bwMode="auto">
-          <a:xfrm>
-            <a:off x="1595647" y="4026818"/>
-            <a:ext cx="3718199" cy="1249008"/>
-          </a:xfrm>
-          <a:prstGeom prst="rect">
-            <a:avLst/>
-          </a:prstGeom>
-          <a:noFill/>
-          <a:extLst>
-            <a:ext uri="{909E8E84-426E-40DD-AFC4-6F175D3DCCD1}">
-              <a14:hiddenFill xmlns:a14="http://schemas.microsoft.com/office/drawing/2010/main">
-                <a:solidFill>
-                  <a:srgbClr val="FFFFFF"/>
-                </a:solidFill>
-              </a14:hiddenFill>
-            </a:ext>
-          </a:extLst>
-        </p:spPr>
-      </p:pic>
-      <p:pic>
-        <p:nvPicPr>
-          <p:cNvPr id="26" name="Picture 34">
-            <a:extLst>
-              <a:ext uri="{FF2B5EF4-FFF2-40B4-BE49-F238E27FC236}">
-                <a16:creationId xmlns:a16="http://schemas.microsoft.com/office/drawing/2014/main" id="{FC08A40F-01BF-4BCC-B28A-F40D102643CF}"/>
-              </a:ext>
-            </a:extLst>
-          </p:cNvPr>
-          <p:cNvPicPr>
-            <a:picLocks noChangeAspect="1" noChangeArrowheads="1"/>
-          </p:cNvPicPr>
-          <p:nvPr/>
-        </p:nvPicPr>
-        <p:blipFill rotWithShape="1">
-          <a:blip r:embed="rId7">
-            <a:extLst>
-              <a:ext uri="{28A0092B-C50C-407E-A947-70E740481C1C}">
-                <a14:useLocalDpi xmlns:a14="http://schemas.microsoft.com/office/drawing/2010/main" val="0"/>
-              </a:ext>
-            </a:extLst>
-          </a:blip>
-          <a:srcRect l="4197" t="68417" r="6182" b="6197"/>
-          <a:stretch/>
-        </p:blipFill>
-        <p:spPr bwMode="auto">
-          <a:xfrm>
-            <a:off x="412307" y="3216100"/>
-            <a:ext cx="4161635" cy="589425"/>
-          </a:xfrm>
-          <a:prstGeom prst="rect">
-            <a:avLst/>
-          </a:prstGeom>
-          <a:noFill/>
-          <a:extLst>
-            <a:ext uri="{909E8E84-426E-40DD-AFC4-6F175D3DCCD1}">
-              <a14:hiddenFill xmlns:a14="http://schemas.microsoft.com/office/drawing/2010/main">
-                <a:solidFill>
-                  <a:srgbClr val="FFFFFF"/>
-                </a:solidFill>
-              </a14:hiddenFill>
-            </a:ext>
-          </a:extLst>
-        </p:spPr>
-      </p:pic>
-      <p:pic>
-        <p:nvPicPr>
-          <p:cNvPr id="1026" name="Picture 2">
-            <a:extLst>
-              <a:ext uri="{FF2B5EF4-FFF2-40B4-BE49-F238E27FC236}">
-                <a16:creationId xmlns:a16="http://schemas.microsoft.com/office/drawing/2014/main" id="{19E6631C-4ADF-427A-9037-213A0D91C735}"/>
-              </a:ext>
-            </a:extLst>
-          </p:cNvPr>
-          <p:cNvPicPr>
-            <a:picLocks noChangeAspect="1" noChangeArrowheads="1"/>
-          </p:cNvPicPr>
-          <p:nvPr/>
-        </p:nvPicPr>
-        <p:blipFill rotWithShape="1">
-          <a:blip r:embed="rId10">
-            <a:extLst>
-              <a:ext uri="{28A0092B-C50C-407E-A947-70E740481C1C}">
-                <a14:useLocalDpi xmlns:a14="http://schemas.microsoft.com/office/drawing/2010/main" val="0"/>
-              </a:ext>
-            </a:extLst>
-          </a:blip>
-          <a:srcRect l="25570" r="27311"/>
-          <a:stretch/>
-        </p:blipFill>
-        <p:spPr bwMode="auto">
-          <a:xfrm>
-            <a:off x="7391149" y="113992"/>
-            <a:ext cx="2276634" cy="2281632"/>
-          </a:xfrm>
-          <a:prstGeom prst="rect">
-            <a:avLst/>
-          </a:prstGeom>
-          <a:noFill/>
-          <a:extLst>
-            <a:ext uri="{909E8E84-426E-40DD-AFC4-6F175D3DCCD1}">
-              <a14:hiddenFill xmlns:a14="http://schemas.microsoft.com/office/drawing/2010/main">
-                <a:solidFill>
-                  <a:srgbClr val="FFFFFF"/>
-                </a:solidFill>
-              </a14:hiddenFill>
-            </a:ext>
-          </a:extLst>
-        </p:spPr>
-      </p:pic>
-      <p:pic>
-        <p:nvPicPr>
-          <p:cNvPr id="5" name="Graphic 4">
-            <a:extLst>
-              <a:ext uri="{FF2B5EF4-FFF2-40B4-BE49-F238E27FC236}">
-                <a16:creationId xmlns:a16="http://schemas.microsoft.com/office/drawing/2014/main" id="{78E60622-0E8B-438C-9958-CBCADD01F1C2}"/>
-              </a:ext>
-            </a:extLst>
-          </p:cNvPr>
-          <p:cNvPicPr>
-            <a:picLocks noChangeAspect="1"/>
-          </p:cNvPicPr>
-          <p:nvPr/>
-        </p:nvPicPr>
-        <p:blipFill>
-          <a:blip r:embed="rId11">
-            <a:extLst>
-              <a:ext uri="{28A0092B-C50C-407E-A947-70E740481C1C}">
-                <a14:useLocalDpi xmlns:a14="http://schemas.microsoft.com/office/drawing/2010/main" val="0"/>
-              </a:ext>
-              <a:ext uri="{96DAC541-7B7A-43D3-8B79-37D633B846F1}">
-                <asvg:svgBlip xmlns:asvg="http://schemas.microsoft.com/office/drawing/2016/SVG/main" r:embed="rId12"/>
-              </a:ext>
-            </a:extLst>
-          </a:blip>
-          <a:stretch>
-            <a:fillRect/>
-          </a:stretch>
-        </p:blipFill>
-        <p:spPr>
-          <a:xfrm>
-            <a:off x="5980711" y="5211823"/>
-            <a:ext cx="2813539" cy="675249"/>
-          </a:xfrm>
-          <a:prstGeom prst="rect">
-            <a:avLst/>
-          </a:prstGeom>
-        </p:spPr>
-      </p:pic>
-    </p:spTree>
-    <p:extLst>
-      <p:ext uri="{BB962C8B-B14F-4D97-AF65-F5344CB8AC3E}">
-        <p14:creationId xmlns:p14="http://schemas.microsoft.com/office/powerpoint/2010/main" val="2028224770"/>
-      </p:ext>
-    </p:extLst>
-  </p:cSld>
-  <p:clrMapOvr>
-    <a:masterClrMapping/>
-  </p:clrMapOvr>
-</p:sld>
-</file>
-
 <file path=ppt/slides/slide19.xml><?xml version="1.0" encoding="utf-8"?>
 <p:sld xmlns:a="http://schemas.openxmlformats.org/drawingml/2006/main" xmlns:r="http://schemas.openxmlformats.org/officeDocument/2006/relationships" xmlns:p="http://schemas.openxmlformats.org/presentationml/2006/main">
   <p:cSld>
@@ -6054,7 +6035,7 @@
           <p:cNvPr id="2" name="Title 1">
             <a:extLst>
               <a:ext uri="{FF2B5EF4-FFF2-40B4-BE49-F238E27FC236}">
-                <a16:creationId xmlns:a16="http://schemas.microsoft.com/office/drawing/2014/main" id="{D4E072E0-2F12-4083-9458-A6529A9E6589}"/>
+                <a16:creationId xmlns:a16="http://schemas.microsoft.com/office/drawing/2014/main" id="{95971411-716D-49AD-BF57-13DBA4151EA5}"/>
               </a:ext>
             </a:extLst>
           </p:cNvPr>
@@ -6072,7 +6053,7 @@
           <a:p>
             <a:r>
               <a:rPr lang="en-US" dirty="0"/>
-              <a:t>See also</a:t>
+              <a:t>Concepts review</a:t>
             </a:r>
           </a:p>
         </p:txBody>
@@ -6082,7 +6063,7 @@
           <p:cNvPr id="3" name="Content Placeholder 2">
             <a:extLst>
               <a:ext uri="{FF2B5EF4-FFF2-40B4-BE49-F238E27FC236}">
-                <a16:creationId xmlns:a16="http://schemas.microsoft.com/office/drawing/2014/main" id="{23B13402-4712-4EE7-B31E-01BE2C3E94F3}"/>
+                <a16:creationId xmlns:a16="http://schemas.microsoft.com/office/drawing/2014/main" id="{9412ABE9-F208-48FB-BB9B-D962FA23364D}"/>
               </a:ext>
             </a:extLst>
           </p:cNvPr>
@@ -6098,53 +6079,14 @@
           <a:bodyPr/>
           <a:lstStyle/>
           <a:p>
-            <a:r>
-              <a:rPr lang="en-US" dirty="0">
-                <a:hlinkClick r:id="rId2"/>
-              </a:rPr>
-              <a:t>YouTube Michael </a:t>
-            </a:r>
-            <a:r>
-              <a:rPr lang="en-US" dirty="0" err="1">
-                <a:hlinkClick r:id="rId2"/>
-              </a:rPr>
-              <a:t>Pyrcz</a:t>
-            </a:r>
-            <a:r>
-              <a:rPr lang="en-US" dirty="0">
-                <a:hlinkClick r:id="rId2"/>
-              </a:rPr>
-              <a:t> 00 Machine Learning: Introduction</a:t>
-            </a:r>
-            <a:endParaRPr lang="en-US" dirty="0"/>
-          </a:p>
-          <a:p>
-            <a:r>
-              <a:rPr lang="en-US" dirty="0">
-                <a:hlinkClick r:id="rId3"/>
-              </a:rPr>
-              <a:t>YouTube Michael </a:t>
-            </a:r>
-            <a:r>
-              <a:rPr lang="en-US" dirty="0" err="1">
-                <a:hlinkClick r:id="rId3"/>
-              </a:rPr>
-              <a:t>Pyrcz</a:t>
-            </a:r>
-            <a:r>
-              <a:rPr lang="en-US" dirty="0">
-                <a:hlinkClick r:id="rId3"/>
-              </a:rPr>
-              <a:t> 06 Machine Learning: Intro to Machine Learning</a:t>
-            </a:r>
-            <a:endParaRPr lang="en-US" dirty="0"/>
+            <a:endParaRPr lang="en-US"/>
           </a:p>
         </p:txBody>
       </p:sp>
     </p:spTree>
     <p:extLst>
       <p:ext uri="{BB962C8B-B14F-4D97-AF65-F5344CB8AC3E}">
-        <p14:creationId xmlns:p14="http://schemas.microsoft.com/office/powerpoint/2010/main" val="1170818166"/>
+        <p14:creationId xmlns:p14="http://schemas.microsoft.com/office/powerpoint/2010/main" val="3370864377"/>
       </p:ext>
     </p:extLst>
   </p:cSld>
@@ -7406,6 +7348,783 @@
           <p:cNvPr id="2" name="Title 1">
             <a:extLst>
               <a:ext uri="{FF2B5EF4-FFF2-40B4-BE49-F238E27FC236}">
+                <a16:creationId xmlns:a16="http://schemas.microsoft.com/office/drawing/2014/main" id="{6FD93C6E-AF9B-4950-8AAD-4EFE2BA001C5}"/>
+              </a:ext>
+            </a:extLst>
+          </p:cNvPr>
+          <p:cNvSpPr>
+            <a:spLocks noGrp="1"/>
+          </p:cNvSpPr>
+          <p:nvPr>
+            <p:ph type="title"/>
+          </p:nvPr>
+        </p:nvSpPr>
+        <p:spPr/>
+        <p:txBody>
+          <a:bodyPr/>
+          <a:lstStyle/>
+          <a:p>
+            <a:r>
+              <a:rPr lang="es-419" dirty="0"/>
+              <a:t>Software </a:t>
+            </a:r>
+            <a:r>
+              <a:rPr lang="es-419" dirty="0" err="1"/>
+              <a:t>stack</a:t>
+            </a:r>
+            <a:endParaRPr lang="en-US" dirty="0"/>
+          </a:p>
+        </p:txBody>
+      </p:sp>
+      <p:pic>
+        <p:nvPicPr>
+          <p:cNvPr id="1036" name="Picture 12" descr="Image result for jupyter logo">
+            <a:extLst>
+              <a:ext uri="{FF2B5EF4-FFF2-40B4-BE49-F238E27FC236}">
+                <a16:creationId xmlns:a16="http://schemas.microsoft.com/office/drawing/2014/main" id="{8838B425-5057-4B15-AED7-B36D31E88659}"/>
+              </a:ext>
+            </a:extLst>
+          </p:cNvPr>
+          <p:cNvPicPr>
+            <a:picLocks noChangeAspect="1" noChangeArrowheads="1"/>
+          </p:cNvPicPr>
+          <p:nvPr/>
+        </p:nvPicPr>
+        <p:blipFill rotWithShape="1">
+          <a:blip r:embed="rId2">
+            <a:extLst>
+              <a:ext uri="{28A0092B-C50C-407E-A947-70E740481C1C}">
+                <a14:useLocalDpi xmlns:a14="http://schemas.microsoft.com/office/drawing/2010/main" val="0"/>
+              </a:ext>
+            </a:extLst>
+          </a:blip>
+          <a:srcRect l="12774" t="7408" r="57807" b="7936"/>
+          <a:stretch/>
+        </p:blipFill>
+        <p:spPr bwMode="auto">
+          <a:xfrm>
+            <a:off x="5170050" y="3192187"/>
+            <a:ext cx="1961020" cy="2116124"/>
+          </a:xfrm>
+          <a:prstGeom prst="rect">
+            <a:avLst/>
+          </a:prstGeom>
+          <a:noFill/>
+          <a:extLst>
+            <a:ext uri="{909E8E84-426E-40DD-AFC4-6F175D3DCCD1}">
+              <a14:hiddenFill xmlns:a14="http://schemas.microsoft.com/office/drawing/2010/main">
+                <a:solidFill>
+                  <a:srgbClr val="FFFFFF"/>
+                </a:solidFill>
+              </a14:hiddenFill>
+            </a:ext>
+          </a:extLst>
+        </p:spPr>
+      </p:pic>
+      <p:pic>
+        <p:nvPicPr>
+          <p:cNvPr id="1044" name="Picture 20">
+            <a:extLst>
+              <a:ext uri="{FF2B5EF4-FFF2-40B4-BE49-F238E27FC236}">
+                <a16:creationId xmlns:a16="http://schemas.microsoft.com/office/drawing/2014/main" id="{92190897-F738-43EE-A2DA-912D3615E3BD}"/>
+              </a:ext>
+            </a:extLst>
+          </p:cNvPr>
+          <p:cNvPicPr>
+            <a:picLocks noChangeAspect="1" noChangeArrowheads="1"/>
+          </p:cNvPicPr>
+          <p:nvPr/>
+        </p:nvPicPr>
+        <p:blipFill rotWithShape="1">
+          <a:blip r:embed="rId3">
+            <a:extLst>
+              <a:ext uri="{28A0092B-C50C-407E-A947-70E740481C1C}">
+                <a14:useLocalDpi xmlns:a14="http://schemas.microsoft.com/office/drawing/2010/main" val="0"/>
+              </a:ext>
+            </a:extLst>
+          </a:blip>
+          <a:srcRect l="4562" t="16008" b="19477"/>
+          <a:stretch/>
+        </p:blipFill>
+        <p:spPr bwMode="auto">
+          <a:xfrm>
+            <a:off x="7601468" y="2891969"/>
+            <a:ext cx="2571556" cy="1738313"/>
+          </a:xfrm>
+          <a:prstGeom prst="rect">
+            <a:avLst/>
+          </a:prstGeom>
+          <a:noFill/>
+          <a:extLst>
+            <a:ext uri="{909E8E84-426E-40DD-AFC4-6F175D3DCCD1}">
+              <a14:hiddenFill xmlns:a14="http://schemas.microsoft.com/office/drawing/2010/main">
+                <a:solidFill>
+                  <a:srgbClr val="FFFFFF"/>
+                </a:solidFill>
+              </a14:hiddenFill>
+            </a:ext>
+          </a:extLst>
+        </p:spPr>
+      </p:pic>
+      <p:pic>
+        <p:nvPicPr>
+          <p:cNvPr id="1046" name="Picture 22" descr="Image result for python scikit learn logo">
+            <a:extLst>
+              <a:ext uri="{FF2B5EF4-FFF2-40B4-BE49-F238E27FC236}">
+                <a16:creationId xmlns:a16="http://schemas.microsoft.com/office/drawing/2014/main" id="{DE3F0948-A4EA-4356-89E7-D6A1C639E3DC}"/>
+              </a:ext>
+            </a:extLst>
+          </p:cNvPr>
+          <p:cNvPicPr>
+            <a:picLocks noChangeAspect="1" noChangeArrowheads="1"/>
+          </p:cNvPicPr>
+          <p:nvPr/>
+        </p:nvPicPr>
+        <p:blipFill>
+          <a:blip r:embed="rId4">
+            <a:extLst>
+              <a:ext uri="{28A0092B-C50C-407E-A947-70E740481C1C}">
+                <a14:useLocalDpi xmlns:a14="http://schemas.microsoft.com/office/drawing/2010/main" val="0"/>
+              </a:ext>
+            </a:extLst>
+          </a:blip>
+          <a:srcRect/>
+          <a:stretch>
+            <a:fillRect/>
+          </a:stretch>
+        </p:blipFill>
+        <p:spPr bwMode="auto">
+          <a:xfrm>
+            <a:off x="8832010" y="1719690"/>
+            <a:ext cx="2914650" cy="1571625"/>
+          </a:xfrm>
+          <a:prstGeom prst="rect">
+            <a:avLst/>
+          </a:prstGeom>
+          <a:noFill/>
+          <a:extLst>
+            <a:ext uri="{909E8E84-426E-40DD-AFC4-6F175D3DCCD1}">
+              <a14:hiddenFill xmlns:a14="http://schemas.microsoft.com/office/drawing/2010/main">
+                <a:solidFill>
+                  <a:srgbClr val="FFFFFF"/>
+                </a:solidFill>
+              </a14:hiddenFill>
+            </a:ext>
+          </a:extLst>
+        </p:spPr>
+      </p:pic>
+      <p:pic>
+        <p:nvPicPr>
+          <p:cNvPr id="6" name="Graphic 5">
+            <a:extLst>
+              <a:ext uri="{FF2B5EF4-FFF2-40B4-BE49-F238E27FC236}">
+                <a16:creationId xmlns:a16="http://schemas.microsoft.com/office/drawing/2014/main" id="{4D78BF9F-BEB6-4FDB-8F1B-41BBAEAEC6CF}"/>
+              </a:ext>
+            </a:extLst>
+          </p:cNvPr>
+          <p:cNvPicPr>
+            <a:picLocks noChangeAspect="1"/>
+          </p:cNvPicPr>
+          <p:nvPr/>
+        </p:nvPicPr>
+        <p:blipFill>
+          <a:blip r:embed="rId5">
+            <a:extLst>
+              <a:ext uri="{28A0092B-C50C-407E-A947-70E740481C1C}">
+                <a14:useLocalDpi xmlns:a14="http://schemas.microsoft.com/office/drawing/2010/main" val="0"/>
+              </a:ext>
+              <a:ext uri="{96DAC541-7B7A-43D3-8B79-37D633B846F1}">
+                <asvg:svgBlip xmlns:asvg="http://schemas.microsoft.com/office/drawing/2016/SVG/main" r:embed="rId6"/>
+              </a:ext>
+            </a:extLst>
+          </a:blip>
+          <a:stretch>
+            <a:fillRect/>
+          </a:stretch>
+        </p:blipFill>
+        <p:spPr>
+          <a:xfrm>
+            <a:off x="8798738" y="4690975"/>
+            <a:ext cx="3393262" cy="1344170"/>
+          </a:xfrm>
+          <a:prstGeom prst="rect">
+            <a:avLst/>
+          </a:prstGeom>
+        </p:spPr>
+      </p:pic>
+      <p:pic>
+        <p:nvPicPr>
+          <p:cNvPr id="7" name="Picture 34">
+            <a:extLst>
+              <a:ext uri="{FF2B5EF4-FFF2-40B4-BE49-F238E27FC236}">
+                <a16:creationId xmlns:a16="http://schemas.microsoft.com/office/drawing/2014/main" id="{8C71CCE9-492C-4718-97A6-55C88138F868}"/>
+              </a:ext>
+            </a:extLst>
+          </p:cNvPr>
+          <p:cNvPicPr>
+            <a:picLocks noChangeAspect="1" noChangeArrowheads="1"/>
+          </p:cNvPicPr>
+          <p:nvPr/>
+        </p:nvPicPr>
+        <p:blipFill rotWithShape="1">
+          <a:blip r:embed="rId7">
+            <a:extLst>
+              <a:ext uri="{28A0092B-C50C-407E-A947-70E740481C1C}">
+                <a14:useLocalDpi xmlns:a14="http://schemas.microsoft.com/office/drawing/2010/main" val="0"/>
+              </a:ext>
+            </a:extLst>
+          </a:blip>
+          <a:srcRect l="34574" t="9526" r="33183" b="30928"/>
+          <a:stretch/>
+        </p:blipFill>
+        <p:spPr bwMode="auto">
+          <a:xfrm>
+            <a:off x="1396007" y="1722255"/>
+            <a:ext cx="1617784" cy="1493845"/>
+          </a:xfrm>
+          <a:prstGeom prst="rect">
+            <a:avLst/>
+          </a:prstGeom>
+          <a:noFill/>
+          <a:extLst>
+            <a:ext uri="{909E8E84-426E-40DD-AFC4-6F175D3DCCD1}">
+              <a14:hiddenFill xmlns:a14="http://schemas.microsoft.com/office/drawing/2010/main">
+                <a:solidFill>
+                  <a:srgbClr val="FFFFFF"/>
+                </a:solidFill>
+              </a14:hiddenFill>
+            </a:ext>
+          </a:extLst>
+        </p:spPr>
+      </p:pic>
+      <p:pic>
+        <p:nvPicPr>
+          <p:cNvPr id="1056" name="Picture 32" descr="Image result for tensorflow logo">
+            <a:extLst>
+              <a:ext uri="{FF2B5EF4-FFF2-40B4-BE49-F238E27FC236}">
+                <a16:creationId xmlns:a16="http://schemas.microsoft.com/office/drawing/2014/main" id="{7E00372F-01E4-44F9-909E-78A0E9F54B69}"/>
+              </a:ext>
+            </a:extLst>
+          </p:cNvPr>
+          <p:cNvPicPr>
+            <a:picLocks noChangeAspect="1" noChangeArrowheads="1"/>
+          </p:cNvPicPr>
+          <p:nvPr/>
+        </p:nvPicPr>
+        <p:blipFill>
+          <a:blip r:embed="rId8">
+            <a:extLst>
+              <a:ext uri="{28A0092B-C50C-407E-A947-70E740481C1C}">
+                <a14:useLocalDpi xmlns:a14="http://schemas.microsoft.com/office/drawing/2010/main" val="0"/>
+              </a:ext>
+            </a:extLst>
+          </a:blip>
+          <a:srcRect/>
+          <a:stretch>
+            <a:fillRect/>
+          </a:stretch>
+        </p:blipFill>
+        <p:spPr bwMode="auto">
+          <a:xfrm>
+            <a:off x="4220799" y="1921448"/>
+            <a:ext cx="3723462" cy="1083026"/>
+          </a:xfrm>
+          <a:prstGeom prst="rect">
+            <a:avLst/>
+          </a:prstGeom>
+          <a:noFill/>
+          <a:extLst>
+            <a:ext uri="{909E8E84-426E-40DD-AFC4-6F175D3DCCD1}">
+              <a14:hiddenFill xmlns:a14="http://schemas.microsoft.com/office/drawing/2010/main">
+                <a:solidFill>
+                  <a:srgbClr val="FFFFFF"/>
+                </a:solidFill>
+              </a14:hiddenFill>
+            </a:ext>
+          </a:extLst>
+        </p:spPr>
+      </p:pic>
+      <p:pic>
+        <p:nvPicPr>
+          <p:cNvPr id="1040" name="Picture 16">
+            <a:extLst>
+              <a:ext uri="{FF2B5EF4-FFF2-40B4-BE49-F238E27FC236}">
+                <a16:creationId xmlns:a16="http://schemas.microsoft.com/office/drawing/2014/main" id="{D4CDE740-0B55-42DD-926F-372F16DC251D}"/>
+              </a:ext>
+            </a:extLst>
+          </p:cNvPr>
+          <p:cNvPicPr>
+            <a:picLocks noChangeAspect="1" noChangeArrowheads="1"/>
+          </p:cNvPicPr>
+          <p:nvPr/>
+        </p:nvPicPr>
+        <p:blipFill>
+          <a:blip r:embed="rId9">
+            <a:clrChange>
+              <a:clrFrom>
+                <a:srgbClr val="FFFFFF"/>
+              </a:clrFrom>
+              <a:clrTo>
+                <a:srgbClr val="FFFFFF">
+                  <a:alpha val="0"/>
+                </a:srgbClr>
+              </a:clrTo>
+            </a:clrChange>
+            <a:extLst>
+              <a:ext uri="{28A0092B-C50C-407E-A947-70E740481C1C}">
+                <a14:useLocalDpi xmlns:a14="http://schemas.microsoft.com/office/drawing/2010/main" val="0"/>
+              </a:ext>
+            </a:extLst>
+          </a:blip>
+          <a:srcRect/>
+          <a:stretch>
+            <a:fillRect/>
+          </a:stretch>
+        </p:blipFill>
+        <p:spPr bwMode="auto">
+          <a:xfrm>
+            <a:off x="1595647" y="4026818"/>
+            <a:ext cx="3718199" cy="1249008"/>
+          </a:xfrm>
+          <a:prstGeom prst="rect">
+            <a:avLst/>
+          </a:prstGeom>
+          <a:noFill/>
+          <a:extLst>
+            <a:ext uri="{909E8E84-426E-40DD-AFC4-6F175D3DCCD1}">
+              <a14:hiddenFill xmlns:a14="http://schemas.microsoft.com/office/drawing/2010/main">
+                <a:solidFill>
+                  <a:srgbClr val="FFFFFF"/>
+                </a:solidFill>
+              </a14:hiddenFill>
+            </a:ext>
+          </a:extLst>
+        </p:spPr>
+      </p:pic>
+      <p:pic>
+        <p:nvPicPr>
+          <p:cNvPr id="26" name="Picture 34">
+            <a:extLst>
+              <a:ext uri="{FF2B5EF4-FFF2-40B4-BE49-F238E27FC236}">
+                <a16:creationId xmlns:a16="http://schemas.microsoft.com/office/drawing/2014/main" id="{FC08A40F-01BF-4BCC-B28A-F40D102643CF}"/>
+              </a:ext>
+            </a:extLst>
+          </p:cNvPr>
+          <p:cNvPicPr>
+            <a:picLocks noChangeAspect="1" noChangeArrowheads="1"/>
+          </p:cNvPicPr>
+          <p:nvPr/>
+        </p:nvPicPr>
+        <p:blipFill rotWithShape="1">
+          <a:blip r:embed="rId7">
+            <a:extLst>
+              <a:ext uri="{28A0092B-C50C-407E-A947-70E740481C1C}">
+                <a14:useLocalDpi xmlns:a14="http://schemas.microsoft.com/office/drawing/2010/main" val="0"/>
+              </a:ext>
+            </a:extLst>
+          </a:blip>
+          <a:srcRect l="4197" t="68417" r="6182" b="6197"/>
+          <a:stretch/>
+        </p:blipFill>
+        <p:spPr bwMode="auto">
+          <a:xfrm>
+            <a:off x="412307" y="3216100"/>
+            <a:ext cx="4161635" cy="589425"/>
+          </a:xfrm>
+          <a:prstGeom prst="rect">
+            <a:avLst/>
+          </a:prstGeom>
+          <a:noFill/>
+          <a:extLst>
+            <a:ext uri="{909E8E84-426E-40DD-AFC4-6F175D3DCCD1}">
+              <a14:hiddenFill xmlns:a14="http://schemas.microsoft.com/office/drawing/2010/main">
+                <a:solidFill>
+                  <a:srgbClr val="FFFFFF"/>
+                </a:solidFill>
+              </a14:hiddenFill>
+            </a:ext>
+          </a:extLst>
+        </p:spPr>
+      </p:pic>
+      <p:pic>
+        <p:nvPicPr>
+          <p:cNvPr id="1026" name="Picture 2">
+            <a:extLst>
+              <a:ext uri="{FF2B5EF4-FFF2-40B4-BE49-F238E27FC236}">
+                <a16:creationId xmlns:a16="http://schemas.microsoft.com/office/drawing/2014/main" id="{19E6631C-4ADF-427A-9037-213A0D91C735}"/>
+              </a:ext>
+            </a:extLst>
+          </p:cNvPr>
+          <p:cNvPicPr>
+            <a:picLocks noChangeAspect="1" noChangeArrowheads="1"/>
+          </p:cNvPicPr>
+          <p:nvPr/>
+        </p:nvPicPr>
+        <p:blipFill rotWithShape="1">
+          <a:blip r:embed="rId10">
+            <a:extLst>
+              <a:ext uri="{28A0092B-C50C-407E-A947-70E740481C1C}">
+                <a14:useLocalDpi xmlns:a14="http://schemas.microsoft.com/office/drawing/2010/main" val="0"/>
+              </a:ext>
+            </a:extLst>
+          </a:blip>
+          <a:srcRect l="25570" r="27311"/>
+          <a:stretch/>
+        </p:blipFill>
+        <p:spPr bwMode="auto">
+          <a:xfrm>
+            <a:off x="7391149" y="113992"/>
+            <a:ext cx="2276634" cy="2281632"/>
+          </a:xfrm>
+          <a:prstGeom prst="rect">
+            <a:avLst/>
+          </a:prstGeom>
+          <a:noFill/>
+          <a:extLst>
+            <a:ext uri="{909E8E84-426E-40DD-AFC4-6F175D3DCCD1}">
+              <a14:hiddenFill xmlns:a14="http://schemas.microsoft.com/office/drawing/2010/main">
+                <a:solidFill>
+                  <a:srgbClr val="FFFFFF"/>
+                </a:solidFill>
+              </a14:hiddenFill>
+            </a:ext>
+          </a:extLst>
+        </p:spPr>
+      </p:pic>
+      <p:pic>
+        <p:nvPicPr>
+          <p:cNvPr id="5" name="Graphic 4">
+            <a:extLst>
+              <a:ext uri="{FF2B5EF4-FFF2-40B4-BE49-F238E27FC236}">
+                <a16:creationId xmlns:a16="http://schemas.microsoft.com/office/drawing/2014/main" id="{78E60622-0E8B-438C-9958-CBCADD01F1C2}"/>
+              </a:ext>
+            </a:extLst>
+          </p:cNvPr>
+          <p:cNvPicPr>
+            <a:picLocks noChangeAspect="1"/>
+          </p:cNvPicPr>
+          <p:nvPr/>
+        </p:nvPicPr>
+        <p:blipFill>
+          <a:blip r:embed="rId11">
+            <a:extLst>
+              <a:ext uri="{28A0092B-C50C-407E-A947-70E740481C1C}">
+                <a14:useLocalDpi xmlns:a14="http://schemas.microsoft.com/office/drawing/2010/main" val="0"/>
+              </a:ext>
+              <a:ext uri="{96DAC541-7B7A-43D3-8B79-37D633B846F1}">
+                <asvg:svgBlip xmlns:asvg="http://schemas.microsoft.com/office/drawing/2016/SVG/main" r:embed="rId12"/>
+              </a:ext>
+            </a:extLst>
+          </a:blip>
+          <a:stretch>
+            <a:fillRect/>
+          </a:stretch>
+        </p:blipFill>
+        <p:spPr>
+          <a:xfrm>
+            <a:off x="5980711" y="5211823"/>
+            <a:ext cx="2813539" cy="675249"/>
+          </a:xfrm>
+          <a:prstGeom prst="rect">
+            <a:avLst/>
+          </a:prstGeom>
+        </p:spPr>
+      </p:pic>
+      <p:pic>
+        <p:nvPicPr>
+          <p:cNvPr id="13" name="Picture 12" descr="Image result for github">
+            <a:extLst>
+              <a:ext uri="{FF2B5EF4-FFF2-40B4-BE49-F238E27FC236}">
+                <a16:creationId xmlns:a16="http://schemas.microsoft.com/office/drawing/2014/main" id="{01F4C453-9B20-48ED-ABD6-7BC44D9396A3}"/>
+              </a:ext>
+            </a:extLst>
+          </p:cNvPr>
+          <p:cNvPicPr>
+            <a:picLocks noChangeAspect="1" noChangeArrowheads="1"/>
+          </p:cNvPicPr>
+          <p:nvPr/>
+        </p:nvPicPr>
+        <p:blipFill>
+          <a:blip r:embed="rId13">
+            <a:extLst>
+              <a:ext uri="{28A0092B-C50C-407E-A947-70E740481C1C}">
+                <a14:useLocalDpi xmlns:a14="http://schemas.microsoft.com/office/drawing/2010/main" val="0"/>
+              </a:ext>
+            </a:extLst>
+          </a:blip>
+          <a:stretch>
+            <a:fillRect/>
+          </a:stretch>
+        </p:blipFill>
+        <p:spPr bwMode="auto">
+          <a:xfrm>
+            <a:off x="928782" y="5211823"/>
+            <a:ext cx="2754569" cy="1542558"/>
+          </a:xfrm>
+          <a:prstGeom prst="rect">
+            <a:avLst/>
+          </a:prstGeom>
+          <a:noFill/>
+          <a:extLst>
+            <a:ext uri="{909E8E84-426E-40DD-AFC4-6F175D3DCCD1}">
+              <a14:hiddenFill xmlns:a14="http://schemas.microsoft.com/office/drawing/2010/main">
+                <a:solidFill>
+                  <a:srgbClr val="FFFFFF"/>
+                </a:solidFill>
+              </a14:hiddenFill>
+            </a:ext>
+          </a:extLst>
+        </p:spPr>
+      </p:pic>
+      <p:pic>
+        <p:nvPicPr>
+          <p:cNvPr id="14" name="Picture 14" descr="Image result for tensorflow">
+            <a:extLst>
+              <a:ext uri="{FF2B5EF4-FFF2-40B4-BE49-F238E27FC236}">
+                <a16:creationId xmlns:a16="http://schemas.microsoft.com/office/drawing/2014/main" id="{C50F92B8-E261-4133-95E1-C3C47C43C453}"/>
+              </a:ext>
+            </a:extLst>
+          </p:cNvPr>
+          <p:cNvPicPr>
+            <a:picLocks noChangeAspect="1" noChangeArrowheads="1"/>
+          </p:cNvPicPr>
+          <p:nvPr/>
+        </p:nvPicPr>
+        <p:blipFill>
+          <a:blip r:embed="rId14">
+            <a:extLst>
+              <a:ext uri="{28A0092B-C50C-407E-A947-70E740481C1C}">
+                <a14:useLocalDpi xmlns:a14="http://schemas.microsoft.com/office/drawing/2010/main" val="0"/>
+              </a:ext>
+            </a:extLst>
+          </a:blip>
+          <a:stretch>
+            <a:fillRect/>
+          </a:stretch>
+        </p:blipFill>
+        <p:spPr bwMode="auto">
+          <a:xfrm>
+            <a:off x="4951394" y="368896"/>
+            <a:ext cx="2110556" cy="1404479"/>
+          </a:xfrm>
+          <a:prstGeom prst="rect">
+            <a:avLst/>
+          </a:prstGeom>
+          <a:noFill/>
+          <a:extLst>
+            <a:ext uri="{909E8E84-426E-40DD-AFC4-6F175D3DCCD1}">
+              <a14:hiddenFill xmlns:a14="http://schemas.microsoft.com/office/drawing/2010/main">
+                <a:solidFill>
+                  <a:srgbClr val="FFFFFF"/>
+                </a:solidFill>
+              </a14:hiddenFill>
+            </a:ext>
+          </a:extLst>
+        </p:spPr>
+      </p:pic>
+      <p:pic>
+        <p:nvPicPr>
+          <p:cNvPr id="15" name="Picture 4" descr="Image result for python 3">
+            <a:extLst>
+              <a:ext uri="{FF2B5EF4-FFF2-40B4-BE49-F238E27FC236}">
+                <a16:creationId xmlns:a16="http://schemas.microsoft.com/office/drawing/2014/main" id="{9525EAD9-6422-4B1E-8212-B608ACD23554}"/>
+              </a:ext>
+            </a:extLst>
+          </p:cNvPr>
+          <p:cNvPicPr>
+            <a:picLocks noChangeAspect="1" noChangeArrowheads="1"/>
+          </p:cNvPicPr>
+          <p:nvPr/>
+        </p:nvPicPr>
+        <p:blipFill>
+          <a:blip r:embed="rId15">
+            <a:extLst>
+              <a:ext uri="{28A0092B-C50C-407E-A947-70E740481C1C}">
+                <a14:useLocalDpi xmlns:a14="http://schemas.microsoft.com/office/drawing/2010/main" val="0"/>
+              </a:ext>
+            </a:extLst>
+          </a:blip>
+          <a:stretch>
+            <a:fillRect/>
+          </a:stretch>
+        </p:blipFill>
+        <p:spPr bwMode="auto">
+          <a:xfrm>
+            <a:off x="9098954" y="211062"/>
+            <a:ext cx="1796055" cy="1650222"/>
+          </a:xfrm>
+          <a:prstGeom prst="rect">
+            <a:avLst/>
+          </a:prstGeom>
+          <a:noFill/>
+          <a:extLst>
+            <a:ext uri="{909E8E84-426E-40DD-AFC4-6F175D3DCCD1}">
+              <a14:hiddenFill xmlns:a14="http://schemas.microsoft.com/office/drawing/2010/main">
+                <a:solidFill>
+                  <a:srgbClr val="FFFFFF"/>
+                </a:solidFill>
+              </a14:hiddenFill>
+            </a:ext>
+          </a:extLst>
+        </p:spPr>
+      </p:pic>
+    </p:spTree>
+    <p:extLst>
+      <p:ext uri="{BB962C8B-B14F-4D97-AF65-F5344CB8AC3E}">
+        <p14:creationId xmlns:p14="http://schemas.microsoft.com/office/powerpoint/2010/main" val="2028224770"/>
+      </p:ext>
+    </p:extLst>
+  </p:cSld>
+  <p:clrMapOvr>
+    <a:masterClrMapping/>
+  </p:clrMapOvr>
+</p:sld>
+</file>
+
+<file path=ppt/slides/slide21.xml><?xml version="1.0" encoding="utf-8"?>
+<p:sld xmlns:a="http://schemas.openxmlformats.org/drawingml/2006/main" xmlns:r="http://schemas.openxmlformats.org/officeDocument/2006/relationships" xmlns:p="http://schemas.openxmlformats.org/presentationml/2006/main">
+  <p:cSld>
+    <p:spTree>
+      <p:nvGrpSpPr>
+        <p:cNvPr id="1" name=""/>
+        <p:cNvGrpSpPr/>
+        <p:nvPr/>
+      </p:nvGrpSpPr>
+      <p:grpSpPr>
+        <a:xfrm>
+          <a:off x="0" y="0"/>
+          <a:ext cx="0" cy="0"/>
+          <a:chOff x="0" y="0"/>
+          <a:chExt cx="0" cy="0"/>
+        </a:xfrm>
+      </p:grpSpPr>
+      <p:sp>
+        <p:nvSpPr>
+          <p:cNvPr id="2" name="Title 1">
+            <a:extLst>
+              <a:ext uri="{FF2B5EF4-FFF2-40B4-BE49-F238E27FC236}">
+                <a16:creationId xmlns:a16="http://schemas.microsoft.com/office/drawing/2014/main" id="{D4E072E0-2F12-4083-9458-A6529A9E6589}"/>
+              </a:ext>
+            </a:extLst>
+          </p:cNvPr>
+          <p:cNvSpPr>
+            <a:spLocks noGrp="1"/>
+          </p:cNvSpPr>
+          <p:nvPr>
+            <p:ph type="title"/>
+          </p:nvPr>
+        </p:nvSpPr>
+        <p:spPr/>
+        <p:txBody>
+          <a:bodyPr/>
+          <a:lstStyle/>
+          <a:p>
+            <a:r>
+              <a:rPr lang="en-US" dirty="0"/>
+              <a:t>See also</a:t>
+            </a:r>
+          </a:p>
+        </p:txBody>
+      </p:sp>
+      <p:sp>
+        <p:nvSpPr>
+          <p:cNvPr id="3" name="Content Placeholder 2">
+            <a:extLst>
+              <a:ext uri="{FF2B5EF4-FFF2-40B4-BE49-F238E27FC236}">
+                <a16:creationId xmlns:a16="http://schemas.microsoft.com/office/drawing/2014/main" id="{23B13402-4712-4EE7-B31E-01BE2C3E94F3}"/>
+              </a:ext>
+            </a:extLst>
+          </p:cNvPr>
+          <p:cNvSpPr>
+            <a:spLocks noGrp="1"/>
+          </p:cNvSpPr>
+          <p:nvPr>
+            <p:ph idx="1"/>
+          </p:nvPr>
+        </p:nvSpPr>
+        <p:spPr/>
+        <p:txBody>
+          <a:bodyPr/>
+          <a:lstStyle/>
+          <a:p>
+            <a:r>
+              <a:rPr lang="en-US" dirty="0">
+                <a:hlinkClick r:id="rId2"/>
+              </a:rPr>
+              <a:t>YouTube Michael </a:t>
+            </a:r>
+            <a:r>
+              <a:rPr lang="en-US" dirty="0" err="1">
+                <a:hlinkClick r:id="rId2"/>
+              </a:rPr>
+              <a:t>Pyrcz</a:t>
+            </a:r>
+            <a:r>
+              <a:rPr lang="en-US" dirty="0">
+                <a:hlinkClick r:id="rId2"/>
+              </a:rPr>
+              <a:t> 00 Machine Learning: Introduction</a:t>
+            </a:r>
+            <a:endParaRPr lang="en-US" dirty="0"/>
+          </a:p>
+          <a:p>
+            <a:r>
+              <a:rPr lang="en-US" dirty="0">
+                <a:hlinkClick r:id="rId3"/>
+              </a:rPr>
+              <a:t>YouTube Michael </a:t>
+            </a:r>
+            <a:r>
+              <a:rPr lang="en-US" dirty="0" err="1">
+                <a:hlinkClick r:id="rId3"/>
+              </a:rPr>
+              <a:t>Pyrcz</a:t>
+            </a:r>
+            <a:r>
+              <a:rPr lang="en-US" dirty="0">
+                <a:hlinkClick r:id="rId3"/>
+              </a:rPr>
+              <a:t> 06 Machine Learning: Intro to Machine Learning</a:t>
+            </a:r>
+            <a:endParaRPr lang="en-US" dirty="0"/>
+          </a:p>
+        </p:txBody>
+      </p:sp>
+    </p:spTree>
+    <p:extLst>
+      <p:ext uri="{BB962C8B-B14F-4D97-AF65-F5344CB8AC3E}">
+        <p14:creationId xmlns:p14="http://schemas.microsoft.com/office/powerpoint/2010/main" val="1170818166"/>
+      </p:ext>
+    </p:extLst>
+  </p:cSld>
+  <p:clrMapOvr>
+    <a:masterClrMapping/>
+  </p:clrMapOvr>
+</p:sld>
+</file>
+
+<file path=ppt/slides/slide22.xml><?xml version="1.0" encoding="utf-8"?>
+<p:sld xmlns:a="http://schemas.openxmlformats.org/drawingml/2006/main" xmlns:r="http://schemas.openxmlformats.org/officeDocument/2006/relationships" xmlns:p="http://schemas.openxmlformats.org/presentationml/2006/main">
+  <p:cSld>
+    <p:spTree>
+      <p:nvGrpSpPr>
+        <p:cNvPr id="1" name=""/>
+        <p:cNvGrpSpPr/>
+        <p:nvPr/>
+      </p:nvGrpSpPr>
+      <p:grpSpPr>
+        <a:xfrm>
+          <a:off x="0" y="0"/>
+          <a:ext cx="0" cy="0"/>
+          <a:chOff x="0" y="0"/>
+          <a:chExt cx="0" cy="0"/>
+        </a:xfrm>
+      </p:grpSpPr>
+      <p:sp>
+        <p:nvSpPr>
+          <p:cNvPr id="2" name="Title 1">
+            <a:extLst>
+              <a:ext uri="{FF2B5EF4-FFF2-40B4-BE49-F238E27FC236}">
                 <a16:creationId xmlns:a16="http://schemas.microsoft.com/office/drawing/2014/main" id="{8E418A5A-7AEC-4CB5-9E93-81BFA17F6477}"/>
               </a:ext>
             </a:extLst>
@@ -7602,6 +8321,192 @@
 </file>
 
 <file path=ppt/slides/slide3.xml><?xml version="1.0" encoding="utf-8"?>
+<p:sld xmlns:a="http://schemas.openxmlformats.org/drawingml/2006/main" xmlns:r="http://schemas.openxmlformats.org/officeDocument/2006/relationships" xmlns:p="http://schemas.openxmlformats.org/presentationml/2006/main" show="0">
+  <p:cSld>
+    <p:spTree>
+      <p:nvGrpSpPr>
+        <p:cNvPr id="1" name=""/>
+        <p:cNvGrpSpPr/>
+        <p:nvPr/>
+      </p:nvGrpSpPr>
+      <p:grpSpPr>
+        <a:xfrm>
+          <a:off x="0" y="0"/>
+          <a:ext cx="0" cy="0"/>
+          <a:chOff x="0" y="0"/>
+          <a:chExt cx="0" cy="0"/>
+        </a:xfrm>
+      </p:grpSpPr>
+      <p:sp>
+        <p:nvSpPr>
+          <p:cNvPr id="2" name="Title 1">
+            <a:extLst>
+              <a:ext uri="{FF2B5EF4-FFF2-40B4-BE49-F238E27FC236}">
+                <a16:creationId xmlns:a16="http://schemas.microsoft.com/office/drawing/2014/main" id="{67BB3F2D-40F9-401D-9834-87FCC796A034}"/>
+              </a:ext>
+            </a:extLst>
+          </p:cNvPr>
+          <p:cNvSpPr>
+            <a:spLocks noGrp="1"/>
+          </p:cNvSpPr>
+          <p:nvPr>
+            <p:ph type="title"/>
+          </p:nvPr>
+        </p:nvSpPr>
+        <p:spPr/>
+        <p:txBody>
+          <a:bodyPr/>
+          <a:lstStyle/>
+          <a:p>
+            <a:endParaRPr lang="en-US"/>
+          </a:p>
+        </p:txBody>
+      </p:sp>
+      <p:pic>
+        <p:nvPicPr>
+          <p:cNvPr id="9" name="Content Placeholder 8">
+            <a:extLst>
+              <a:ext uri="{FF2B5EF4-FFF2-40B4-BE49-F238E27FC236}">
+                <a16:creationId xmlns:a16="http://schemas.microsoft.com/office/drawing/2014/main" id="{B4B3A007-2C2E-4F1F-A8BE-5071F3EED0DE}"/>
+              </a:ext>
+            </a:extLst>
+          </p:cNvPr>
+          <p:cNvPicPr>
+            <a:picLocks noGrp="1" noChangeAspect="1"/>
+          </p:cNvPicPr>
+          <p:nvPr>
+            <p:ph idx="1"/>
+          </p:nvPr>
+        </p:nvPicPr>
+        <p:blipFill>
+          <a:blip r:embed="rId3">
+            <a:extLst>
+              <a:ext uri="{28A0092B-C50C-407E-A947-70E740481C1C}">
+                <a14:useLocalDpi xmlns:a14="http://schemas.microsoft.com/office/drawing/2010/main" val="0"/>
+              </a:ext>
+              <a:ext uri="{96DAC541-7B7A-43D3-8B79-37D633B846F1}">
+                <asvg:svgBlip xmlns:asvg="http://schemas.microsoft.com/office/drawing/2016/SVG/main" r:embed="rId4"/>
+              </a:ext>
+            </a:extLst>
+          </a:blip>
+          <a:stretch>
+            <a:fillRect/>
+          </a:stretch>
+        </p:blipFill>
+        <p:spPr>
+          <a:xfrm>
+            <a:off x="1892562" y="939750"/>
+            <a:ext cx="8708280" cy="5918249"/>
+          </a:xfrm>
+        </p:spPr>
+      </p:pic>
+    </p:spTree>
+    <p:extLst>
+      <p:ext uri="{BB962C8B-B14F-4D97-AF65-F5344CB8AC3E}">
+        <p14:creationId xmlns:p14="http://schemas.microsoft.com/office/powerpoint/2010/main" val="4242615485"/>
+      </p:ext>
+    </p:extLst>
+  </p:cSld>
+  <p:clrMapOvr>
+    <a:masterClrMapping/>
+  </p:clrMapOvr>
+</p:sld>
+</file>
+
+<file path=ppt/slides/slide4.xml><?xml version="1.0" encoding="utf-8"?>
+<p:sld xmlns:a="http://schemas.openxmlformats.org/drawingml/2006/main" xmlns:r="http://schemas.openxmlformats.org/officeDocument/2006/relationships" xmlns:p="http://schemas.openxmlformats.org/presentationml/2006/main" show="0">
+  <p:cSld>
+    <p:spTree>
+      <p:nvGrpSpPr>
+        <p:cNvPr id="1" name=""/>
+        <p:cNvGrpSpPr/>
+        <p:nvPr/>
+      </p:nvGrpSpPr>
+      <p:grpSpPr>
+        <a:xfrm>
+          <a:off x="0" y="0"/>
+          <a:ext cx="0" cy="0"/>
+          <a:chOff x="0" y="0"/>
+          <a:chExt cx="0" cy="0"/>
+        </a:xfrm>
+      </p:grpSpPr>
+      <p:sp>
+        <p:nvSpPr>
+          <p:cNvPr id="2" name="Title 1">
+            <a:extLst>
+              <a:ext uri="{FF2B5EF4-FFF2-40B4-BE49-F238E27FC236}">
+                <a16:creationId xmlns:a16="http://schemas.microsoft.com/office/drawing/2014/main" id="{B90F760E-C8A5-4A3D-BB20-7591A23B698F}"/>
+              </a:ext>
+            </a:extLst>
+          </p:cNvPr>
+          <p:cNvSpPr>
+            <a:spLocks noGrp="1"/>
+          </p:cNvSpPr>
+          <p:nvPr>
+            <p:ph type="title"/>
+          </p:nvPr>
+        </p:nvSpPr>
+        <p:spPr/>
+        <p:txBody>
+          <a:bodyPr/>
+          <a:lstStyle/>
+          <a:p>
+            <a:endParaRPr lang="en-US"/>
+          </a:p>
+        </p:txBody>
+      </p:sp>
+      <p:pic>
+        <p:nvPicPr>
+          <p:cNvPr id="5" name="Content Placeholder 4">
+            <a:extLst>
+              <a:ext uri="{FF2B5EF4-FFF2-40B4-BE49-F238E27FC236}">
+                <a16:creationId xmlns:a16="http://schemas.microsoft.com/office/drawing/2014/main" id="{A451B902-ED6A-43A7-B825-FB481CC8F93C}"/>
+              </a:ext>
+            </a:extLst>
+          </p:cNvPr>
+          <p:cNvPicPr>
+            <a:picLocks noGrp="1" noChangeAspect="1"/>
+          </p:cNvPicPr>
+          <p:nvPr>
+            <p:ph idx="1"/>
+          </p:nvPr>
+        </p:nvPicPr>
+        <p:blipFill>
+          <a:blip r:embed="rId2">
+            <a:extLst>
+              <a:ext uri="{28A0092B-C50C-407E-A947-70E740481C1C}">
+                <a14:useLocalDpi xmlns:a14="http://schemas.microsoft.com/office/drawing/2010/main" val="0"/>
+              </a:ext>
+              <a:ext uri="{96DAC541-7B7A-43D3-8B79-37D633B846F1}">
+                <asvg:svgBlip xmlns:asvg="http://schemas.microsoft.com/office/drawing/2016/SVG/main" r:embed="rId3"/>
+              </a:ext>
+            </a:extLst>
+          </a:blip>
+          <a:stretch>
+            <a:fillRect/>
+          </a:stretch>
+        </p:blipFill>
+        <p:spPr>
+          <a:xfrm>
+            <a:off x="1466491" y="382394"/>
+            <a:ext cx="8662358" cy="6475606"/>
+          </a:xfrm>
+        </p:spPr>
+      </p:pic>
+    </p:spTree>
+    <p:extLst>
+      <p:ext uri="{BB962C8B-B14F-4D97-AF65-F5344CB8AC3E}">
+        <p14:creationId xmlns:p14="http://schemas.microsoft.com/office/powerpoint/2010/main" val="1064997087"/>
+      </p:ext>
+    </p:extLst>
+  </p:cSld>
+  <p:clrMapOvr>
+    <a:masterClrMapping/>
+  </p:clrMapOvr>
+</p:sld>
+</file>
+
+<file path=ppt/slides/slide5.xml><?xml version="1.0" encoding="utf-8"?>
 <p:sld xmlns:a="http://schemas.openxmlformats.org/drawingml/2006/main" xmlns:r="http://schemas.openxmlformats.org/officeDocument/2006/relationships" xmlns:p="http://schemas.openxmlformats.org/presentationml/2006/main">
   <p:cSld>
     <p:spTree>
@@ -7689,7 +8594,7 @@
 </p:sld>
 </file>
 
-<file path=ppt/slides/slide4.xml><?xml version="1.0" encoding="utf-8"?>
+<file path=ppt/slides/slide6.xml><?xml version="1.0" encoding="utf-8"?>
 <p:sld xmlns:a="http://schemas.openxmlformats.org/drawingml/2006/main" xmlns:r="http://schemas.openxmlformats.org/officeDocument/2006/relationships" xmlns:p="http://schemas.openxmlformats.org/presentationml/2006/main">
   <p:cSld>
     <p:spTree>
@@ -7838,7 +8743,7 @@
 </p:sld>
 </file>
 
-<file path=ppt/slides/slide5.xml><?xml version="1.0" encoding="utf-8"?>
+<file path=ppt/slides/slide7.xml><?xml version="1.0" encoding="utf-8"?>
 <p:sld xmlns:a="http://schemas.openxmlformats.org/drawingml/2006/main" xmlns:r="http://schemas.openxmlformats.org/officeDocument/2006/relationships" xmlns:p="http://schemas.openxmlformats.org/presentationml/2006/main">
   <p:cSld>
     <p:spTree>
@@ -7958,7 +8863,7 @@
 </p:sld>
 </file>
 
-<file path=ppt/slides/slide6.xml><?xml version="1.0" encoding="utf-8"?>
+<file path=ppt/slides/slide8.xml><?xml version="1.0" encoding="utf-8"?>
 <p:sld xmlns:a="http://schemas.openxmlformats.org/drawingml/2006/main" xmlns:r="http://schemas.openxmlformats.org/officeDocument/2006/relationships" xmlns:p="http://schemas.openxmlformats.org/presentationml/2006/main">
   <p:cSld>
     <p:spTree>
@@ -8041,7 +8946,7 @@
 </p:sld>
 </file>
 
-<file path=ppt/slides/slide7.xml><?xml version="1.0" encoding="utf-8"?>
+<file path=ppt/slides/slide9.xml><?xml version="1.0" encoding="utf-8"?>
 <p:sld xmlns:a="http://schemas.openxmlformats.org/drawingml/2006/main" xmlns:r="http://schemas.openxmlformats.org/officeDocument/2006/relationships" xmlns:p="http://schemas.openxmlformats.org/presentationml/2006/main">
   <p:cSld>
     <p:spTree>
@@ -10747,302 +11652,6 @@
 </p:sld>
 </file>
 
-<file path=ppt/slides/slide8.xml><?xml version="1.0" encoding="utf-8"?>
-<p:sld xmlns:a="http://schemas.openxmlformats.org/drawingml/2006/main" xmlns:r="http://schemas.openxmlformats.org/officeDocument/2006/relationships" xmlns:p="http://schemas.openxmlformats.org/presentationml/2006/main">
-  <p:cSld>
-    <p:spTree>
-      <p:nvGrpSpPr>
-        <p:cNvPr id="1" name=""/>
-        <p:cNvGrpSpPr/>
-        <p:nvPr/>
-      </p:nvGrpSpPr>
-      <p:grpSpPr>
-        <a:xfrm>
-          <a:off x="0" y="0"/>
-          <a:ext cx="0" cy="0"/>
-          <a:chOff x="0" y="0"/>
-          <a:chExt cx="0" cy="0"/>
-        </a:xfrm>
-      </p:grpSpPr>
-      <p:sp>
-        <p:nvSpPr>
-          <p:cNvPr id="2" name="Title 1">
-            <a:extLst>
-              <a:ext uri="{FF2B5EF4-FFF2-40B4-BE49-F238E27FC236}">
-                <a16:creationId xmlns:a16="http://schemas.microsoft.com/office/drawing/2014/main" id="{CB9D5FB6-F51B-4023-9BA5-B049BB893CB2}"/>
-              </a:ext>
-            </a:extLst>
-          </p:cNvPr>
-          <p:cNvSpPr>
-            <a:spLocks noGrp="1"/>
-          </p:cNvSpPr>
-          <p:nvPr>
-            <p:ph type="title"/>
-          </p:nvPr>
-        </p:nvSpPr>
-        <p:spPr>
-          <a:xfrm>
-            <a:off x="838200" y="336989"/>
-            <a:ext cx="10515600" cy="1325563"/>
-          </a:xfrm>
-        </p:spPr>
-        <p:txBody>
-          <a:bodyPr/>
-          <a:lstStyle/>
-          <a:p>
-            <a:r>
-              <a:rPr lang="en-US" dirty="0"/>
-              <a:t>What is ML</a:t>
-            </a:r>
-          </a:p>
-        </p:txBody>
-      </p:sp>
-      <p:pic>
-        <p:nvPicPr>
-          <p:cNvPr id="4" name="Content Placeholder 3">
-            <a:extLst>
-              <a:ext uri="{FF2B5EF4-FFF2-40B4-BE49-F238E27FC236}">
-                <a16:creationId xmlns:a16="http://schemas.microsoft.com/office/drawing/2014/main" id="{42192DA7-EBFE-4A33-BD33-75F41AE61DAB}"/>
-              </a:ext>
-            </a:extLst>
-          </p:cNvPr>
-          <p:cNvPicPr>
-            <a:picLocks noGrp="1" noChangeAspect="1"/>
-          </p:cNvPicPr>
-          <p:nvPr>
-            <p:ph idx="1"/>
-          </p:nvPr>
-        </p:nvPicPr>
-        <p:blipFill>
-          <a:blip r:embed="rId2"/>
-          <a:stretch>
-            <a:fillRect/>
-          </a:stretch>
-        </p:blipFill>
-        <p:spPr>
-          <a:xfrm>
-            <a:off x="1424838" y="1662552"/>
-            <a:ext cx="9821790" cy="4378388"/>
-          </a:xfrm>
-          <a:prstGeom prst="rect">
-            <a:avLst/>
-          </a:prstGeom>
-        </p:spPr>
-      </p:pic>
-    </p:spTree>
-    <p:extLst>
-      <p:ext uri="{BB962C8B-B14F-4D97-AF65-F5344CB8AC3E}">
-        <p14:creationId xmlns:p14="http://schemas.microsoft.com/office/powerpoint/2010/main" val="3500326752"/>
-      </p:ext>
-    </p:extLst>
-  </p:cSld>
-  <p:clrMapOvr>
-    <a:masterClrMapping/>
-  </p:clrMapOvr>
-</p:sld>
-</file>
-
-<file path=ppt/slides/slide9.xml><?xml version="1.0" encoding="utf-8"?>
-<p:sld xmlns:a="http://schemas.openxmlformats.org/drawingml/2006/main" xmlns:r="http://schemas.openxmlformats.org/officeDocument/2006/relationships" xmlns:p="http://schemas.openxmlformats.org/presentationml/2006/main">
-  <p:cSld>
-    <p:spTree>
-      <p:nvGrpSpPr>
-        <p:cNvPr id="1" name=""/>
-        <p:cNvGrpSpPr/>
-        <p:nvPr/>
-      </p:nvGrpSpPr>
-      <p:grpSpPr>
-        <a:xfrm>
-          <a:off x="0" y="0"/>
-          <a:ext cx="0" cy="0"/>
-          <a:chOff x="0" y="0"/>
-          <a:chExt cx="0" cy="0"/>
-        </a:xfrm>
-      </p:grpSpPr>
-      <p:sp>
-        <p:nvSpPr>
-          <p:cNvPr id="2" name="Title 1">
-            <a:extLst>
-              <a:ext uri="{FF2B5EF4-FFF2-40B4-BE49-F238E27FC236}">
-                <a16:creationId xmlns:a16="http://schemas.microsoft.com/office/drawing/2014/main" id="{36402DAA-F9F1-4892-958D-109D4A7BD056}"/>
-              </a:ext>
-            </a:extLst>
-          </p:cNvPr>
-          <p:cNvSpPr>
-            <a:spLocks noGrp="1"/>
-          </p:cNvSpPr>
-          <p:nvPr>
-            <p:ph type="title"/>
-          </p:nvPr>
-        </p:nvSpPr>
-        <p:spPr/>
-        <p:txBody>
-          <a:bodyPr/>
-          <a:lstStyle/>
-          <a:p>
-            <a:r>
-              <a:rPr lang="en-US" dirty="0"/>
-              <a:t>Related areas. Data Science</a:t>
-            </a:r>
-          </a:p>
-        </p:txBody>
-      </p:sp>
-      <p:sp>
-        <p:nvSpPr>
-          <p:cNvPr id="3" name="Content Placeholder 2">
-            <a:extLst>
-              <a:ext uri="{FF2B5EF4-FFF2-40B4-BE49-F238E27FC236}">
-                <a16:creationId xmlns:a16="http://schemas.microsoft.com/office/drawing/2014/main" id="{1E81CD0D-A931-4D24-AFE0-8C80FC6FE49B}"/>
-              </a:ext>
-            </a:extLst>
-          </p:cNvPr>
-          <p:cNvSpPr>
-            <a:spLocks noGrp="1"/>
-          </p:cNvSpPr>
-          <p:nvPr>
-            <p:ph idx="1"/>
-          </p:nvPr>
-        </p:nvSpPr>
-        <p:spPr/>
-        <p:txBody>
-          <a:bodyPr/>
-          <a:lstStyle/>
-          <a:p>
-            <a:r>
-              <a:rPr lang="en-US" dirty="0"/>
-              <a:t>Data manipulation (50 – 80 %)</a:t>
-            </a:r>
-          </a:p>
-          <a:p>
-            <a:r>
-              <a:rPr lang="en-US" dirty="0"/>
-              <a:t>Machine Learning</a:t>
-            </a:r>
-          </a:p>
-          <a:p>
-            <a:r>
-              <a:rPr lang="en-US" dirty="0"/>
-              <a:t>Deep learning</a:t>
-            </a:r>
-          </a:p>
-          <a:p>
-            <a:endParaRPr lang="en-US" dirty="0"/>
-          </a:p>
-        </p:txBody>
-      </p:sp>
-      <p:pic>
-        <p:nvPicPr>
-          <p:cNvPr id="4" name="Picture 4" descr="Image result for data science">
-            <a:extLst>
-              <a:ext uri="{FF2B5EF4-FFF2-40B4-BE49-F238E27FC236}">
-                <a16:creationId xmlns:a16="http://schemas.microsoft.com/office/drawing/2014/main" id="{DD996324-7BDF-4FF1-BB2D-2438CA760BAF}"/>
-              </a:ext>
-            </a:extLst>
-          </p:cNvPr>
-          <p:cNvPicPr>
-            <a:picLocks noChangeAspect="1" noChangeArrowheads="1"/>
-          </p:cNvPicPr>
-          <p:nvPr/>
-        </p:nvPicPr>
-        <p:blipFill>
-          <a:blip r:embed="rId2">
-            <a:extLst>
-              <a:ext uri="{28A0092B-C50C-407E-A947-70E740481C1C}">
-                <a14:useLocalDpi xmlns:a14="http://schemas.microsoft.com/office/drawing/2010/main" val="0"/>
-              </a:ext>
-            </a:extLst>
-          </a:blip>
-          <a:stretch>
-            <a:fillRect/>
-          </a:stretch>
-        </p:blipFill>
-        <p:spPr bwMode="auto">
-          <a:xfrm>
-            <a:off x="5871233" y="1270846"/>
-            <a:ext cx="6156643" cy="5587154"/>
-          </a:xfrm>
-          <a:prstGeom prst="rect">
-            <a:avLst/>
-          </a:prstGeom>
-          <a:noFill/>
-          <a:extLst>
-            <a:ext uri="{909E8E84-426E-40DD-AFC4-6F175D3DCCD1}">
-              <a14:hiddenFill xmlns:a14="http://schemas.microsoft.com/office/drawing/2010/main">
-                <a:solidFill>
-                  <a:srgbClr val="FFFFFF"/>
-                </a:solidFill>
-              </a14:hiddenFill>
-            </a:ext>
-          </a:extLst>
-        </p:spPr>
-      </p:pic>
-      <p:sp>
-        <p:nvSpPr>
-          <p:cNvPr id="5" name="Rectangle 4">
-            <a:extLst>
-              <a:ext uri="{FF2B5EF4-FFF2-40B4-BE49-F238E27FC236}">
-                <a16:creationId xmlns:a16="http://schemas.microsoft.com/office/drawing/2014/main" id="{04A4AC6F-1852-4035-904C-777609F7CB83}"/>
-              </a:ext>
-            </a:extLst>
-          </p:cNvPr>
-          <p:cNvSpPr/>
-          <p:nvPr/>
-        </p:nvSpPr>
-        <p:spPr>
-          <a:xfrm>
-            <a:off x="1026942" y="6488668"/>
-            <a:ext cx="7807569" cy="369332"/>
-          </a:xfrm>
-          <a:prstGeom prst="rect">
-            <a:avLst/>
-          </a:prstGeom>
-        </p:spPr>
-        <p:txBody>
-          <a:bodyPr wrap="square">
-            <a:spAutoFit/>
-          </a:bodyPr>
-          <a:lstStyle/>
-          <a:p>
-            <a:r>
-              <a:rPr lang="en-US" dirty="0">
-                <a:solidFill>
-                  <a:schemeClr val="bg1">
-                    <a:lumMod val="75000"/>
-                  </a:schemeClr>
-                </a:solidFill>
-                <a:hlinkClick r:id="rId3">
-                  <a:extLst>
-                    <a:ext uri="{A12FA001-AC4F-418D-AE19-62706E023703}">
-                      <ahyp:hlinkClr xmlns:ahyp="http://schemas.microsoft.com/office/drawing/2018/hyperlinkcolor" val="tx"/>
-                    </a:ext>
-                  </a:extLst>
-                </a:hlinkClick>
-              </a:rPr>
-              <a:t>http://sitiobigdata.com/2018/08/27/los-tres-nucleos-de-data-science/</a:t>
-            </a:r>
-            <a:endParaRPr lang="en-US" dirty="0">
-              <a:solidFill>
-                <a:schemeClr val="bg1">
-                  <a:lumMod val="75000"/>
-                </a:schemeClr>
-              </a:solidFill>
-            </a:endParaRPr>
-          </a:p>
-        </p:txBody>
-      </p:sp>
-    </p:spTree>
-    <p:extLst>
-      <p:ext uri="{BB962C8B-B14F-4D97-AF65-F5344CB8AC3E}">
-        <p14:creationId xmlns:p14="http://schemas.microsoft.com/office/powerpoint/2010/main" val="3632336806"/>
-      </p:ext>
-    </p:extLst>
-  </p:cSld>
-  <p:clrMapOvr>
-    <a:masterClrMapping/>
-  </p:clrMapOvr>
-</p:sld>
-</file>
-
 <file path=ppt/theme/theme1.xml><?xml version="1.0" encoding="utf-8"?>
 <a:theme xmlns:a="http://schemas.openxmlformats.org/drawingml/2006/main" name="Office Theme">
   <a:themeElements>
